--- a/Progress.pptx
+++ b/Progress.pptx
@@ -2,7 +2,7 @@
 <file path=ppt/presentation.xml><?xml version="1.0" encoding="utf-8"?>
 <p:presentation xmlns:a="http://schemas.openxmlformats.org/drawingml/2006/main" xmlns:r="http://schemas.openxmlformats.org/officeDocument/2006/relationships" xmlns:p="http://schemas.openxmlformats.org/presentationml/2006/main" saveSubsetFonts="1">
   <p:sldMasterIdLst>
-    <p:sldMasterId id="2147483648" r:id="rId1"/>
+    <p:sldMasterId id="2147483660" r:id="rId1"/>
   </p:sldMasterIdLst>
   <p:sldIdLst>
     <p:sldId id="256" r:id="rId2"/>
@@ -19,7 +19,7 @@
     <a:defPPr>
       <a:defRPr lang="en-US"/>
     </a:defPPr>
-    <a:lvl1pPr marL="0" algn="l" defTabSz="914400" rtl="0" eaLnBrk="1" latinLnBrk="0" hangingPunct="1">
+    <a:lvl1pPr marL="0" algn="l" defTabSz="457200" rtl="0" eaLnBrk="1" latinLnBrk="0" hangingPunct="1">
       <a:defRPr sz="1800" kern="1200">
         <a:solidFill>
           <a:schemeClr val="tx1"/>
@@ -29,7 +29,7 @@
         <a:cs typeface="+mn-cs"/>
       </a:defRPr>
     </a:lvl1pPr>
-    <a:lvl2pPr marL="457200" algn="l" defTabSz="914400" rtl="0" eaLnBrk="1" latinLnBrk="0" hangingPunct="1">
+    <a:lvl2pPr marL="457200" algn="l" defTabSz="457200" rtl="0" eaLnBrk="1" latinLnBrk="0" hangingPunct="1">
       <a:defRPr sz="1800" kern="1200">
         <a:solidFill>
           <a:schemeClr val="tx1"/>
@@ -39,7 +39,7 @@
         <a:cs typeface="+mn-cs"/>
       </a:defRPr>
     </a:lvl2pPr>
-    <a:lvl3pPr marL="914400" algn="l" defTabSz="914400" rtl="0" eaLnBrk="1" latinLnBrk="0" hangingPunct="1">
+    <a:lvl3pPr marL="914400" algn="l" defTabSz="457200" rtl="0" eaLnBrk="1" latinLnBrk="0" hangingPunct="1">
       <a:defRPr sz="1800" kern="1200">
         <a:solidFill>
           <a:schemeClr val="tx1"/>
@@ -49,7 +49,7 @@
         <a:cs typeface="+mn-cs"/>
       </a:defRPr>
     </a:lvl3pPr>
-    <a:lvl4pPr marL="1371600" algn="l" defTabSz="914400" rtl="0" eaLnBrk="1" latinLnBrk="0" hangingPunct="1">
+    <a:lvl4pPr marL="1371600" algn="l" defTabSz="457200" rtl="0" eaLnBrk="1" latinLnBrk="0" hangingPunct="1">
       <a:defRPr sz="1800" kern="1200">
         <a:solidFill>
           <a:schemeClr val="tx1"/>
@@ -59,7 +59,7 @@
         <a:cs typeface="+mn-cs"/>
       </a:defRPr>
     </a:lvl4pPr>
-    <a:lvl5pPr marL="1828800" algn="l" defTabSz="914400" rtl="0" eaLnBrk="1" latinLnBrk="0" hangingPunct="1">
+    <a:lvl5pPr marL="1828800" algn="l" defTabSz="457200" rtl="0" eaLnBrk="1" latinLnBrk="0" hangingPunct="1">
       <a:defRPr sz="1800" kern="1200">
         <a:solidFill>
           <a:schemeClr val="tx1"/>
@@ -69,7 +69,7 @@
         <a:cs typeface="+mn-cs"/>
       </a:defRPr>
     </a:lvl5pPr>
-    <a:lvl6pPr marL="2286000" algn="l" defTabSz="914400" rtl="0" eaLnBrk="1" latinLnBrk="0" hangingPunct="1">
+    <a:lvl6pPr marL="2286000" algn="l" defTabSz="457200" rtl="0" eaLnBrk="1" latinLnBrk="0" hangingPunct="1">
       <a:defRPr sz="1800" kern="1200">
         <a:solidFill>
           <a:schemeClr val="tx1"/>
@@ -79,7 +79,7 @@
         <a:cs typeface="+mn-cs"/>
       </a:defRPr>
     </a:lvl6pPr>
-    <a:lvl7pPr marL="2743200" algn="l" defTabSz="914400" rtl="0" eaLnBrk="1" latinLnBrk="0" hangingPunct="1">
+    <a:lvl7pPr marL="2743200" algn="l" defTabSz="457200" rtl="0" eaLnBrk="1" latinLnBrk="0" hangingPunct="1">
       <a:defRPr sz="1800" kern="1200">
         <a:solidFill>
           <a:schemeClr val="tx1"/>
@@ -89,7 +89,7 @@
         <a:cs typeface="+mn-cs"/>
       </a:defRPr>
     </a:lvl7pPr>
-    <a:lvl8pPr marL="3200400" algn="l" defTabSz="914400" rtl="0" eaLnBrk="1" latinLnBrk="0" hangingPunct="1">
+    <a:lvl8pPr marL="3200400" algn="l" defTabSz="457200" rtl="0" eaLnBrk="1" latinLnBrk="0" hangingPunct="1">
       <a:defRPr sz="1800" kern="1200">
         <a:solidFill>
           <a:schemeClr val="tx1"/>
@@ -99,7 +99,7 @@
         <a:cs typeface="+mn-cs"/>
       </a:defRPr>
     </a:lvl8pPr>
-    <a:lvl9pPr marL="3657600" algn="l" defTabSz="914400" rtl="0" eaLnBrk="1" latinLnBrk="0" hangingPunct="1">
+    <a:lvl9pPr marL="3657600" algn="l" defTabSz="457200" rtl="0" eaLnBrk="1" latinLnBrk="0" hangingPunct="1">
       <a:defRPr sz="1800" kern="1200">
         <a:solidFill>
           <a:schemeClr val="tx1"/>
@@ -119,7 +119,7 @@
 </file>
 
 <file path=ppt/slideLayouts/slideLayout1.xml><?xml version="1.0" encoding="utf-8"?>
-<p:sldLayout xmlns:a="http://schemas.openxmlformats.org/drawingml/2006/main" xmlns:r="http://schemas.openxmlformats.org/officeDocument/2006/relationships" xmlns:p="http://schemas.openxmlformats.org/presentationml/2006/main" type="title" preserve="1">
+<p:sldLayout xmlns:a="http://schemas.openxmlformats.org/drawingml/2006/main" xmlns:r="http://schemas.openxmlformats.org/officeDocument/2006/relationships" xmlns:p="http://schemas.openxmlformats.org/presentationml/2006/main" showMasterSp="0" type="title" preserve="1">
   <p:cSld name="Title Slide">
     <p:spTree>
       <p:nvGrpSpPr>
@@ -135,15 +135,539 @@
           <a:chExt cx="0" cy="0"/>
         </a:xfrm>
       </p:grpSpPr>
+      <p:grpSp>
+        <p:nvGrpSpPr>
+          <p:cNvPr id="7" name="Group 6"/>
+          <p:cNvGrpSpPr/>
+          <p:nvPr/>
+        </p:nvGrpSpPr>
+        <p:grpSpPr>
+          <a:xfrm>
+            <a:off x="0" y="-8467"/>
+            <a:ext cx="12192000" cy="6866467"/>
+            <a:chOff x="0" y="-8467"/>
+            <a:chExt cx="12192000" cy="6866467"/>
+          </a:xfrm>
+        </p:grpSpPr>
+        <p:cxnSp>
+          <p:nvCxnSpPr>
+            <p:cNvPr id="32" name="Straight Connector 31"/>
+            <p:cNvCxnSpPr/>
+            <p:nvPr/>
+          </p:nvCxnSpPr>
+          <p:spPr>
+            <a:xfrm>
+              <a:off x="9371012" y="0"/>
+              <a:ext cx="1219200" cy="6858000"/>
+            </a:xfrm>
+            <a:prstGeom prst="line">
+              <a:avLst/>
+            </a:prstGeom>
+            <a:ln w="9525">
+              <a:solidFill>
+                <a:schemeClr val="bg1">
+                  <a:lumMod val="75000"/>
+                </a:schemeClr>
+              </a:solidFill>
+            </a:ln>
+          </p:spPr>
+          <p:style>
+            <a:lnRef idx="2">
+              <a:schemeClr val="accent1"/>
+            </a:lnRef>
+            <a:fillRef idx="0">
+              <a:schemeClr val="accent1"/>
+            </a:fillRef>
+            <a:effectRef idx="1">
+              <a:schemeClr val="accent1"/>
+            </a:effectRef>
+            <a:fontRef idx="minor">
+              <a:schemeClr val="tx1"/>
+            </a:fontRef>
+          </p:style>
+        </p:cxnSp>
+        <p:cxnSp>
+          <p:nvCxnSpPr>
+            <p:cNvPr id="21" name="Straight Connector 20"/>
+            <p:cNvCxnSpPr/>
+            <p:nvPr/>
+          </p:nvCxnSpPr>
+          <p:spPr>
+            <a:xfrm flipH="1">
+              <a:off x="7425267" y="3681413"/>
+              <a:ext cx="4763558" cy="3176587"/>
+            </a:xfrm>
+            <a:prstGeom prst="line">
+              <a:avLst/>
+            </a:prstGeom>
+            <a:ln w="9525">
+              <a:solidFill>
+                <a:schemeClr val="bg1">
+                  <a:lumMod val="85000"/>
+                </a:schemeClr>
+              </a:solidFill>
+            </a:ln>
+          </p:spPr>
+          <p:style>
+            <a:lnRef idx="2">
+              <a:schemeClr val="accent1"/>
+            </a:lnRef>
+            <a:fillRef idx="0">
+              <a:schemeClr val="accent1"/>
+            </a:fillRef>
+            <a:effectRef idx="1">
+              <a:schemeClr val="accent1"/>
+            </a:effectRef>
+            <a:fontRef idx="minor">
+              <a:schemeClr val="tx1"/>
+            </a:fontRef>
+          </p:style>
+        </p:cxnSp>
+        <p:sp>
+          <p:nvSpPr>
+            <p:cNvPr id="24" name="Rectangle 23"/>
+            <p:cNvSpPr/>
+            <p:nvPr/>
+          </p:nvSpPr>
+          <p:spPr>
+            <a:xfrm>
+              <a:off x="9181476" y="-8467"/>
+              <a:ext cx="3007349" cy="6866467"/>
+            </a:xfrm>
+            <a:custGeom>
+              <a:avLst/>
+              <a:gdLst/>
+              <a:ahLst/>
+              <a:cxnLst/>
+              <a:rect l="l" t="t" r="r" b="b"/>
+              <a:pathLst>
+                <a:path w="3007349" h="6866467">
+                  <a:moveTo>
+                    <a:pt x="2045532" y="0"/>
+                  </a:moveTo>
+                  <a:lnTo>
+                    <a:pt x="3007349" y="0"/>
+                  </a:lnTo>
+                  <a:lnTo>
+                    <a:pt x="3007349" y="6866467"/>
+                  </a:lnTo>
+                  <a:lnTo>
+                    <a:pt x="0" y="6866467"/>
+                  </a:lnTo>
+                  <a:lnTo>
+                    <a:pt x="2045532" y="0"/>
+                  </a:lnTo>
+                  <a:close/>
+                </a:path>
+              </a:pathLst>
+            </a:custGeom>
+            <a:solidFill>
+              <a:schemeClr val="accent1">
+                <a:alpha val="30000"/>
+              </a:schemeClr>
+            </a:solidFill>
+            <a:ln>
+              <a:noFill/>
+            </a:ln>
+            <a:effectLst/>
+          </p:spPr>
+          <p:style>
+            <a:lnRef idx="1">
+              <a:schemeClr val="accent1"/>
+            </a:lnRef>
+            <a:fillRef idx="3">
+              <a:schemeClr val="accent1"/>
+            </a:fillRef>
+            <a:effectRef idx="2">
+              <a:schemeClr val="accent1"/>
+            </a:effectRef>
+            <a:fontRef idx="minor">
+              <a:schemeClr val="lt1"/>
+            </a:fontRef>
+          </p:style>
+        </p:sp>
+        <p:sp>
+          <p:nvSpPr>
+            <p:cNvPr id="26" name="Rectangle 25"/>
+            <p:cNvSpPr/>
+            <p:nvPr/>
+          </p:nvSpPr>
+          <p:spPr>
+            <a:xfrm>
+              <a:off x="9603442" y="-8467"/>
+              <a:ext cx="2588558" cy="6866467"/>
+            </a:xfrm>
+            <a:custGeom>
+              <a:avLst/>
+              <a:gdLst/>
+              <a:ahLst/>
+              <a:cxnLst/>
+              <a:rect l="l" t="t" r="r" b="b"/>
+              <a:pathLst>
+                <a:path w="2573311" h="6866467">
+                  <a:moveTo>
+                    <a:pt x="0" y="0"/>
+                  </a:moveTo>
+                  <a:lnTo>
+                    <a:pt x="2573311" y="0"/>
+                  </a:lnTo>
+                  <a:lnTo>
+                    <a:pt x="2573311" y="6866467"/>
+                  </a:lnTo>
+                  <a:lnTo>
+                    <a:pt x="1202336" y="6866467"/>
+                  </a:lnTo>
+                  <a:lnTo>
+                    <a:pt x="0" y="0"/>
+                  </a:lnTo>
+                  <a:close/>
+                </a:path>
+              </a:pathLst>
+            </a:custGeom>
+            <a:solidFill>
+              <a:schemeClr val="accent1">
+                <a:alpha val="20000"/>
+              </a:schemeClr>
+            </a:solidFill>
+            <a:ln>
+              <a:noFill/>
+            </a:ln>
+            <a:effectLst/>
+          </p:spPr>
+          <p:style>
+            <a:lnRef idx="1">
+              <a:schemeClr val="accent1"/>
+            </a:lnRef>
+            <a:fillRef idx="3">
+              <a:schemeClr val="accent1"/>
+            </a:fillRef>
+            <a:effectRef idx="2">
+              <a:schemeClr val="accent1"/>
+            </a:effectRef>
+            <a:fontRef idx="minor">
+              <a:schemeClr val="lt1"/>
+            </a:fontRef>
+          </p:style>
+        </p:sp>
+        <p:sp>
+          <p:nvSpPr>
+            <p:cNvPr id="27" name="Isosceles Triangle 26"/>
+            <p:cNvSpPr/>
+            <p:nvPr/>
+          </p:nvSpPr>
+          <p:spPr>
+            <a:xfrm>
+              <a:off x="8932333" y="3048000"/>
+              <a:ext cx="3259667" cy="3810000"/>
+            </a:xfrm>
+            <a:prstGeom prst="triangle">
+              <a:avLst>
+                <a:gd name="adj" fmla="val 100000"/>
+              </a:avLst>
+            </a:prstGeom>
+            <a:solidFill>
+              <a:schemeClr val="accent2">
+                <a:alpha val="72000"/>
+              </a:schemeClr>
+            </a:solidFill>
+            <a:ln>
+              <a:noFill/>
+            </a:ln>
+            <a:effectLst/>
+          </p:spPr>
+          <p:style>
+            <a:lnRef idx="1">
+              <a:schemeClr val="accent1"/>
+            </a:lnRef>
+            <a:fillRef idx="3">
+              <a:schemeClr val="accent1"/>
+            </a:fillRef>
+            <a:effectRef idx="2">
+              <a:schemeClr val="accent1"/>
+            </a:effectRef>
+            <a:fontRef idx="minor">
+              <a:schemeClr val="lt1"/>
+            </a:fontRef>
+          </p:style>
+        </p:sp>
+        <p:sp>
+          <p:nvSpPr>
+            <p:cNvPr id="28" name="Rectangle 27"/>
+            <p:cNvSpPr/>
+            <p:nvPr/>
+          </p:nvSpPr>
+          <p:spPr>
+            <a:xfrm>
+              <a:off x="9334500" y="-8467"/>
+              <a:ext cx="2854326" cy="6866467"/>
+            </a:xfrm>
+            <a:custGeom>
+              <a:avLst/>
+              <a:gdLst/>
+              <a:ahLst/>
+              <a:cxnLst/>
+              <a:rect l="l" t="t" r="r" b="b"/>
+              <a:pathLst>
+                <a:path w="2858013" h="6866467">
+                  <a:moveTo>
+                    <a:pt x="0" y="0"/>
+                  </a:moveTo>
+                  <a:lnTo>
+                    <a:pt x="2858013" y="0"/>
+                  </a:lnTo>
+                  <a:lnTo>
+                    <a:pt x="2858013" y="6866467"/>
+                  </a:lnTo>
+                  <a:lnTo>
+                    <a:pt x="2473942" y="6866467"/>
+                  </a:lnTo>
+                  <a:lnTo>
+                    <a:pt x="0" y="0"/>
+                  </a:lnTo>
+                  <a:close/>
+                </a:path>
+              </a:pathLst>
+            </a:custGeom>
+            <a:solidFill>
+              <a:schemeClr val="accent2">
+                <a:lumMod val="75000"/>
+                <a:alpha val="70000"/>
+              </a:schemeClr>
+            </a:solidFill>
+            <a:ln>
+              <a:noFill/>
+            </a:ln>
+            <a:effectLst/>
+          </p:spPr>
+          <p:style>
+            <a:lnRef idx="1">
+              <a:schemeClr val="accent1"/>
+            </a:lnRef>
+            <a:fillRef idx="3">
+              <a:schemeClr val="accent1"/>
+            </a:fillRef>
+            <a:effectRef idx="2">
+              <a:schemeClr val="accent1"/>
+            </a:effectRef>
+            <a:fontRef idx="minor">
+              <a:schemeClr val="lt1"/>
+            </a:fontRef>
+          </p:style>
+        </p:sp>
+        <p:sp>
+          <p:nvSpPr>
+            <p:cNvPr id="29" name="Rectangle 28"/>
+            <p:cNvSpPr/>
+            <p:nvPr/>
+          </p:nvSpPr>
+          <p:spPr>
+            <a:xfrm>
+              <a:off x="10898730" y="-8467"/>
+              <a:ext cx="1290094" cy="6866467"/>
+            </a:xfrm>
+            <a:custGeom>
+              <a:avLst/>
+              <a:gdLst/>
+              <a:ahLst/>
+              <a:cxnLst/>
+              <a:rect l="l" t="t" r="r" b="b"/>
+              <a:pathLst>
+                <a:path w="1290094" h="6858000">
+                  <a:moveTo>
+                    <a:pt x="1019735" y="0"/>
+                  </a:moveTo>
+                  <a:lnTo>
+                    <a:pt x="1290094" y="0"/>
+                  </a:lnTo>
+                  <a:lnTo>
+                    <a:pt x="1290094" y="6858000"/>
+                  </a:lnTo>
+                  <a:lnTo>
+                    <a:pt x="0" y="6858000"/>
+                  </a:lnTo>
+                  <a:lnTo>
+                    <a:pt x="1019735" y="0"/>
+                  </a:lnTo>
+                  <a:close/>
+                </a:path>
+              </a:pathLst>
+            </a:custGeom>
+            <a:solidFill>
+              <a:schemeClr val="accent1">
+                <a:lumMod val="60000"/>
+                <a:lumOff val="40000"/>
+                <a:alpha val="70000"/>
+              </a:schemeClr>
+            </a:solidFill>
+            <a:ln>
+              <a:noFill/>
+            </a:ln>
+            <a:effectLst/>
+          </p:spPr>
+          <p:style>
+            <a:lnRef idx="1">
+              <a:schemeClr val="accent1"/>
+            </a:lnRef>
+            <a:fillRef idx="3">
+              <a:schemeClr val="accent1"/>
+            </a:fillRef>
+            <a:effectRef idx="2">
+              <a:schemeClr val="accent1"/>
+            </a:effectRef>
+            <a:fontRef idx="minor">
+              <a:schemeClr val="lt1"/>
+            </a:fontRef>
+          </p:style>
+        </p:sp>
+        <p:sp>
+          <p:nvSpPr>
+            <p:cNvPr id="30" name="Rectangle 29"/>
+            <p:cNvSpPr/>
+            <p:nvPr/>
+          </p:nvSpPr>
+          <p:spPr>
+            <a:xfrm>
+              <a:off x="10938999" y="-8467"/>
+              <a:ext cx="1249825" cy="6866467"/>
+            </a:xfrm>
+            <a:custGeom>
+              <a:avLst/>
+              <a:gdLst/>
+              <a:ahLst/>
+              <a:cxnLst/>
+              <a:rect l="l" t="t" r="r" b="b"/>
+              <a:pathLst>
+                <a:path w="1249825" h="6858000">
+                  <a:moveTo>
+                    <a:pt x="0" y="0"/>
+                  </a:moveTo>
+                  <a:lnTo>
+                    <a:pt x="1249825" y="0"/>
+                  </a:lnTo>
+                  <a:lnTo>
+                    <a:pt x="1249825" y="6858000"/>
+                  </a:lnTo>
+                  <a:lnTo>
+                    <a:pt x="1109382" y="6858000"/>
+                  </a:lnTo>
+                  <a:lnTo>
+                    <a:pt x="0" y="0"/>
+                  </a:lnTo>
+                  <a:close/>
+                </a:path>
+              </a:pathLst>
+            </a:custGeom>
+            <a:solidFill>
+              <a:schemeClr val="accent1">
+                <a:alpha val="65000"/>
+              </a:schemeClr>
+            </a:solidFill>
+            <a:ln>
+              <a:noFill/>
+            </a:ln>
+            <a:effectLst/>
+          </p:spPr>
+          <p:style>
+            <a:lnRef idx="1">
+              <a:schemeClr val="accent1"/>
+            </a:lnRef>
+            <a:fillRef idx="3">
+              <a:schemeClr val="accent1"/>
+            </a:fillRef>
+            <a:effectRef idx="2">
+              <a:schemeClr val="accent1"/>
+            </a:effectRef>
+            <a:fontRef idx="minor">
+              <a:schemeClr val="lt1"/>
+            </a:fontRef>
+          </p:style>
+        </p:sp>
+        <p:sp>
+          <p:nvSpPr>
+            <p:cNvPr id="31" name="Isosceles Triangle 30"/>
+            <p:cNvSpPr/>
+            <p:nvPr/>
+          </p:nvSpPr>
+          <p:spPr>
+            <a:xfrm>
+              <a:off x="10371666" y="3589867"/>
+              <a:ext cx="1817159" cy="3268133"/>
+            </a:xfrm>
+            <a:prstGeom prst="triangle">
+              <a:avLst>
+                <a:gd name="adj" fmla="val 100000"/>
+              </a:avLst>
+            </a:prstGeom>
+            <a:solidFill>
+              <a:schemeClr val="accent1">
+                <a:alpha val="80000"/>
+              </a:schemeClr>
+            </a:solidFill>
+            <a:ln>
+              <a:noFill/>
+            </a:ln>
+            <a:effectLst/>
+          </p:spPr>
+          <p:style>
+            <a:lnRef idx="1">
+              <a:schemeClr val="accent1"/>
+            </a:lnRef>
+            <a:fillRef idx="3">
+              <a:schemeClr val="accent1"/>
+            </a:fillRef>
+            <a:effectRef idx="2">
+              <a:schemeClr val="accent1"/>
+            </a:effectRef>
+            <a:fontRef idx="minor">
+              <a:schemeClr val="lt1"/>
+            </a:fontRef>
+          </p:style>
+        </p:sp>
+        <p:sp>
+          <p:nvSpPr>
+            <p:cNvPr id="19" name="Isosceles Triangle 18"/>
+            <p:cNvSpPr/>
+            <p:nvPr/>
+          </p:nvSpPr>
+          <p:spPr>
+            <a:xfrm rot="10800000">
+              <a:off x="0" y="0"/>
+              <a:ext cx="842596" cy="5666154"/>
+            </a:xfrm>
+            <a:prstGeom prst="triangle">
+              <a:avLst>
+                <a:gd name="adj" fmla="val 100000"/>
+              </a:avLst>
+            </a:prstGeom>
+            <a:solidFill>
+              <a:schemeClr val="accent1">
+                <a:alpha val="85000"/>
+              </a:schemeClr>
+            </a:solidFill>
+            <a:ln>
+              <a:noFill/>
+            </a:ln>
+            <a:effectLst/>
+          </p:spPr>
+          <p:style>
+            <a:lnRef idx="1">
+              <a:schemeClr val="accent1"/>
+            </a:lnRef>
+            <a:fillRef idx="3">
+              <a:schemeClr val="accent1"/>
+            </a:fillRef>
+            <a:effectRef idx="2">
+              <a:schemeClr val="accent1"/>
+            </a:effectRef>
+            <a:fontRef idx="minor">
+              <a:schemeClr val="lt1"/>
+            </a:fontRef>
+          </p:style>
+        </p:sp>
+      </p:grpSp>
       <p:sp>
         <p:nvSpPr>
-          <p:cNvPr id="2" name="Title 1">
-            <a:extLst>
-              <a:ext uri="{FF2B5EF4-FFF2-40B4-BE49-F238E27FC236}">
-                <a16:creationId xmlns:a16="http://schemas.microsoft.com/office/drawing/2014/main" id="{D40B23E3-FCFE-5F81-5E7F-D88C7F23F2E3}"/>
-              </a:ext>
-            </a:extLst>
-          </p:cNvPr>
+          <p:cNvPr id="2" name="Title 1"/>
           <p:cNvSpPr>
             <a:spLocks noGrp="1"/>
           </p:cNvSpPr>
@@ -153,15 +677,21 @@
         </p:nvSpPr>
         <p:spPr>
           <a:xfrm>
-            <a:off x="1524000" y="1122363"/>
-            <a:ext cx="9144000" cy="2387600"/>
+            <a:off x="1507067" y="2404534"/>
+            <a:ext cx="7766936" cy="1646302"/>
           </a:xfrm>
         </p:spPr>
         <p:txBody>
-          <a:bodyPr anchor="b"/>
+          <a:bodyPr anchor="b">
+            <a:noAutofit/>
+          </a:bodyPr>
           <a:lstStyle>
-            <a:lvl1pPr algn="ctr">
-              <a:defRPr sz="6000"/>
+            <a:lvl1pPr algn="r">
+              <a:defRPr sz="5400">
+                <a:solidFill>
+                  <a:schemeClr val="accent1"/>
+                </a:solidFill>
+              </a:defRPr>
             </a:lvl1pPr>
           </a:lstStyle>
           <a:p>
@@ -169,19 +699,13 @@
               <a:rPr lang="en-US"/>
               <a:t>Click to edit Master title style</a:t>
             </a:r>
-            <a:endParaRPr lang="en-AU"/>
+            <a:endParaRPr lang="en-US" dirty="0"/>
           </a:p>
         </p:txBody>
       </p:sp>
       <p:sp>
         <p:nvSpPr>
-          <p:cNvPr id="3" name="Subtitle 2">
-            <a:extLst>
-              <a:ext uri="{FF2B5EF4-FFF2-40B4-BE49-F238E27FC236}">
-                <a16:creationId xmlns:a16="http://schemas.microsoft.com/office/drawing/2014/main" id="{974D4040-37FC-A425-E44B-91D9C447D930}"/>
-              </a:ext>
-            </a:extLst>
-          </p:cNvPr>
+          <p:cNvPr id="3" name="Subtitle 2"/>
           <p:cNvSpPr>
             <a:spLocks noGrp="1"/>
           </p:cNvSpPr>
@@ -191,48 +715,103 @@
         </p:nvSpPr>
         <p:spPr>
           <a:xfrm>
-            <a:off x="1524000" y="3602038"/>
-            <a:ext cx="9144000" cy="1655762"/>
+            <a:off x="1507067" y="4050833"/>
+            <a:ext cx="7766936" cy="1096899"/>
           </a:xfrm>
         </p:spPr>
         <p:txBody>
-          <a:bodyPr/>
+          <a:bodyPr anchor="t"/>
           <a:lstStyle>
-            <a:lvl1pPr marL="0" indent="0" algn="ctr">
-              <a:buNone/>
-              <a:defRPr sz="2400"/>
+            <a:lvl1pPr marL="0" indent="0" algn="r">
+              <a:buNone/>
+              <a:defRPr>
+                <a:solidFill>
+                  <a:schemeClr val="tx1">
+                    <a:lumMod val="50000"/>
+                    <a:lumOff val="50000"/>
+                  </a:schemeClr>
+                </a:solidFill>
+              </a:defRPr>
             </a:lvl1pPr>
             <a:lvl2pPr marL="457200" indent="0" algn="ctr">
               <a:buNone/>
-              <a:defRPr sz="2000"/>
+              <a:defRPr>
+                <a:solidFill>
+                  <a:schemeClr val="tx1">
+                    <a:tint val="75000"/>
+                  </a:schemeClr>
+                </a:solidFill>
+              </a:defRPr>
             </a:lvl2pPr>
             <a:lvl3pPr marL="914400" indent="0" algn="ctr">
               <a:buNone/>
-              <a:defRPr sz="1800"/>
+              <a:defRPr>
+                <a:solidFill>
+                  <a:schemeClr val="tx1">
+                    <a:tint val="75000"/>
+                  </a:schemeClr>
+                </a:solidFill>
+              </a:defRPr>
             </a:lvl3pPr>
             <a:lvl4pPr marL="1371600" indent="0" algn="ctr">
               <a:buNone/>
-              <a:defRPr sz="1600"/>
+              <a:defRPr>
+                <a:solidFill>
+                  <a:schemeClr val="tx1">
+                    <a:tint val="75000"/>
+                  </a:schemeClr>
+                </a:solidFill>
+              </a:defRPr>
             </a:lvl4pPr>
             <a:lvl5pPr marL="1828800" indent="0" algn="ctr">
               <a:buNone/>
-              <a:defRPr sz="1600"/>
+              <a:defRPr>
+                <a:solidFill>
+                  <a:schemeClr val="tx1">
+                    <a:tint val="75000"/>
+                  </a:schemeClr>
+                </a:solidFill>
+              </a:defRPr>
             </a:lvl5pPr>
             <a:lvl6pPr marL="2286000" indent="0" algn="ctr">
               <a:buNone/>
-              <a:defRPr sz="1600"/>
+              <a:defRPr>
+                <a:solidFill>
+                  <a:schemeClr val="tx1">
+                    <a:tint val="75000"/>
+                  </a:schemeClr>
+                </a:solidFill>
+              </a:defRPr>
             </a:lvl6pPr>
             <a:lvl7pPr marL="2743200" indent="0" algn="ctr">
               <a:buNone/>
-              <a:defRPr sz="1600"/>
+              <a:defRPr>
+                <a:solidFill>
+                  <a:schemeClr val="tx1">
+                    <a:tint val="75000"/>
+                  </a:schemeClr>
+                </a:solidFill>
+              </a:defRPr>
             </a:lvl7pPr>
             <a:lvl8pPr marL="3200400" indent="0" algn="ctr">
               <a:buNone/>
-              <a:defRPr sz="1600"/>
+              <a:defRPr>
+                <a:solidFill>
+                  <a:schemeClr val="tx1">
+                    <a:tint val="75000"/>
+                  </a:schemeClr>
+                </a:solidFill>
+              </a:defRPr>
             </a:lvl8pPr>
             <a:lvl9pPr marL="3657600" indent="0" algn="ctr">
               <a:buNone/>
-              <a:defRPr sz="1600"/>
+              <a:defRPr>
+                <a:solidFill>
+                  <a:schemeClr val="tx1">
+                    <a:tint val="75000"/>
+                  </a:schemeClr>
+                </a:solidFill>
+              </a:defRPr>
             </a:lvl9pPr>
           </a:lstStyle>
           <a:p>
@@ -240,19 +819,13 @@
               <a:rPr lang="en-US"/>
               <a:t>Click to edit Master subtitle style</a:t>
             </a:r>
-            <a:endParaRPr lang="en-AU"/>
+            <a:endParaRPr lang="en-US" dirty="0"/>
           </a:p>
         </p:txBody>
       </p:sp>
       <p:sp>
         <p:nvSpPr>
-          <p:cNvPr id="4" name="Date Placeholder 3">
-            <a:extLst>
-              <a:ext uri="{FF2B5EF4-FFF2-40B4-BE49-F238E27FC236}">
-                <a16:creationId xmlns:a16="http://schemas.microsoft.com/office/drawing/2014/main" id="{69175EA0-367D-05CB-BADA-84A676CF02CB}"/>
-              </a:ext>
-            </a:extLst>
-          </p:cNvPr>
+          <p:cNvPr id="4" name="Date Placeholder 3"/>
           <p:cNvSpPr>
             <a:spLocks noGrp="1"/>
           </p:cNvSpPr>
@@ -275,13 +848,7 @@
       </p:sp>
       <p:sp>
         <p:nvSpPr>
-          <p:cNvPr id="5" name="Footer Placeholder 4">
-            <a:extLst>
-              <a:ext uri="{FF2B5EF4-FFF2-40B4-BE49-F238E27FC236}">
-                <a16:creationId xmlns:a16="http://schemas.microsoft.com/office/drawing/2014/main" id="{1DA62366-B039-1BA7-7B8F-51C8DB0ED8FC}"/>
-              </a:ext>
-            </a:extLst>
-          </p:cNvPr>
+          <p:cNvPr id="5" name="Footer Placeholder 4"/>
           <p:cNvSpPr>
             <a:spLocks noGrp="1"/>
           </p:cNvSpPr>
@@ -300,13 +867,7 @@
       </p:sp>
       <p:sp>
         <p:nvSpPr>
-          <p:cNvPr id="6" name="Slide Number Placeholder 5">
-            <a:extLst>
-              <a:ext uri="{FF2B5EF4-FFF2-40B4-BE49-F238E27FC236}">
-                <a16:creationId xmlns:a16="http://schemas.microsoft.com/office/drawing/2014/main" id="{04FDBEEF-2087-D461-EBB1-A727477A3665}"/>
-              </a:ext>
-            </a:extLst>
-          </p:cNvPr>
+          <p:cNvPr id="6" name="Slide Number Placeholder 5"/>
           <p:cNvSpPr>
             <a:spLocks noGrp="1"/>
           </p:cNvSpPr>
@@ -330,7 +891,7 @@
     </p:spTree>
     <p:extLst>
       <p:ext uri="{BB962C8B-B14F-4D97-AF65-F5344CB8AC3E}">
-        <p14:creationId xmlns:p14="http://schemas.microsoft.com/office/powerpoint/2010/main" val="967679604"/>
+        <p14:creationId xmlns:p14="http://schemas.microsoft.com/office/powerpoint/2010/main" val="1078623020"/>
       </p:ext>
     </p:extLst>
   </p:cSld>
@@ -341,6 +902,1619 @@
 </file>
 
 <file path=ppt/slideLayouts/slideLayout10.xml><?xml version="1.0" encoding="utf-8"?>
+<p:sldLayout xmlns:a="http://schemas.openxmlformats.org/drawingml/2006/main" xmlns:r="http://schemas.openxmlformats.org/officeDocument/2006/relationships" xmlns:p="http://schemas.openxmlformats.org/presentationml/2006/main" preserve="1">
+  <p:cSld name="Title and Caption">
+    <p:spTree>
+      <p:nvGrpSpPr>
+        <p:cNvPr id="1" name=""/>
+        <p:cNvGrpSpPr/>
+        <p:nvPr/>
+      </p:nvGrpSpPr>
+      <p:grpSpPr>
+        <a:xfrm>
+          <a:off x="0" y="0"/>
+          <a:ext cx="0" cy="0"/>
+          <a:chOff x="0" y="0"/>
+          <a:chExt cx="0" cy="0"/>
+        </a:xfrm>
+      </p:grpSpPr>
+      <p:sp>
+        <p:nvSpPr>
+          <p:cNvPr id="2" name="Title 1"/>
+          <p:cNvSpPr>
+            <a:spLocks noGrp="1"/>
+          </p:cNvSpPr>
+          <p:nvPr>
+            <p:ph type="title"/>
+          </p:nvPr>
+        </p:nvSpPr>
+        <p:spPr>
+          <a:xfrm>
+            <a:off x="677335" y="609600"/>
+            <a:ext cx="8596668" cy="3403600"/>
+          </a:xfrm>
+        </p:spPr>
+        <p:txBody>
+          <a:bodyPr anchor="ctr">
+            <a:normAutofit/>
+          </a:bodyPr>
+          <a:lstStyle>
+            <a:lvl1pPr algn="l">
+              <a:defRPr sz="4400" b="0" cap="none"/>
+            </a:lvl1pPr>
+          </a:lstStyle>
+          <a:p>
+            <a:r>
+              <a:rPr lang="en-US"/>
+              <a:t>Click to edit Master title style</a:t>
+            </a:r>
+            <a:endParaRPr lang="en-US" dirty="0"/>
+          </a:p>
+        </p:txBody>
+      </p:sp>
+      <p:sp>
+        <p:nvSpPr>
+          <p:cNvPr id="3" name="Text Placeholder 2"/>
+          <p:cNvSpPr>
+            <a:spLocks noGrp="1"/>
+          </p:cNvSpPr>
+          <p:nvPr>
+            <p:ph type="body" idx="1"/>
+          </p:nvPr>
+        </p:nvSpPr>
+        <p:spPr>
+          <a:xfrm>
+            <a:off x="677335" y="4470400"/>
+            <a:ext cx="8596668" cy="1570962"/>
+          </a:xfrm>
+        </p:spPr>
+        <p:txBody>
+          <a:bodyPr anchor="ctr">
+            <a:normAutofit/>
+          </a:bodyPr>
+          <a:lstStyle>
+            <a:lvl1pPr marL="0" indent="0" algn="l">
+              <a:buNone/>
+              <a:defRPr sz="1800">
+                <a:solidFill>
+                  <a:schemeClr val="tx1">
+                    <a:lumMod val="75000"/>
+                    <a:lumOff val="25000"/>
+                  </a:schemeClr>
+                </a:solidFill>
+              </a:defRPr>
+            </a:lvl1pPr>
+            <a:lvl2pPr marL="457200" indent="0">
+              <a:buNone/>
+              <a:defRPr sz="1800">
+                <a:solidFill>
+                  <a:schemeClr val="tx1">
+                    <a:tint val="75000"/>
+                  </a:schemeClr>
+                </a:solidFill>
+              </a:defRPr>
+            </a:lvl2pPr>
+            <a:lvl3pPr marL="914400" indent="0">
+              <a:buNone/>
+              <a:defRPr sz="1600">
+                <a:solidFill>
+                  <a:schemeClr val="tx1">
+                    <a:tint val="75000"/>
+                  </a:schemeClr>
+                </a:solidFill>
+              </a:defRPr>
+            </a:lvl3pPr>
+            <a:lvl4pPr marL="1371600" indent="0">
+              <a:buNone/>
+              <a:defRPr sz="1400">
+                <a:solidFill>
+                  <a:schemeClr val="tx1">
+                    <a:tint val="75000"/>
+                  </a:schemeClr>
+                </a:solidFill>
+              </a:defRPr>
+            </a:lvl4pPr>
+            <a:lvl5pPr marL="1828800" indent="0">
+              <a:buNone/>
+              <a:defRPr sz="1400">
+                <a:solidFill>
+                  <a:schemeClr val="tx1">
+                    <a:tint val="75000"/>
+                  </a:schemeClr>
+                </a:solidFill>
+              </a:defRPr>
+            </a:lvl5pPr>
+            <a:lvl6pPr marL="2286000" indent="0">
+              <a:buNone/>
+              <a:defRPr sz="1400">
+                <a:solidFill>
+                  <a:schemeClr val="tx1">
+                    <a:tint val="75000"/>
+                  </a:schemeClr>
+                </a:solidFill>
+              </a:defRPr>
+            </a:lvl6pPr>
+            <a:lvl7pPr marL="2743200" indent="0">
+              <a:buNone/>
+              <a:defRPr sz="1400">
+                <a:solidFill>
+                  <a:schemeClr val="tx1">
+                    <a:tint val="75000"/>
+                  </a:schemeClr>
+                </a:solidFill>
+              </a:defRPr>
+            </a:lvl7pPr>
+            <a:lvl8pPr marL="3200400" indent="0">
+              <a:buNone/>
+              <a:defRPr sz="1400">
+                <a:solidFill>
+                  <a:schemeClr val="tx1">
+                    <a:tint val="75000"/>
+                  </a:schemeClr>
+                </a:solidFill>
+              </a:defRPr>
+            </a:lvl8pPr>
+            <a:lvl9pPr marL="3657600" indent="0">
+              <a:buNone/>
+              <a:defRPr sz="1400">
+                <a:solidFill>
+                  <a:schemeClr val="tx1">
+                    <a:tint val="75000"/>
+                  </a:schemeClr>
+                </a:solidFill>
+              </a:defRPr>
+            </a:lvl9pPr>
+          </a:lstStyle>
+          <a:p>
+            <a:pPr lvl="0"/>
+            <a:r>
+              <a:rPr lang="en-US"/>
+              <a:t>Click to edit Master text styles</a:t>
+            </a:r>
+          </a:p>
+        </p:txBody>
+      </p:sp>
+      <p:sp>
+        <p:nvSpPr>
+          <p:cNvPr id="4" name="Date Placeholder 3"/>
+          <p:cNvSpPr>
+            <a:spLocks noGrp="1"/>
+          </p:cNvSpPr>
+          <p:nvPr>
+            <p:ph type="dt" sz="half" idx="10"/>
+          </p:nvPr>
+        </p:nvSpPr>
+        <p:spPr/>
+        <p:txBody>
+          <a:bodyPr/>
+          <a:lstStyle/>
+          <a:p>
+            <a:fld id="{742C9A3A-49CB-4E69-9C30-8810C459E765}" type="datetimeFigureOut">
+              <a:rPr lang="en-AU" smtClean="0"/>
+              <a:t>8/09/2023</a:t>
+            </a:fld>
+            <a:endParaRPr lang="en-AU"/>
+          </a:p>
+        </p:txBody>
+      </p:sp>
+      <p:sp>
+        <p:nvSpPr>
+          <p:cNvPr id="5" name="Footer Placeholder 4"/>
+          <p:cNvSpPr>
+            <a:spLocks noGrp="1"/>
+          </p:cNvSpPr>
+          <p:nvPr>
+            <p:ph type="ftr" sz="quarter" idx="11"/>
+          </p:nvPr>
+        </p:nvSpPr>
+        <p:spPr/>
+        <p:txBody>
+          <a:bodyPr/>
+          <a:lstStyle/>
+          <a:p>
+            <a:endParaRPr lang="en-AU"/>
+          </a:p>
+        </p:txBody>
+      </p:sp>
+      <p:sp>
+        <p:nvSpPr>
+          <p:cNvPr id="6" name="Slide Number Placeholder 5"/>
+          <p:cNvSpPr>
+            <a:spLocks noGrp="1"/>
+          </p:cNvSpPr>
+          <p:nvPr>
+            <p:ph type="sldNum" sz="quarter" idx="12"/>
+          </p:nvPr>
+        </p:nvSpPr>
+        <p:spPr/>
+        <p:txBody>
+          <a:bodyPr/>
+          <a:lstStyle/>
+          <a:p>
+            <a:fld id="{DCBFC7CF-D7A0-43AF-8C32-CE657CD70155}" type="slidenum">
+              <a:rPr lang="en-AU" smtClean="0"/>
+              <a:t>‹#›</a:t>
+            </a:fld>
+            <a:endParaRPr lang="en-AU"/>
+          </a:p>
+        </p:txBody>
+      </p:sp>
+    </p:spTree>
+    <p:extLst>
+      <p:ext uri="{BB962C8B-B14F-4D97-AF65-F5344CB8AC3E}">
+        <p14:creationId xmlns:p14="http://schemas.microsoft.com/office/powerpoint/2010/main" val="1744516219"/>
+      </p:ext>
+    </p:extLst>
+  </p:cSld>
+  <p:clrMapOvr>
+    <a:masterClrMapping/>
+  </p:clrMapOvr>
+</p:sldLayout>
+</file>
+
+<file path=ppt/slideLayouts/slideLayout11.xml><?xml version="1.0" encoding="utf-8"?>
+<p:sldLayout xmlns:a="http://schemas.openxmlformats.org/drawingml/2006/main" xmlns:r="http://schemas.openxmlformats.org/officeDocument/2006/relationships" xmlns:p="http://schemas.openxmlformats.org/presentationml/2006/main" preserve="1">
+  <p:cSld name="Quote with Caption">
+    <p:spTree>
+      <p:nvGrpSpPr>
+        <p:cNvPr id="1" name=""/>
+        <p:cNvGrpSpPr/>
+        <p:nvPr/>
+      </p:nvGrpSpPr>
+      <p:grpSpPr>
+        <a:xfrm>
+          <a:off x="0" y="0"/>
+          <a:ext cx="0" cy="0"/>
+          <a:chOff x="0" y="0"/>
+          <a:chExt cx="0" cy="0"/>
+        </a:xfrm>
+      </p:grpSpPr>
+      <p:sp>
+        <p:nvSpPr>
+          <p:cNvPr id="2" name="Title 1"/>
+          <p:cNvSpPr>
+            <a:spLocks noGrp="1"/>
+          </p:cNvSpPr>
+          <p:nvPr>
+            <p:ph type="title"/>
+          </p:nvPr>
+        </p:nvSpPr>
+        <p:spPr>
+          <a:xfrm>
+            <a:off x="931334" y="609600"/>
+            <a:ext cx="8094134" cy="3022600"/>
+          </a:xfrm>
+        </p:spPr>
+        <p:txBody>
+          <a:bodyPr anchor="ctr">
+            <a:normAutofit/>
+          </a:bodyPr>
+          <a:lstStyle>
+            <a:lvl1pPr algn="l">
+              <a:defRPr sz="4400" b="0" cap="none"/>
+            </a:lvl1pPr>
+          </a:lstStyle>
+          <a:p>
+            <a:r>
+              <a:rPr lang="en-US"/>
+              <a:t>Click to edit Master title style</a:t>
+            </a:r>
+            <a:endParaRPr lang="en-US" dirty="0"/>
+          </a:p>
+        </p:txBody>
+      </p:sp>
+      <p:sp>
+        <p:nvSpPr>
+          <p:cNvPr id="23" name="Text Placeholder 9"/>
+          <p:cNvSpPr>
+            <a:spLocks noGrp="1"/>
+          </p:cNvSpPr>
+          <p:nvPr>
+            <p:ph type="body" sz="quarter" idx="13"/>
+          </p:nvPr>
+        </p:nvSpPr>
+        <p:spPr>
+          <a:xfrm>
+            <a:off x="1366139" y="3632200"/>
+            <a:ext cx="7224524" cy="381000"/>
+          </a:xfrm>
+        </p:spPr>
+        <p:txBody>
+          <a:bodyPr anchor="ctr">
+            <a:noAutofit/>
+          </a:bodyPr>
+          <a:lstStyle>
+            <a:lvl1pPr marL="0" indent="0">
+              <a:buFontTx/>
+              <a:buNone/>
+              <a:defRPr sz="1600">
+                <a:solidFill>
+                  <a:schemeClr val="tx1">
+                    <a:lumMod val="50000"/>
+                    <a:lumOff val="50000"/>
+                  </a:schemeClr>
+                </a:solidFill>
+              </a:defRPr>
+            </a:lvl1pPr>
+            <a:lvl2pPr marL="457200" indent="0">
+              <a:buFontTx/>
+              <a:buNone/>
+              <a:defRPr/>
+            </a:lvl2pPr>
+            <a:lvl3pPr marL="914400" indent="0">
+              <a:buFontTx/>
+              <a:buNone/>
+              <a:defRPr/>
+            </a:lvl3pPr>
+            <a:lvl4pPr marL="1371600" indent="0">
+              <a:buFontTx/>
+              <a:buNone/>
+              <a:defRPr/>
+            </a:lvl4pPr>
+            <a:lvl5pPr marL="1828800" indent="0">
+              <a:buFontTx/>
+              <a:buNone/>
+              <a:defRPr/>
+            </a:lvl5pPr>
+          </a:lstStyle>
+          <a:p>
+            <a:pPr lvl="0"/>
+            <a:r>
+              <a:rPr lang="en-US"/>
+              <a:t>Click to edit Master text styles</a:t>
+            </a:r>
+          </a:p>
+        </p:txBody>
+      </p:sp>
+      <p:sp>
+        <p:nvSpPr>
+          <p:cNvPr id="3" name="Text Placeholder 2"/>
+          <p:cNvSpPr>
+            <a:spLocks noGrp="1"/>
+          </p:cNvSpPr>
+          <p:nvPr>
+            <p:ph type="body" idx="1"/>
+          </p:nvPr>
+        </p:nvSpPr>
+        <p:spPr>
+          <a:xfrm>
+            <a:off x="677335" y="4470400"/>
+            <a:ext cx="8596668" cy="1570962"/>
+          </a:xfrm>
+        </p:spPr>
+        <p:txBody>
+          <a:bodyPr anchor="ctr">
+            <a:normAutofit/>
+          </a:bodyPr>
+          <a:lstStyle>
+            <a:lvl1pPr marL="0" indent="0" algn="l">
+              <a:buNone/>
+              <a:defRPr sz="1800">
+                <a:solidFill>
+                  <a:schemeClr val="tx1">
+                    <a:lumMod val="75000"/>
+                    <a:lumOff val="25000"/>
+                  </a:schemeClr>
+                </a:solidFill>
+              </a:defRPr>
+            </a:lvl1pPr>
+            <a:lvl2pPr marL="457200" indent="0">
+              <a:buNone/>
+              <a:defRPr sz="1800">
+                <a:solidFill>
+                  <a:schemeClr val="tx1">
+                    <a:tint val="75000"/>
+                  </a:schemeClr>
+                </a:solidFill>
+              </a:defRPr>
+            </a:lvl2pPr>
+            <a:lvl3pPr marL="914400" indent="0">
+              <a:buNone/>
+              <a:defRPr sz="1600">
+                <a:solidFill>
+                  <a:schemeClr val="tx1">
+                    <a:tint val="75000"/>
+                  </a:schemeClr>
+                </a:solidFill>
+              </a:defRPr>
+            </a:lvl3pPr>
+            <a:lvl4pPr marL="1371600" indent="0">
+              <a:buNone/>
+              <a:defRPr sz="1400">
+                <a:solidFill>
+                  <a:schemeClr val="tx1">
+                    <a:tint val="75000"/>
+                  </a:schemeClr>
+                </a:solidFill>
+              </a:defRPr>
+            </a:lvl4pPr>
+            <a:lvl5pPr marL="1828800" indent="0">
+              <a:buNone/>
+              <a:defRPr sz="1400">
+                <a:solidFill>
+                  <a:schemeClr val="tx1">
+                    <a:tint val="75000"/>
+                  </a:schemeClr>
+                </a:solidFill>
+              </a:defRPr>
+            </a:lvl5pPr>
+            <a:lvl6pPr marL="2286000" indent="0">
+              <a:buNone/>
+              <a:defRPr sz="1400">
+                <a:solidFill>
+                  <a:schemeClr val="tx1">
+                    <a:tint val="75000"/>
+                  </a:schemeClr>
+                </a:solidFill>
+              </a:defRPr>
+            </a:lvl6pPr>
+            <a:lvl7pPr marL="2743200" indent="0">
+              <a:buNone/>
+              <a:defRPr sz="1400">
+                <a:solidFill>
+                  <a:schemeClr val="tx1">
+                    <a:tint val="75000"/>
+                  </a:schemeClr>
+                </a:solidFill>
+              </a:defRPr>
+            </a:lvl7pPr>
+            <a:lvl8pPr marL="3200400" indent="0">
+              <a:buNone/>
+              <a:defRPr sz="1400">
+                <a:solidFill>
+                  <a:schemeClr val="tx1">
+                    <a:tint val="75000"/>
+                  </a:schemeClr>
+                </a:solidFill>
+              </a:defRPr>
+            </a:lvl8pPr>
+            <a:lvl9pPr marL="3657600" indent="0">
+              <a:buNone/>
+              <a:defRPr sz="1400">
+                <a:solidFill>
+                  <a:schemeClr val="tx1">
+                    <a:tint val="75000"/>
+                  </a:schemeClr>
+                </a:solidFill>
+              </a:defRPr>
+            </a:lvl9pPr>
+          </a:lstStyle>
+          <a:p>
+            <a:pPr lvl="0"/>
+            <a:r>
+              <a:rPr lang="en-US"/>
+              <a:t>Click to edit Master text styles</a:t>
+            </a:r>
+          </a:p>
+        </p:txBody>
+      </p:sp>
+      <p:sp>
+        <p:nvSpPr>
+          <p:cNvPr id="4" name="Date Placeholder 3"/>
+          <p:cNvSpPr>
+            <a:spLocks noGrp="1"/>
+          </p:cNvSpPr>
+          <p:nvPr>
+            <p:ph type="dt" sz="half" idx="10"/>
+          </p:nvPr>
+        </p:nvSpPr>
+        <p:spPr/>
+        <p:txBody>
+          <a:bodyPr/>
+          <a:lstStyle/>
+          <a:p>
+            <a:fld id="{742C9A3A-49CB-4E69-9C30-8810C459E765}" type="datetimeFigureOut">
+              <a:rPr lang="en-AU" smtClean="0"/>
+              <a:t>8/09/2023</a:t>
+            </a:fld>
+            <a:endParaRPr lang="en-AU"/>
+          </a:p>
+        </p:txBody>
+      </p:sp>
+      <p:sp>
+        <p:nvSpPr>
+          <p:cNvPr id="5" name="Footer Placeholder 4"/>
+          <p:cNvSpPr>
+            <a:spLocks noGrp="1"/>
+          </p:cNvSpPr>
+          <p:nvPr>
+            <p:ph type="ftr" sz="quarter" idx="11"/>
+          </p:nvPr>
+        </p:nvSpPr>
+        <p:spPr/>
+        <p:txBody>
+          <a:bodyPr/>
+          <a:lstStyle/>
+          <a:p>
+            <a:endParaRPr lang="en-AU"/>
+          </a:p>
+        </p:txBody>
+      </p:sp>
+      <p:sp>
+        <p:nvSpPr>
+          <p:cNvPr id="6" name="Slide Number Placeholder 5"/>
+          <p:cNvSpPr>
+            <a:spLocks noGrp="1"/>
+          </p:cNvSpPr>
+          <p:nvPr>
+            <p:ph type="sldNum" sz="quarter" idx="12"/>
+          </p:nvPr>
+        </p:nvSpPr>
+        <p:spPr/>
+        <p:txBody>
+          <a:bodyPr/>
+          <a:lstStyle/>
+          <a:p>
+            <a:fld id="{DCBFC7CF-D7A0-43AF-8C32-CE657CD70155}" type="slidenum">
+              <a:rPr lang="en-AU" smtClean="0"/>
+              <a:t>‹#›</a:t>
+            </a:fld>
+            <a:endParaRPr lang="en-AU"/>
+          </a:p>
+        </p:txBody>
+      </p:sp>
+      <p:sp>
+        <p:nvSpPr>
+          <p:cNvPr id="20" name="TextBox 19"/>
+          <p:cNvSpPr txBox="1"/>
+          <p:nvPr/>
+        </p:nvSpPr>
+        <p:spPr>
+          <a:xfrm>
+            <a:off x="541870" y="790378"/>
+            <a:ext cx="609600" cy="584776"/>
+          </a:xfrm>
+          <a:prstGeom prst="rect">
+            <a:avLst/>
+          </a:prstGeom>
+        </p:spPr>
+        <p:txBody>
+          <a:bodyPr vert="horz" lIns="91440" tIns="45720" rIns="91440" bIns="45720" rtlCol="0" anchor="ctr">
+            <a:noAutofit/>
+          </a:bodyPr>
+          <a:lstStyle/>
+          <a:p>
+            <a:pPr lvl="0"/>
+            <a:r>
+              <a:rPr lang="en-US" sz="8000" baseline="0" dirty="0">
+                <a:ln w="3175" cmpd="sng">
+                  <a:noFill/>
+                </a:ln>
+                <a:solidFill>
+                  <a:schemeClr val="accent1">
+                    <a:lumMod val="60000"/>
+                    <a:lumOff val="40000"/>
+                  </a:schemeClr>
+                </a:solidFill>
+                <a:effectLst/>
+                <a:latin typeface="Arial"/>
+              </a:rPr>
+              <a:t>“</a:t>
+            </a:r>
+          </a:p>
+        </p:txBody>
+      </p:sp>
+      <p:sp>
+        <p:nvSpPr>
+          <p:cNvPr id="22" name="TextBox 21"/>
+          <p:cNvSpPr txBox="1"/>
+          <p:nvPr/>
+        </p:nvSpPr>
+        <p:spPr>
+          <a:xfrm>
+            <a:off x="8893011" y="2886556"/>
+            <a:ext cx="609600" cy="584776"/>
+          </a:xfrm>
+          <a:prstGeom prst="rect">
+            <a:avLst/>
+          </a:prstGeom>
+        </p:spPr>
+        <p:txBody>
+          <a:bodyPr vert="horz" lIns="91440" tIns="45720" rIns="91440" bIns="45720" rtlCol="0" anchor="ctr">
+            <a:noAutofit/>
+          </a:bodyPr>
+          <a:lstStyle/>
+          <a:p>
+            <a:pPr lvl="0"/>
+            <a:r>
+              <a:rPr lang="en-US" sz="8000" baseline="0" dirty="0">
+                <a:ln w="3175" cmpd="sng">
+                  <a:noFill/>
+                </a:ln>
+                <a:solidFill>
+                  <a:schemeClr val="accent1">
+                    <a:lumMod val="60000"/>
+                    <a:lumOff val="40000"/>
+                  </a:schemeClr>
+                </a:solidFill>
+                <a:latin typeface="Arial"/>
+              </a:rPr>
+              <a:t>”</a:t>
+            </a:r>
+            <a:endParaRPr lang="en-US" dirty="0">
+              <a:solidFill>
+                <a:schemeClr val="accent1">
+                  <a:lumMod val="60000"/>
+                  <a:lumOff val="40000"/>
+                </a:schemeClr>
+              </a:solidFill>
+              <a:latin typeface="Arial"/>
+            </a:endParaRPr>
+          </a:p>
+        </p:txBody>
+      </p:sp>
+    </p:spTree>
+    <p:extLst>
+      <p:ext uri="{BB962C8B-B14F-4D97-AF65-F5344CB8AC3E}">
+        <p14:creationId xmlns:p14="http://schemas.microsoft.com/office/powerpoint/2010/main" val="4024573666"/>
+      </p:ext>
+    </p:extLst>
+  </p:cSld>
+  <p:clrMapOvr>
+    <a:masterClrMapping/>
+  </p:clrMapOvr>
+</p:sldLayout>
+</file>
+
+<file path=ppt/slideLayouts/slideLayout12.xml><?xml version="1.0" encoding="utf-8"?>
+<p:sldLayout xmlns:a="http://schemas.openxmlformats.org/drawingml/2006/main" xmlns:r="http://schemas.openxmlformats.org/officeDocument/2006/relationships" xmlns:p="http://schemas.openxmlformats.org/presentationml/2006/main" preserve="1">
+  <p:cSld name="Name Card">
+    <p:spTree>
+      <p:nvGrpSpPr>
+        <p:cNvPr id="1" name=""/>
+        <p:cNvGrpSpPr/>
+        <p:nvPr/>
+      </p:nvGrpSpPr>
+      <p:grpSpPr>
+        <a:xfrm>
+          <a:off x="0" y="0"/>
+          <a:ext cx="0" cy="0"/>
+          <a:chOff x="0" y="0"/>
+          <a:chExt cx="0" cy="0"/>
+        </a:xfrm>
+      </p:grpSpPr>
+      <p:sp>
+        <p:nvSpPr>
+          <p:cNvPr id="2" name="Title 1"/>
+          <p:cNvSpPr>
+            <a:spLocks noGrp="1"/>
+          </p:cNvSpPr>
+          <p:nvPr>
+            <p:ph type="title"/>
+          </p:nvPr>
+        </p:nvSpPr>
+        <p:spPr>
+          <a:xfrm>
+            <a:off x="677335" y="1931988"/>
+            <a:ext cx="8596668" cy="2595460"/>
+          </a:xfrm>
+        </p:spPr>
+        <p:txBody>
+          <a:bodyPr anchor="b">
+            <a:normAutofit/>
+          </a:bodyPr>
+          <a:lstStyle>
+            <a:lvl1pPr algn="l">
+              <a:defRPr sz="4400" b="0" cap="none"/>
+            </a:lvl1pPr>
+          </a:lstStyle>
+          <a:p>
+            <a:r>
+              <a:rPr lang="en-US"/>
+              <a:t>Click to edit Master title style</a:t>
+            </a:r>
+            <a:endParaRPr lang="en-US" dirty="0"/>
+          </a:p>
+        </p:txBody>
+      </p:sp>
+      <p:sp>
+        <p:nvSpPr>
+          <p:cNvPr id="3" name="Text Placeholder 2"/>
+          <p:cNvSpPr>
+            <a:spLocks noGrp="1"/>
+          </p:cNvSpPr>
+          <p:nvPr>
+            <p:ph type="body" idx="1"/>
+          </p:nvPr>
+        </p:nvSpPr>
+        <p:spPr>
+          <a:xfrm>
+            <a:off x="677335" y="4527448"/>
+            <a:ext cx="8596668" cy="1513914"/>
+          </a:xfrm>
+        </p:spPr>
+        <p:txBody>
+          <a:bodyPr anchor="t">
+            <a:normAutofit/>
+          </a:bodyPr>
+          <a:lstStyle>
+            <a:lvl1pPr marL="0" indent="0" algn="l">
+              <a:buNone/>
+              <a:defRPr sz="1800">
+                <a:solidFill>
+                  <a:schemeClr val="tx1">
+                    <a:lumMod val="75000"/>
+                    <a:lumOff val="25000"/>
+                  </a:schemeClr>
+                </a:solidFill>
+              </a:defRPr>
+            </a:lvl1pPr>
+            <a:lvl2pPr marL="457200" indent="0">
+              <a:buNone/>
+              <a:defRPr sz="1800">
+                <a:solidFill>
+                  <a:schemeClr val="tx1">
+                    <a:tint val="75000"/>
+                  </a:schemeClr>
+                </a:solidFill>
+              </a:defRPr>
+            </a:lvl2pPr>
+            <a:lvl3pPr marL="914400" indent="0">
+              <a:buNone/>
+              <a:defRPr sz="1600">
+                <a:solidFill>
+                  <a:schemeClr val="tx1">
+                    <a:tint val="75000"/>
+                  </a:schemeClr>
+                </a:solidFill>
+              </a:defRPr>
+            </a:lvl3pPr>
+            <a:lvl4pPr marL="1371600" indent="0">
+              <a:buNone/>
+              <a:defRPr sz="1400">
+                <a:solidFill>
+                  <a:schemeClr val="tx1">
+                    <a:tint val="75000"/>
+                  </a:schemeClr>
+                </a:solidFill>
+              </a:defRPr>
+            </a:lvl4pPr>
+            <a:lvl5pPr marL="1828800" indent="0">
+              <a:buNone/>
+              <a:defRPr sz="1400">
+                <a:solidFill>
+                  <a:schemeClr val="tx1">
+                    <a:tint val="75000"/>
+                  </a:schemeClr>
+                </a:solidFill>
+              </a:defRPr>
+            </a:lvl5pPr>
+            <a:lvl6pPr marL="2286000" indent="0">
+              <a:buNone/>
+              <a:defRPr sz="1400">
+                <a:solidFill>
+                  <a:schemeClr val="tx1">
+                    <a:tint val="75000"/>
+                  </a:schemeClr>
+                </a:solidFill>
+              </a:defRPr>
+            </a:lvl6pPr>
+            <a:lvl7pPr marL="2743200" indent="0">
+              <a:buNone/>
+              <a:defRPr sz="1400">
+                <a:solidFill>
+                  <a:schemeClr val="tx1">
+                    <a:tint val="75000"/>
+                  </a:schemeClr>
+                </a:solidFill>
+              </a:defRPr>
+            </a:lvl7pPr>
+            <a:lvl8pPr marL="3200400" indent="0">
+              <a:buNone/>
+              <a:defRPr sz="1400">
+                <a:solidFill>
+                  <a:schemeClr val="tx1">
+                    <a:tint val="75000"/>
+                  </a:schemeClr>
+                </a:solidFill>
+              </a:defRPr>
+            </a:lvl8pPr>
+            <a:lvl9pPr marL="3657600" indent="0">
+              <a:buNone/>
+              <a:defRPr sz="1400">
+                <a:solidFill>
+                  <a:schemeClr val="tx1">
+                    <a:tint val="75000"/>
+                  </a:schemeClr>
+                </a:solidFill>
+              </a:defRPr>
+            </a:lvl9pPr>
+          </a:lstStyle>
+          <a:p>
+            <a:pPr lvl="0"/>
+            <a:r>
+              <a:rPr lang="en-US"/>
+              <a:t>Click to edit Master text styles</a:t>
+            </a:r>
+          </a:p>
+        </p:txBody>
+      </p:sp>
+      <p:sp>
+        <p:nvSpPr>
+          <p:cNvPr id="4" name="Date Placeholder 3"/>
+          <p:cNvSpPr>
+            <a:spLocks noGrp="1"/>
+          </p:cNvSpPr>
+          <p:nvPr>
+            <p:ph type="dt" sz="half" idx="10"/>
+          </p:nvPr>
+        </p:nvSpPr>
+        <p:spPr/>
+        <p:txBody>
+          <a:bodyPr/>
+          <a:lstStyle/>
+          <a:p>
+            <a:fld id="{742C9A3A-49CB-4E69-9C30-8810C459E765}" type="datetimeFigureOut">
+              <a:rPr lang="en-AU" smtClean="0"/>
+              <a:t>8/09/2023</a:t>
+            </a:fld>
+            <a:endParaRPr lang="en-AU"/>
+          </a:p>
+        </p:txBody>
+      </p:sp>
+      <p:sp>
+        <p:nvSpPr>
+          <p:cNvPr id="5" name="Footer Placeholder 4"/>
+          <p:cNvSpPr>
+            <a:spLocks noGrp="1"/>
+          </p:cNvSpPr>
+          <p:nvPr>
+            <p:ph type="ftr" sz="quarter" idx="11"/>
+          </p:nvPr>
+        </p:nvSpPr>
+        <p:spPr/>
+        <p:txBody>
+          <a:bodyPr/>
+          <a:lstStyle/>
+          <a:p>
+            <a:endParaRPr lang="en-AU"/>
+          </a:p>
+        </p:txBody>
+      </p:sp>
+      <p:sp>
+        <p:nvSpPr>
+          <p:cNvPr id="6" name="Slide Number Placeholder 5"/>
+          <p:cNvSpPr>
+            <a:spLocks noGrp="1"/>
+          </p:cNvSpPr>
+          <p:nvPr>
+            <p:ph type="sldNum" sz="quarter" idx="12"/>
+          </p:nvPr>
+        </p:nvSpPr>
+        <p:spPr/>
+        <p:txBody>
+          <a:bodyPr/>
+          <a:lstStyle/>
+          <a:p>
+            <a:fld id="{DCBFC7CF-D7A0-43AF-8C32-CE657CD70155}" type="slidenum">
+              <a:rPr lang="en-AU" smtClean="0"/>
+              <a:t>‹#›</a:t>
+            </a:fld>
+            <a:endParaRPr lang="en-AU"/>
+          </a:p>
+        </p:txBody>
+      </p:sp>
+    </p:spTree>
+    <p:extLst>
+      <p:ext uri="{BB962C8B-B14F-4D97-AF65-F5344CB8AC3E}">
+        <p14:creationId xmlns:p14="http://schemas.microsoft.com/office/powerpoint/2010/main" val="4019392872"/>
+      </p:ext>
+    </p:extLst>
+  </p:cSld>
+  <p:clrMapOvr>
+    <a:masterClrMapping/>
+  </p:clrMapOvr>
+</p:sldLayout>
+</file>
+
+<file path=ppt/slideLayouts/slideLayout13.xml><?xml version="1.0" encoding="utf-8"?>
+<p:sldLayout xmlns:a="http://schemas.openxmlformats.org/drawingml/2006/main" xmlns:r="http://schemas.openxmlformats.org/officeDocument/2006/relationships" xmlns:p="http://schemas.openxmlformats.org/presentationml/2006/main" preserve="1">
+  <p:cSld name="Quote Name Card">
+    <p:spTree>
+      <p:nvGrpSpPr>
+        <p:cNvPr id="1" name=""/>
+        <p:cNvGrpSpPr/>
+        <p:nvPr/>
+      </p:nvGrpSpPr>
+      <p:grpSpPr>
+        <a:xfrm>
+          <a:off x="0" y="0"/>
+          <a:ext cx="0" cy="0"/>
+          <a:chOff x="0" y="0"/>
+          <a:chExt cx="0" cy="0"/>
+        </a:xfrm>
+      </p:grpSpPr>
+      <p:sp>
+        <p:nvSpPr>
+          <p:cNvPr id="2" name="Title 1"/>
+          <p:cNvSpPr>
+            <a:spLocks noGrp="1"/>
+          </p:cNvSpPr>
+          <p:nvPr>
+            <p:ph type="title"/>
+          </p:nvPr>
+        </p:nvSpPr>
+        <p:spPr>
+          <a:xfrm>
+            <a:off x="931334" y="609600"/>
+            <a:ext cx="8094134" cy="3022600"/>
+          </a:xfrm>
+        </p:spPr>
+        <p:txBody>
+          <a:bodyPr anchor="ctr">
+            <a:normAutofit/>
+          </a:bodyPr>
+          <a:lstStyle>
+            <a:lvl1pPr algn="l">
+              <a:defRPr sz="4400" b="0" cap="none"/>
+            </a:lvl1pPr>
+          </a:lstStyle>
+          <a:p>
+            <a:r>
+              <a:rPr lang="en-US"/>
+              <a:t>Click to edit Master title style</a:t>
+            </a:r>
+            <a:endParaRPr lang="en-US" dirty="0"/>
+          </a:p>
+        </p:txBody>
+      </p:sp>
+      <p:sp>
+        <p:nvSpPr>
+          <p:cNvPr id="23" name="Text Placeholder 9"/>
+          <p:cNvSpPr>
+            <a:spLocks noGrp="1"/>
+          </p:cNvSpPr>
+          <p:nvPr>
+            <p:ph type="body" sz="quarter" idx="13"/>
+          </p:nvPr>
+        </p:nvSpPr>
+        <p:spPr>
+          <a:xfrm>
+            <a:off x="677332" y="4013200"/>
+            <a:ext cx="8596669" cy="514248"/>
+          </a:xfrm>
+        </p:spPr>
+        <p:txBody>
+          <a:bodyPr anchor="b">
+            <a:noAutofit/>
+          </a:bodyPr>
+          <a:lstStyle>
+            <a:lvl1pPr marL="0" indent="0">
+              <a:buFontTx/>
+              <a:buNone/>
+              <a:defRPr sz="2400">
+                <a:solidFill>
+                  <a:schemeClr val="tx1">
+                    <a:lumMod val="75000"/>
+                    <a:lumOff val="25000"/>
+                  </a:schemeClr>
+                </a:solidFill>
+              </a:defRPr>
+            </a:lvl1pPr>
+            <a:lvl2pPr marL="457200" indent="0">
+              <a:buFontTx/>
+              <a:buNone/>
+              <a:defRPr/>
+            </a:lvl2pPr>
+            <a:lvl3pPr marL="914400" indent="0">
+              <a:buFontTx/>
+              <a:buNone/>
+              <a:defRPr/>
+            </a:lvl3pPr>
+            <a:lvl4pPr marL="1371600" indent="0">
+              <a:buFontTx/>
+              <a:buNone/>
+              <a:defRPr/>
+            </a:lvl4pPr>
+            <a:lvl5pPr marL="1828800" indent="0">
+              <a:buFontTx/>
+              <a:buNone/>
+              <a:defRPr/>
+            </a:lvl5pPr>
+          </a:lstStyle>
+          <a:p>
+            <a:pPr lvl="0"/>
+            <a:r>
+              <a:rPr lang="en-US"/>
+              <a:t>Click to edit Master text styles</a:t>
+            </a:r>
+          </a:p>
+        </p:txBody>
+      </p:sp>
+      <p:sp>
+        <p:nvSpPr>
+          <p:cNvPr id="3" name="Text Placeholder 2"/>
+          <p:cNvSpPr>
+            <a:spLocks noGrp="1"/>
+          </p:cNvSpPr>
+          <p:nvPr>
+            <p:ph type="body" idx="1"/>
+          </p:nvPr>
+        </p:nvSpPr>
+        <p:spPr>
+          <a:xfrm>
+            <a:off x="677335" y="4527448"/>
+            <a:ext cx="8596668" cy="1513914"/>
+          </a:xfrm>
+        </p:spPr>
+        <p:txBody>
+          <a:bodyPr anchor="t">
+            <a:normAutofit/>
+          </a:bodyPr>
+          <a:lstStyle>
+            <a:lvl1pPr marL="0" indent="0" algn="l">
+              <a:buNone/>
+              <a:defRPr sz="1800">
+                <a:solidFill>
+                  <a:schemeClr val="tx1">
+                    <a:lumMod val="50000"/>
+                    <a:lumOff val="50000"/>
+                  </a:schemeClr>
+                </a:solidFill>
+              </a:defRPr>
+            </a:lvl1pPr>
+            <a:lvl2pPr marL="457200" indent="0">
+              <a:buNone/>
+              <a:defRPr sz="1800">
+                <a:solidFill>
+                  <a:schemeClr val="tx1">
+                    <a:tint val="75000"/>
+                  </a:schemeClr>
+                </a:solidFill>
+              </a:defRPr>
+            </a:lvl2pPr>
+            <a:lvl3pPr marL="914400" indent="0">
+              <a:buNone/>
+              <a:defRPr sz="1600">
+                <a:solidFill>
+                  <a:schemeClr val="tx1">
+                    <a:tint val="75000"/>
+                  </a:schemeClr>
+                </a:solidFill>
+              </a:defRPr>
+            </a:lvl3pPr>
+            <a:lvl4pPr marL="1371600" indent="0">
+              <a:buNone/>
+              <a:defRPr sz="1400">
+                <a:solidFill>
+                  <a:schemeClr val="tx1">
+                    <a:tint val="75000"/>
+                  </a:schemeClr>
+                </a:solidFill>
+              </a:defRPr>
+            </a:lvl4pPr>
+            <a:lvl5pPr marL="1828800" indent="0">
+              <a:buNone/>
+              <a:defRPr sz="1400">
+                <a:solidFill>
+                  <a:schemeClr val="tx1">
+                    <a:tint val="75000"/>
+                  </a:schemeClr>
+                </a:solidFill>
+              </a:defRPr>
+            </a:lvl5pPr>
+            <a:lvl6pPr marL="2286000" indent="0">
+              <a:buNone/>
+              <a:defRPr sz="1400">
+                <a:solidFill>
+                  <a:schemeClr val="tx1">
+                    <a:tint val="75000"/>
+                  </a:schemeClr>
+                </a:solidFill>
+              </a:defRPr>
+            </a:lvl6pPr>
+            <a:lvl7pPr marL="2743200" indent="0">
+              <a:buNone/>
+              <a:defRPr sz="1400">
+                <a:solidFill>
+                  <a:schemeClr val="tx1">
+                    <a:tint val="75000"/>
+                  </a:schemeClr>
+                </a:solidFill>
+              </a:defRPr>
+            </a:lvl7pPr>
+            <a:lvl8pPr marL="3200400" indent="0">
+              <a:buNone/>
+              <a:defRPr sz="1400">
+                <a:solidFill>
+                  <a:schemeClr val="tx1">
+                    <a:tint val="75000"/>
+                  </a:schemeClr>
+                </a:solidFill>
+              </a:defRPr>
+            </a:lvl8pPr>
+            <a:lvl9pPr marL="3657600" indent="0">
+              <a:buNone/>
+              <a:defRPr sz="1400">
+                <a:solidFill>
+                  <a:schemeClr val="tx1">
+                    <a:tint val="75000"/>
+                  </a:schemeClr>
+                </a:solidFill>
+              </a:defRPr>
+            </a:lvl9pPr>
+          </a:lstStyle>
+          <a:p>
+            <a:pPr lvl="0"/>
+            <a:r>
+              <a:rPr lang="en-US"/>
+              <a:t>Click to edit Master text styles</a:t>
+            </a:r>
+          </a:p>
+        </p:txBody>
+      </p:sp>
+      <p:sp>
+        <p:nvSpPr>
+          <p:cNvPr id="4" name="Date Placeholder 3"/>
+          <p:cNvSpPr>
+            <a:spLocks noGrp="1"/>
+          </p:cNvSpPr>
+          <p:nvPr>
+            <p:ph type="dt" sz="half" idx="10"/>
+          </p:nvPr>
+        </p:nvSpPr>
+        <p:spPr/>
+        <p:txBody>
+          <a:bodyPr/>
+          <a:lstStyle/>
+          <a:p>
+            <a:fld id="{742C9A3A-49CB-4E69-9C30-8810C459E765}" type="datetimeFigureOut">
+              <a:rPr lang="en-AU" smtClean="0"/>
+              <a:t>8/09/2023</a:t>
+            </a:fld>
+            <a:endParaRPr lang="en-AU"/>
+          </a:p>
+        </p:txBody>
+      </p:sp>
+      <p:sp>
+        <p:nvSpPr>
+          <p:cNvPr id="5" name="Footer Placeholder 4"/>
+          <p:cNvSpPr>
+            <a:spLocks noGrp="1"/>
+          </p:cNvSpPr>
+          <p:nvPr>
+            <p:ph type="ftr" sz="quarter" idx="11"/>
+          </p:nvPr>
+        </p:nvSpPr>
+        <p:spPr/>
+        <p:txBody>
+          <a:bodyPr/>
+          <a:lstStyle/>
+          <a:p>
+            <a:endParaRPr lang="en-AU"/>
+          </a:p>
+        </p:txBody>
+      </p:sp>
+      <p:sp>
+        <p:nvSpPr>
+          <p:cNvPr id="6" name="Slide Number Placeholder 5"/>
+          <p:cNvSpPr>
+            <a:spLocks noGrp="1"/>
+          </p:cNvSpPr>
+          <p:nvPr>
+            <p:ph type="sldNum" sz="quarter" idx="12"/>
+          </p:nvPr>
+        </p:nvSpPr>
+        <p:spPr/>
+        <p:txBody>
+          <a:bodyPr/>
+          <a:lstStyle/>
+          <a:p>
+            <a:fld id="{DCBFC7CF-D7A0-43AF-8C32-CE657CD70155}" type="slidenum">
+              <a:rPr lang="en-AU" smtClean="0"/>
+              <a:t>‹#›</a:t>
+            </a:fld>
+            <a:endParaRPr lang="en-AU"/>
+          </a:p>
+        </p:txBody>
+      </p:sp>
+      <p:sp>
+        <p:nvSpPr>
+          <p:cNvPr id="24" name="TextBox 23"/>
+          <p:cNvSpPr txBox="1"/>
+          <p:nvPr/>
+        </p:nvSpPr>
+        <p:spPr>
+          <a:xfrm>
+            <a:off x="541870" y="790378"/>
+            <a:ext cx="609600" cy="584776"/>
+          </a:xfrm>
+          <a:prstGeom prst="rect">
+            <a:avLst/>
+          </a:prstGeom>
+        </p:spPr>
+        <p:txBody>
+          <a:bodyPr vert="horz" lIns="91440" tIns="45720" rIns="91440" bIns="45720" rtlCol="0" anchor="ctr">
+            <a:noAutofit/>
+          </a:bodyPr>
+          <a:lstStyle/>
+          <a:p>
+            <a:pPr lvl="0"/>
+            <a:r>
+              <a:rPr lang="en-US" sz="8000" baseline="0" dirty="0">
+                <a:ln w="3175" cmpd="sng">
+                  <a:noFill/>
+                </a:ln>
+                <a:solidFill>
+                  <a:schemeClr val="accent1">
+                    <a:lumMod val="60000"/>
+                    <a:lumOff val="40000"/>
+                  </a:schemeClr>
+                </a:solidFill>
+                <a:effectLst/>
+                <a:latin typeface="Arial"/>
+              </a:rPr>
+              <a:t>“</a:t>
+            </a:r>
+          </a:p>
+        </p:txBody>
+      </p:sp>
+      <p:sp>
+        <p:nvSpPr>
+          <p:cNvPr id="25" name="TextBox 24"/>
+          <p:cNvSpPr txBox="1"/>
+          <p:nvPr/>
+        </p:nvSpPr>
+        <p:spPr>
+          <a:xfrm>
+            <a:off x="8893011" y="2886556"/>
+            <a:ext cx="609600" cy="584776"/>
+          </a:xfrm>
+          <a:prstGeom prst="rect">
+            <a:avLst/>
+          </a:prstGeom>
+        </p:spPr>
+        <p:txBody>
+          <a:bodyPr vert="horz" lIns="91440" tIns="45720" rIns="91440" bIns="45720" rtlCol="0" anchor="ctr">
+            <a:noAutofit/>
+          </a:bodyPr>
+          <a:lstStyle/>
+          <a:p>
+            <a:pPr lvl="0"/>
+            <a:r>
+              <a:rPr lang="en-US" sz="8000" baseline="0" dirty="0">
+                <a:ln w="3175" cmpd="sng">
+                  <a:noFill/>
+                </a:ln>
+                <a:solidFill>
+                  <a:schemeClr val="accent1">
+                    <a:lumMod val="60000"/>
+                    <a:lumOff val="40000"/>
+                  </a:schemeClr>
+                </a:solidFill>
+                <a:effectLst/>
+                <a:latin typeface="Arial"/>
+              </a:rPr>
+              <a:t>”</a:t>
+            </a:r>
+          </a:p>
+        </p:txBody>
+      </p:sp>
+    </p:spTree>
+    <p:extLst>
+      <p:ext uri="{BB962C8B-B14F-4D97-AF65-F5344CB8AC3E}">
+        <p14:creationId xmlns:p14="http://schemas.microsoft.com/office/powerpoint/2010/main" val="3604944281"/>
+      </p:ext>
+    </p:extLst>
+  </p:cSld>
+  <p:clrMapOvr>
+    <a:masterClrMapping/>
+  </p:clrMapOvr>
+</p:sldLayout>
+</file>
+
+<file path=ppt/slideLayouts/slideLayout14.xml><?xml version="1.0" encoding="utf-8"?>
+<p:sldLayout xmlns:a="http://schemas.openxmlformats.org/drawingml/2006/main" xmlns:r="http://schemas.openxmlformats.org/officeDocument/2006/relationships" xmlns:p="http://schemas.openxmlformats.org/presentationml/2006/main" preserve="1">
+  <p:cSld name="True or False">
+    <p:spTree>
+      <p:nvGrpSpPr>
+        <p:cNvPr id="1" name=""/>
+        <p:cNvGrpSpPr/>
+        <p:nvPr/>
+      </p:nvGrpSpPr>
+      <p:grpSpPr>
+        <a:xfrm>
+          <a:off x="0" y="0"/>
+          <a:ext cx="0" cy="0"/>
+          <a:chOff x="0" y="0"/>
+          <a:chExt cx="0" cy="0"/>
+        </a:xfrm>
+      </p:grpSpPr>
+      <p:sp>
+        <p:nvSpPr>
+          <p:cNvPr id="2" name="Title 1"/>
+          <p:cNvSpPr>
+            <a:spLocks noGrp="1"/>
+          </p:cNvSpPr>
+          <p:nvPr>
+            <p:ph type="title"/>
+          </p:nvPr>
+        </p:nvSpPr>
+        <p:spPr>
+          <a:xfrm>
+            <a:off x="685799" y="609600"/>
+            <a:ext cx="8588203" cy="3022600"/>
+          </a:xfrm>
+        </p:spPr>
+        <p:txBody>
+          <a:bodyPr anchor="ctr">
+            <a:normAutofit/>
+          </a:bodyPr>
+          <a:lstStyle>
+            <a:lvl1pPr algn="l">
+              <a:defRPr sz="4400" b="0" cap="none"/>
+            </a:lvl1pPr>
+          </a:lstStyle>
+          <a:p>
+            <a:r>
+              <a:rPr lang="en-US"/>
+              <a:t>Click to edit Master title style</a:t>
+            </a:r>
+            <a:endParaRPr lang="en-US" dirty="0"/>
+          </a:p>
+        </p:txBody>
+      </p:sp>
+      <p:sp>
+        <p:nvSpPr>
+          <p:cNvPr id="23" name="Text Placeholder 9"/>
+          <p:cNvSpPr>
+            <a:spLocks noGrp="1"/>
+          </p:cNvSpPr>
+          <p:nvPr>
+            <p:ph type="body" sz="quarter" idx="13"/>
+          </p:nvPr>
+        </p:nvSpPr>
+        <p:spPr>
+          <a:xfrm>
+            <a:off x="677332" y="4013200"/>
+            <a:ext cx="8596669" cy="514248"/>
+          </a:xfrm>
+        </p:spPr>
+        <p:txBody>
+          <a:bodyPr anchor="b">
+            <a:noAutofit/>
+          </a:bodyPr>
+          <a:lstStyle>
+            <a:lvl1pPr marL="0" indent="0">
+              <a:buFontTx/>
+              <a:buNone/>
+              <a:defRPr sz="2400">
+                <a:solidFill>
+                  <a:schemeClr val="accent1"/>
+                </a:solidFill>
+              </a:defRPr>
+            </a:lvl1pPr>
+            <a:lvl2pPr marL="457200" indent="0">
+              <a:buFontTx/>
+              <a:buNone/>
+              <a:defRPr/>
+            </a:lvl2pPr>
+            <a:lvl3pPr marL="914400" indent="0">
+              <a:buFontTx/>
+              <a:buNone/>
+              <a:defRPr/>
+            </a:lvl3pPr>
+            <a:lvl4pPr marL="1371600" indent="0">
+              <a:buFontTx/>
+              <a:buNone/>
+              <a:defRPr/>
+            </a:lvl4pPr>
+            <a:lvl5pPr marL="1828800" indent="0">
+              <a:buFontTx/>
+              <a:buNone/>
+              <a:defRPr/>
+            </a:lvl5pPr>
+          </a:lstStyle>
+          <a:p>
+            <a:pPr lvl="0"/>
+            <a:r>
+              <a:rPr lang="en-US"/>
+              <a:t>Click to edit Master text styles</a:t>
+            </a:r>
+          </a:p>
+        </p:txBody>
+      </p:sp>
+      <p:sp>
+        <p:nvSpPr>
+          <p:cNvPr id="3" name="Text Placeholder 2"/>
+          <p:cNvSpPr>
+            <a:spLocks noGrp="1"/>
+          </p:cNvSpPr>
+          <p:nvPr>
+            <p:ph type="body" idx="1"/>
+          </p:nvPr>
+        </p:nvSpPr>
+        <p:spPr>
+          <a:xfrm>
+            <a:off x="677335" y="4527448"/>
+            <a:ext cx="8596668" cy="1513914"/>
+          </a:xfrm>
+        </p:spPr>
+        <p:txBody>
+          <a:bodyPr anchor="t">
+            <a:normAutofit/>
+          </a:bodyPr>
+          <a:lstStyle>
+            <a:lvl1pPr marL="0" indent="0" algn="l">
+              <a:buNone/>
+              <a:defRPr sz="1800">
+                <a:solidFill>
+                  <a:schemeClr val="tx1">
+                    <a:lumMod val="50000"/>
+                    <a:lumOff val="50000"/>
+                  </a:schemeClr>
+                </a:solidFill>
+              </a:defRPr>
+            </a:lvl1pPr>
+            <a:lvl2pPr marL="457200" indent="0">
+              <a:buNone/>
+              <a:defRPr sz="1800">
+                <a:solidFill>
+                  <a:schemeClr val="tx1">
+                    <a:tint val="75000"/>
+                  </a:schemeClr>
+                </a:solidFill>
+              </a:defRPr>
+            </a:lvl2pPr>
+            <a:lvl3pPr marL="914400" indent="0">
+              <a:buNone/>
+              <a:defRPr sz="1600">
+                <a:solidFill>
+                  <a:schemeClr val="tx1">
+                    <a:tint val="75000"/>
+                  </a:schemeClr>
+                </a:solidFill>
+              </a:defRPr>
+            </a:lvl3pPr>
+            <a:lvl4pPr marL="1371600" indent="0">
+              <a:buNone/>
+              <a:defRPr sz="1400">
+                <a:solidFill>
+                  <a:schemeClr val="tx1">
+                    <a:tint val="75000"/>
+                  </a:schemeClr>
+                </a:solidFill>
+              </a:defRPr>
+            </a:lvl4pPr>
+            <a:lvl5pPr marL="1828800" indent="0">
+              <a:buNone/>
+              <a:defRPr sz="1400">
+                <a:solidFill>
+                  <a:schemeClr val="tx1">
+                    <a:tint val="75000"/>
+                  </a:schemeClr>
+                </a:solidFill>
+              </a:defRPr>
+            </a:lvl5pPr>
+            <a:lvl6pPr marL="2286000" indent="0">
+              <a:buNone/>
+              <a:defRPr sz="1400">
+                <a:solidFill>
+                  <a:schemeClr val="tx1">
+                    <a:tint val="75000"/>
+                  </a:schemeClr>
+                </a:solidFill>
+              </a:defRPr>
+            </a:lvl6pPr>
+            <a:lvl7pPr marL="2743200" indent="0">
+              <a:buNone/>
+              <a:defRPr sz="1400">
+                <a:solidFill>
+                  <a:schemeClr val="tx1">
+                    <a:tint val="75000"/>
+                  </a:schemeClr>
+                </a:solidFill>
+              </a:defRPr>
+            </a:lvl7pPr>
+            <a:lvl8pPr marL="3200400" indent="0">
+              <a:buNone/>
+              <a:defRPr sz="1400">
+                <a:solidFill>
+                  <a:schemeClr val="tx1">
+                    <a:tint val="75000"/>
+                  </a:schemeClr>
+                </a:solidFill>
+              </a:defRPr>
+            </a:lvl8pPr>
+            <a:lvl9pPr marL="3657600" indent="0">
+              <a:buNone/>
+              <a:defRPr sz="1400">
+                <a:solidFill>
+                  <a:schemeClr val="tx1">
+                    <a:tint val="75000"/>
+                  </a:schemeClr>
+                </a:solidFill>
+              </a:defRPr>
+            </a:lvl9pPr>
+          </a:lstStyle>
+          <a:p>
+            <a:pPr lvl="0"/>
+            <a:r>
+              <a:rPr lang="en-US"/>
+              <a:t>Click to edit Master text styles</a:t>
+            </a:r>
+          </a:p>
+        </p:txBody>
+      </p:sp>
+      <p:sp>
+        <p:nvSpPr>
+          <p:cNvPr id="4" name="Date Placeholder 3"/>
+          <p:cNvSpPr>
+            <a:spLocks noGrp="1"/>
+          </p:cNvSpPr>
+          <p:nvPr>
+            <p:ph type="dt" sz="half" idx="10"/>
+          </p:nvPr>
+        </p:nvSpPr>
+        <p:spPr/>
+        <p:txBody>
+          <a:bodyPr/>
+          <a:lstStyle/>
+          <a:p>
+            <a:fld id="{742C9A3A-49CB-4E69-9C30-8810C459E765}" type="datetimeFigureOut">
+              <a:rPr lang="en-AU" smtClean="0"/>
+              <a:t>8/09/2023</a:t>
+            </a:fld>
+            <a:endParaRPr lang="en-AU"/>
+          </a:p>
+        </p:txBody>
+      </p:sp>
+      <p:sp>
+        <p:nvSpPr>
+          <p:cNvPr id="5" name="Footer Placeholder 4"/>
+          <p:cNvSpPr>
+            <a:spLocks noGrp="1"/>
+          </p:cNvSpPr>
+          <p:nvPr>
+            <p:ph type="ftr" sz="quarter" idx="11"/>
+          </p:nvPr>
+        </p:nvSpPr>
+        <p:spPr/>
+        <p:txBody>
+          <a:bodyPr/>
+          <a:lstStyle/>
+          <a:p>
+            <a:endParaRPr lang="en-AU"/>
+          </a:p>
+        </p:txBody>
+      </p:sp>
+      <p:sp>
+        <p:nvSpPr>
+          <p:cNvPr id="6" name="Slide Number Placeholder 5"/>
+          <p:cNvSpPr>
+            <a:spLocks noGrp="1"/>
+          </p:cNvSpPr>
+          <p:nvPr>
+            <p:ph type="sldNum" sz="quarter" idx="12"/>
+          </p:nvPr>
+        </p:nvSpPr>
+        <p:spPr/>
+        <p:txBody>
+          <a:bodyPr/>
+          <a:lstStyle/>
+          <a:p>
+            <a:fld id="{DCBFC7CF-D7A0-43AF-8C32-CE657CD70155}" type="slidenum">
+              <a:rPr lang="en-AU" smtClean="0"/>
+              <a:t>‹#›</a:t>
+            </a:fld>
+            <a:endParaRPr lang="en-AU"/>
+          </a:p>
+        </p:txBody>
+      </p:sp>
+    </p:spTree>
+    <p:extLst>
+      <p:ext uri="{BB962C8B-B14F-4D97-AF65-F5344CB8AC3E}">
+        <p14:creationId xmlns:p14="http://schemas.microsoft.com/office/powerpoint/2010/main" val="2761324745"/>
+      </p:ext>
+    </p:extLst>
+  </p:cSld>
+  <p:clrMapOvr>
+    <a:masterClrMapping/>
+  </p:clrMapOvr>
+</p:sldLayout>
+</file>
+
+<file path=ppt/slideLayouts/slideLayout15.xml><?xml version="1.0" encoding="utf-8"?>
 <p:sldLayout xmlns:a="http://schemas.openxmlformats.org/drawingml/2006/main" xmlns:r="http://schemas.openxmlformats.org/officeDocument/2006/relationships" xmlns:p="http://schemas.openxmlformats.org/presentationml/2006/main" type="vertTx" preserve="1">
   <p:cSld name="Title and Vertical Text">
     <p:spTree>
@@ -359,13 +2533,7 @@
       </p:grpSpPr>
       <p:sp>
         <p:nvSpPr>
-          <p:cNvPr id="2" name="Title 1">
-            <a:extLst>
-              <a:ext uri="{FF2B5EF4-FFF2-40B4-BE49-F238E27FC236}">
-                <a16:creationId xmlns:a16="http://schemas.microsoft.com/office/drawing/2014/main" id="{806B19C1-D4FA-916E-46F6-4D5E73A5BEDF}"/>
-              </a:ext>
-            </a:extLst>
-          </p:cNvPr>
+          <p:cNvPr id="2" name="Title 1"/>
           <p:cNvSpPr>
             <a:spLocks noGrp="1"/>
           </p:cNvSpPr>
@@ -382,19 +2550,13 @@
               <a:rPr lang="en-US"/>
               <a:t>Click to edit Master title style</a:t>
             </a:r>
-            <a:endParaRPr lang="en-AU"/>
+            <a:endParaRPr lang="en-US" dirty="0"/>
           </a:p>
         </p:txBody>
       </p:sp>
       <p:sp>
         <p:nvSpPr>
-          <p:cNvPr id="3" name="Vertical Text Placeholder 2">
-            <a:extLst>
-              <a:ext uri="{FF2B5EF4-FFF2-40B4-BE49-F238E27FC236}">
-                <a16:creationId xmlns:a16="http://schemas.microsoft.com/office/drawing/2014/main" id="{78D9B1E4-0553-D091-4382-6D350EE9C953}"/>
-              </a:ext>
-            </a:extLst>
-          </p:cNvPr>
+          <p:cNvPr id="3" name="Vertical Text Placeholder 2"/>
           <p:cNvSpPr>
             <a:spLocks noGrp="1"/>
           </p:cNvSpPr>
@@ -440,19 +2602,13 @@
               <a:rPr lang="en-US"/>
               <a:t>Fifth level</a:t>
             </a:r>
-            <a:endParaRPr lang="en-AU"/>
+            <a:endParaRPr lang="en-US" dirty="0"/>
           </a:p>
         </p:txBody>
       </p:sp>
       <p:sp>
         <p:nvSpPr>
-          <p:cNvPr id="4" name="Date Placeholder 3">
-            <a:extLst>
-              <a:ext uri="{FF2B5EF4-FFF2-40B4-BE49-F238E27FC236}">
-                <a16:creationId xmlns:a16="http://schemas.microsoft.com/office/drawing/2014/main" id="{740B5B33-C8D5-26BD-D2C7-05F44E3D5B2F}"/>
-              </a:ext>
-            </a:extLst>
-          </p:cNvPr>
+          <p:cNvPr id="4" name="Date Placeholder 3"/>
           <p:cNvSpPr>
             <a:spLocks noGrp="1"/>
           </p:cNvSpPr>
@@ -475,13 +2631,7 @@
       </p:sp>
       <p:sp>
         <p:nvSpPr>
-          <p:cNvPr id="5" name="Footer Placeholder 4">
-            <a:extLst>
-              <a:ext uri="{FF2B5EF4-FFF2-40B4-BE49-F238E27FC236}">
-                <a16:creationId xmlns:a16="http://schemas.microsoft.com/office/drawing/2014/main" id="{86137B86-247B-DA69-11B7-63DE39D6218C}"/>
-              </a:ext>
-            </a:extLst>
-          </p:cNvPr>
+          <p:cNvPr id="5" name="Footer Placeholder 4"/>
           <p:cNvSpPr>
             <a:spLocks noGrp="1"/>
           </p:cNvSpPr>
@@ -500,13 +2650,7 @@
       </p:sp>
       <p:sp>
         <p:nvSpPr>
-          <p:cNvPr id="6" name="Slide Number Placeholder 5">
-            <a:extLst>
-              <a:ext uri="{FF2B5EF4-FFF2-40B4-BE49-F238E27FC236}">
-                <a16:creationId xmlns:a16="http://schemas.microsoft.com/office/drawing/2014/main" id="{4F6811BA-D0A7-93F0-5262-FCD750DDB26B}"/>
-              </a:ext>
-            </a:extLst>
-          </p:cNvPr>
+          <p:cNvPr id="6" name="Slide Number Placeholder 5"/>
           <p:cNvSpPr>
             <a:spLocks noGrp="1"/>
           </p:cNvSpPr>
@@ -530,7 +2674,7 @@
     </p:spTree>
     <p:extLst>
       <p:ext uri="{BB962C8B-B14F-4D97-AF65-F5344CB8AC3E}">
-        <p14:creationId xmlns:p14="http://schemas.microsoft.com/office/powerpoint/2010/main" val="3742894345"/>
+        <p14:creationId xmlns:p14="http://schemas.microsoft.com/office/powerpoint/2010/main" val="3965776081"/>
       </p:ext>
     </p:extLst>
   </p:cSld>
@@ -540,7 +2684,7 @@
 </p:sldLayout>
 </file>
 
-<file path=ppt/slideLayouts/slideLayout11.xml><?xml version="1.0" encoding="utf-8"?>
+<file path=ppt/slideLayouts/slideLayout16.xml><?xml version="1.0" encoding="utf-8"?>
 <p:sldLayout xmlns:a="http://schemas.openxmlformats.org/drawingml/2006/main" xmlns:r="http://schemas.openxmlformats.org/officeDocument/2006/relationships" xmlns:p="http://schemas.openxmlformats.org/presentationml/2006/main" type="vertTitleAndTx" preserve="1">
   <p:cSld name="Vertical Title and Text">
     <p:spTree>
@@ -559,13 +2703,7 @@
       </p:grpSpPr>
       <p:sp>
         <p:nvSpPr>
-          <p:cNvPr id="2" name="Vertical Title 1">
-            <a:extLst>
-              <a:ext uri="{FF2B5EF4-FFF2-40B4-BE49-F238E27FC236}">
-                <a16:creationId xmlns:a16="http://schemas.microsoft.com/office/drawing/2014/main" id="{40547737-844F-FDC7-2119-AA96D1DCE07C}"/>
-              </a:ext>
-            </a:extLst>
-          </p:cNvPr>
+          <p:cNvPr id="2" name="Vertical Title 1"/>
           <p:cNvSpPr>
             <a:spLocks noGrp="1"/>
           </p:cNvSpPr>
@@ -575,31 +2713,25 @@
         </p:nvSpPr>
         <p:spPr>
           <a:xfrm>
-            <a:off x="8724900" y="365125"/>
-            <a:ext cx="2628900" cy="5811838"/>
+            <a:off x="7967673" y="609599"/>
+            <a:ext cx="1304743" cy="5251451"/>
           </a:xfrm>
         </p:spPr>
         <p:txBody>
-          <a:bodyPr vert="eaVert"/>
+          <a:bodyPr vert="eaVert" anchor="ctr"/>
           <a:lstStyle/>
           <a:p>
             <a:r>
               <a:rPr lang="en-US"/>
               <a:t>Click to edit Master title style</a:t>
             </a:r>
-            <a:endParaRPr lang="en-AU"/>
+            <a:endParaRPr lang="en-US" dirty="0"/>
           </a:p>
         </p:txBody>
       </p:sp>
       <p:sp>
         <p:nvSpPr>
-          <p:cNvPr id="3" name="Vertical Text Placeholder 2">
-            <a:extLst>
-              <a:ext uri="{FF2B5EF4-FFF2-40B4-BE49-F238E27FC236}">
-                <a16:creationId xmlns:a16="http://schemas.microsoft.com/office/drawing/2014/main" id="{408B69E5-38F0-481F-4102-1A468DDBDAA7}"/>
-              </a:ext>
-            </a:extLst>
-          </p:cNvPr>
+          <p:cNvPr id="3" name="Vertical Text Placeholder 2"/>
           <p:cNvSpPr>
             <a:spLocks noGrp="1"/>
           </p:cNvSpPr>
@@ -609,8 +2741,8 @@
         </p:nvSpPr>
         <p:spPr>
           <a:xfrm>
-            <a:off x="838200" y="365125"/>
-            <a:ext cx="7734300" cy="5811838"/>
+            <a:off x="677335" y="609600"/>
+            <a:ext cx="7060150" cy="5251450"/>
           </a:xfrm>
         </p:spPr>
         <p:txBody>
@@ -650,19 +2782,13 @@
               <a:rPr lang="en-US"/>
               <a:t>Fifth level</a:t>
             </a:r>
-            <a:endParaRPr lang="en-AU"/>
+            <a:endParaRPr lang="en-US" dirty="0"/>
           </a:p>
         </p:txBody>
       </p:sp>
       <p:sp>
         <p:nvSpPr>
-          <p:cNvPr id="4" name="Date Placeholder 3">
-            <a:extLst>
-              <a:ext uri="{FF2B5EF4-FFF2-40B4-BE49-F238E27FC236}">
-                <a16:creationId xmlns:a16="http://schemas.microsoft.com/office/drawing/2014/main" id="{923ECB4D-3EBC-D294-99E7-C7C3DB8FC96F}"/>
-              </a:ext>
-            </a:extLst>
-          </p:cNvPr>
+          <p:cNvPr id="4" name="Date Placeholder 3"/>
           <p:cNvSpPr>
             <a:spLocks noGrp="1"/>
           </p:cNvSpPr>
@@ -685,13 +2811,7 @@
       </p:sp>
       <p:sp>
         <p:nvSpPr>
-          <p:cNvPr id="5" name="Footer Placeholder 4">
-            <a:extLst>
-              <a:ext uri="{FF2B5EF4-FFF2-40B4-BE49-F238E27FC236}">
-                <a16:creationId xmlns:a16="http://schemas.microsoft.com/office/drawing/2014/main" id="{E71C3DDF-74AF-0C07-DD75-2B9C37A5F872}"/>
-              </a:ext>
-            </a:extLst>
-          </p:cNvPr>
+          <p:cNvPr id="5" name="Footer Placeholder 4"/>
           <p:cNvSpPr>
             <a:spLocks noGrp="1"/>
           </p:cNvSpPr>
@@ -710,13 +2830,7 @@
       </p:sp>
       <p:sp>
         <p:nvSpPr>
-          <p:cNvPr id="6" name="Slide Number Placeholder 5">
-            <a:extLst>
-              <a:ext uri="{FF2B5EF4-FFF2-40B4-BE49-F238E27FC236}">
-                <a16:creationId xmlns:a16="http://schemas.microsoft.com/office/drawing/2014/main" id="{FDD42C1F-E75C-732F-3860-E44D8FD5D5E0}"/>
-              </a:ext>
-            </a:extLst>
-          </p:cNvPr>
+          <p:cNvPr id="6" name="Slide Number Placeholder 5"/>
           <p:cNvSpPr>
             <a:spLocks noGrp="1"/>
           </p:cNvSpPr>
@@ -740,7 +2854,7 @@
     </p:spTree>
     <p:extLst>
       <p:ext uri="{BB962C8B-B14F-4D97-AF65-F5344CB8AC3E}">
-        <p14:creationId xmlns:p14="http://schemas.microsoft.com/office/powerpoint/2010/main" val="1640243"/>
+        <p14:creationId xmlns:p14="http://schemas.microsoft.com/office/powerpoint/2010/main" val="2724981508"/>
       </p:ext>
     </p:extLst>
   </p:cSld>
@@ -769,13 +2883,7 @@
       </p:grpSpPr>
       <p:sp>
         <p:nvSpPr>
-          <p:cNvPr id="2" name="Title 1">
-            <a:extLst>
-              <a:ext uri="{FF2B5EF4-FFF2-40B4-BE49-F238E27FC236}">
-                <a16:creationId xmlns:a16="http://schemas.microsoft.com/office/drawing/2014/main" id="{22EB88A8-BB1A-3754-396F-94DC14C664E5}"/>
-              </a:ext>
-            </a:extLst>
-          </p:cNvPr>
+          <p:cNvPr id="2" name="Title 1"/>
           <p:cNvSpPr>
             <a:spLocks noGrp="1"/>
           </p:cNvSpPr>
@@ -785,26 +2893,26 @@
         </p:nvSpPr>
         <p:spPr/>
         <p:txBody>
-          <a:bodyPr/>
-          <a:lstStyle/>
+          <a:bodyPr>
+            <a:normAutofit/>
+          </a:bodyPr>
+          <a:lstStyle>
+            <a:lvl1pPr>
+              <a:defRPr sz="3600"/>
+            </a:lvl1pPr>
+          </a:lstStyle>
           <a:p>
             <a:r>
               <a:rPr lang="en-US"/>
               <a:t>Click to edit Master title style</a:t>
             </a:r>
-            <a:endParaRPr lang="en-AU"/>
+            <a:endParaRPr lang="en-US" dirty="0"/>
           </a:p>
         </p:txBody>
       </p:sp>
       <p:sp>
         <p:nvSpPr>
-          <p:cNvPr id="3" name="Content Placeholder 2">
-            <a:extLst>
-              <a:ext uri="{FF2B5EF4-FFF2-40B4-BE49-F238E27FC236}">
-                <a16:creationId xmlns:a16="http://schemas.microsoft.com/office/drawing/2014/main" id="{A89F68FC-3477-C947-726D-813C00419769}"/>
-              </a:ext>
-            </a:extLst>
-          </p:cNvPr>
+          <p:cNvPr id="3" name="Content Placeholder 2"/>
           <p:cNvSpPr>
             <a:spLocks noGrp="1"/>
           </p:cNvSpPr>
@@ -850,19 +2958,13 @@
               <a:rPr lang="en-US"/>
               <a:t>Fifth level</a:t>
             </a:r>
-            <a:endParaRPr lang="en-AU"/>
+            <a:endParaRPr lang="en-US" dirty="0"/>
           </a:p>
         </p:txBody>
       </p:sp>
       <p:sp>
         <p:nvSpPr>
-          <p:cNvPr id="4" name="Date Placeholder 3">
-            <a:extLst>
-              <a:ext uri="{FF2B5EF4-FFF2-40B4-BE49-F238E27FC236}">
-                <a16:creationId xmlns:a16="http://schemas.microsoft.com/office/drawing/2014/main" id="{F6B2ACB1-05D7-1B0A-3BAE-EED4AFCB0691}"/>
-              </a:ext>
-            </a:extLst>
-          </p:cNvPr>
+          <p:cNvPr id="4" name="Date Placeholder 3"/>
           <p:cNvSpPr>
             <a:spLocks noGrp="1"/>
           </p:cNvSpPr>
@@ -885,13 +2987,7 @@
       </p:sp>
       <p:sp>
         <p:nvSpPr>
-          <p:cNvPr id="5" name="Footer Placeholder 4">
-            <a:extLst>
-              <a:ext uri="{FF2B5EF4-FFF2-40B4-BE49-F238E27FC236}">
-                <a16:creationId xmlns:a16="http://schemas.microsoft.com/office/drawing/2014/main" id="{6DF6A14D-C545-A411-C402-FBEB6BCA553C}"/>
-              </a:ext>
-            </a:extLst>
-          </p:cNvPr>
+          <p:cNvPr id="5" name="Footer Placeholder 4"/>
           <p:cNvSpPr>
             <a:spLocks noGrp="1"/>
           </p:cNvSpPr>
@@ -910,13 +3006,7 @@
       </p:sp>
       <p:sp>
         <p:nvSpPr>
-          <p:cNvPr id="6" name="Slide Number Placeholder 5">
-            <a:extLst>
-              <a:ext uri="{FF2B5EF4-FFF2-40B4-BE49-F238E27FC236}">
-                <a16:creationId xmlns:a16="http://schemas.microsoft.com/office/drawing/2014/main" id="{90C4C574-1F2B-22B5-CCC8-4C4FB5C0725E}"/>
-              </a:ext>
-            </a:extLst>
-          </p:cNvPr>
+          <p:cNvPr id="6" name="Slide Number Placeholder 5"/>
           <p:cNvSpPr>
             <a:spLocks noGrp="1"/>
           </p:cNvSpPr>
@@ -940,7 +3030,7 @@
     </p:spTree>
     <p:extLst>
       <p:ext uri="{BB962C8B-B14F-4D97-AF65-F5344CB8AC3E}">
-        <p14:creationId xmlns:p14="http://schemas.microsoft.com/office/powerpoint/2010/main" val="2292990397"/>
+        <p14:creationId xmlns:p14="http://schemas.microsoft.com/office/powerpoint/2010/main" val="2877280029"/>
       </p:ext>
     </p:extLst>
   </p:cSld>
@@ -969,13 +3059,7 @@
       </p:grpSpPr>
       <p:sp>
         <p:nvSpPr>
-          <p:cNvPr id="2" name="Title 1">
-            <a:extLst>
-              <a:ext uri="{FF2B5EF4-FFF2-40B4-BE49-F238E27FC236}">
-                <a16:creationId xmlns:a16="http://schemas.microsoft.com/office/drawing/2014/main" id="{82E0E80E-B546-F0BC-89E2-F75B1FAFB122}"/>
-              </a:ext>
-            </a:extLst>
-          </p:cNvPr>
+          <p:cNvPr id="2" name="Title 1"/>
           <p:cNvSpPr>
             <a:spLocks noGrp="1"/>
           </p:cNvSpPr>
@@ -985,15 +3069,15 @@
         </p:nvSpPr>
         <p:spPr>
           <a:xfrm>
-            <a:off x="831850" y="1709738"/>
-            <a:ext cx="10515600" cy="2852737"/>
+            <a:off x="677335" y="2700867"/>
+            <a:ext cx="8596668" cy="1826581"/>
           </a:xfrm>
         </p:spPr>
         <p:txBody>
           <a:bodyPr anchor="b"/>
           <a:lstStyle>
-            <a:lvl1pPr>
-              <a:defRPr sz="6000"/>
+            <a:lvl1pPr algn="l">
+              <a:defRPr sz="4000" b="0" cap="none"/>
             </a:lvl1pPr>
           </a:lstStyle>
           <a:p>
@@ -1001,19 +3085,13 @@
               <a:rPr lang="en-US"/>
               <a:t>Click to edit Master title style</a:t>
             </a:r>
-            <a:endParaRPr lang="en-AU"/>
+            <a:endParaRPr lang="en-US" dirty="0"/>
           </a:p>
         </p:txBody>
       </p:sp>
       <p:sp>
         <p:nvSpPr>
-          <p:cNvPr id="3" name="Text Placeholder 2">
-            <a:extLst>
-              <a:ext uri="{FF2B5EF4-FFF2-40B4-BE49-F238E27FC236}">
-                <a16:creationId xmlns:a16="http://schemas.microsoft.com/office/drawing/2014/main" id="{42A508C8-11CA-27B0-D8EE-045626348C0F}"/>
-              </a:ext>
-            </a:extLst>
-          </p:cNvPr>
+          <p:cNvPr id="3" name="Text Placeholder 2"/>
           <p:cNvSpPr>
             <a:spLocks noGrp="1"/>
           </p:cNvSpPr>
@@ -1023,26 +3101,27 @@
         </p:nvSpPr>
         <p:spPr>
           <a:xfrm>
-            <a:off x="831850" y="4589463"/>
-            <a:ext cx="10515600" cy="1500187"/>
+            <a:off x="677335" y="4527448"/>
+            <a:ext cx="8596668" cy="860400"/>
           </a:xfrm>
         </p:spPr>
         <p:txBody>
-          <a:bodyPr/>
+          <a:bodyPr anchor="t"/>
           <a:lstStyle>
-            <a:lvl1pPr marL="0" indent="0">
-              <a:buNone/>
-              <a:defRPr sz="2400">
+            <a:lvl1pPr marL="0" indent="0" algn="l">
+              <a:buNone/>
+              <a:defRPr sz="2000">
                 <a:solidFill>
                   <a:schemeClr val="tx1">
-                    <a:tint val="75000"/>
+                    <a:lumMod val="50000"/>
+                    <a:lumOff val="50000"/>
                   </a:schemeClr>
                 </a:solidFill>
               </a:defRPr>
             </a:lvl1pPr>
             <a:lvl2pPr marL="457200" indent="0">
               <a:buNone/>
-              <a:defRPr sz="2000">
+              <a:defRPr sz="1800">
                 <a:solidFill>
                   <a:schemeClr val="tx1">
                     <a:tint val="75000"/>
@@ -1052,7 +3131,7 @@
             </a:lvl2pPr>
             <a:lvl3pPr marL="914400" indent="0">
               <a:buNone/>
-              <a:defRPr sz="1800">
+              <a:defRPr sz="1600">
                 <a:solidFill>
                   <a:schemeClr val="tx1">
                     <a:tint val="75000"/>
@@ -1062,7 +3141,7 @@
             </a:lvl3pPr>
             <a:lvl4pPr marL="1371600" indent="0">
               <a:buNone/>
-              <a:defRPr sz="1600">
+              <a:defRPr sz="1400">
                 <a:solidFill>
                   <a:schemeClr val="tx1">
                     <a:tint val="75000"/>
@@ -1072,7 +3151,7 @@
             </a:lvl4pPr>
             <a:lvl5pPr marL="1828800" indent="0">
               <a:buNone/>
-              <a:defRPr sz="1600">
+              <a:defRPr sz="1400">
                 <a:solidFill>
                   <a:schemeClr val="tx1">
                     <a:tint val="75000"/>
@@ -1082,7 +3161,7 @@
             </a:lvl5pPr>
             <a:lvl6pPr marL="2286000" indent="0">
               <a:buNone/>
-              <a:defRPr sz="1600">
+              <a:defRPr sz="1400">
                 <a:solidFill>
                   <a:schemeClr val="tx1">
                     <a:tint val="75000"/>
@@ -1092,7 +3171,7 @@
             </a:lvl6pPr>
             <a:lvl7pPr marL="2743200" indent="0">
               <a:buNone/>
-              <a:defRPr sz="1600">
+              <a:defRPr sz="1400">
                 <a:solidFill>
                   <a:schemeClr val="tx1">
                     <a:tint val="75000"/>
@@ -1102,7 +3181,7 @@
             </a:lvl7pPr>
             <a:lvl8pPr marL="3200400" indent="0">
               <a:buNone/>
-              <a:defRPr sz="1600">
+              <a:defRPr sz="1400">
                 <a:solidFill>
                   <a:schemeClr val="tx1">
                     <a:tint val="75000"/>
@@ -1112,7 +3191,7 @@
             </a:lvl8pPr>
             <a:lvl9pPr marL="3657600" indent="0">
               <a:buNone/>
-              <a:defRPr sz="1600">
+              <a:defRPr sz="1400">
                 <a:solidFill>
                   <a:schemeClr val="tx1">
                     <a:tint val="75000"/>
@@ -1132,13 +3211,7 @@
       </p:sp>
       <p:sp>
         <p:nvSpPr>
-          <p:cNvPr id="4" name="Date Placeholder 3">
-            <a:extLst>
-              <a:ext uri="{FF2B5EF4-FFF2-40B4-BE49-F238E27FC236}">
-                <a16:creationId xmlns:a16="http://schemas.microsoft.com/office/drawing/2014/main" id="{FF0D43D1-50CE-0803-CBE4-21BA6F0C06E8}"/>
-              </a:ext>
-            </a:extLst>
-          </p:cNvPr>
+          <p:cNvPr id="4" name="Date Placeholder 3"/>
           <p:cNvSpPr>
             <a:spLocks noGrp="1"/>
           </p:cNvSpPr>
@@ -1161,13 +3234,7 @@
       </p:sp>
       <p:sp>
         <p:nvSpPr>
-          <p:cNvPr id="5" name="Footer Placeholder 4">
-            <a:extLst>
-              <a:ext uri="{FF2B5EF4-FFF2-40B4-BE49-F238E27FC236}">
-                <a16:creationId xmlns:a16="http://schemas.microsoft.com/office/drawing/2014/main" id="{B6FD4BAE-B820-466D-794B-38A4746DE35C}"/>
-              </a:ext>
-            </a:extLst>
-          </p:cNvPr>
+          <p:cNvPr id="5" name="Footer Placeholder 4"/>
           <p:cNvSpPr>
             <a:spLocks noGrp="1"/>
           </p:cNvSpPr>
@@ -1186,13 +3253,7 @@
       </p:sp>
       <p:sp>
         <p:nvSpPr>
-          <p:cNvPr id="6" name="Slide Number Placeholder 5">
-            <a:extLst>
-              <a:ext uri="{FF2B5EF4-FFF2-40B4-BE49-F238E27FC236}">
-                <a16:creationId xmlns:a16="http://schemas.microsoft.com/office/drawing/2014/main" id="{A37CD835-7BF1-4A9A-6451-F20A74FEF7B5}"/>
-              </a:ext>
-            </a:extLst>
-          </p:cNvPr>
+          <p:cNvPr id="6" name="Slide Number Placeholder 5"/>
           <p:cNvSpPr>
             <a:spLocks noGrp="1"/>
           </p:cNvSpPr>
@@ -1216,7 +3277,7 @@
     </p:spTree>
     <p:extLst>
       <p:ext uri="{BB962C8B-B14F-4D97-AF65-F5344CB8AC3E}">
-        <p14:creationId xmlns:p14="http://schemas.microsoft.com/office/powerpoint/2010/main" val="3434457257"/>
+        <p14:creationId xmlns:p14="http://schemas.microsoft.com/office/powerpoint/2010/main" val="1594048696"/>
       </p:ext>
     </p:extLst>
   </p:cSld>
@@ -1245,13 +3306,7 @@
       </p:grpSpPr>
       <p:sp>
         <p:nvSpPr>
-          <p:cNvPr id="2" name="Title 1">
-            <a:extLst>
-              <a:ext uri="{FF2B5EF4-FFF2-40B4-BE49-F238E27FC236}">
-                <a16:creationId xmlns:a16="http://schemas.microsoft.com/office/drawing/2014/main" id="{B923B626-579D-05A5-1965-FE5F22F8F4BC}"/>
-              </a:ext>
-            </a:extLst>
-          </p:cNvPr>
+          <p:cNvPr id="2" name="Title 1"/>
           <p:cNvSpPr>
             <a:spLocks noGrp="1"/>
           </p:cNvSpPr>
@@ -1268,19 +3323,13 @@
               <a:rPr lang="en-US"/>
               <a:t>Click to edit Master title style</a:t>
             </a:r>
-            <a:endParaRPr lang="en-AU"/>
+            <a:endParaRPr lang="en-US" dirty="0"/>
           </a:p>
         </p:txBody>
       </p:sp>
       <p:sp>
         <p:nvSpPr>
-          <p:cNvPr id="3" name="Content Placeholder 2">
-            <a:extLst>
-              <a:ext uri="{FF2B5EF4-FFF2-40B4-BE49-F238E27FC236}">
-                <a16:creationId xmlns:a16="http://schemas.microsoft.com/office/drawing/2014/main" id="{6D5FA1C1-60D3-A2CF-86E7-E859AAAE212B}"/>
-              </a:ext>
-            </a:extLst>
-          </p:cNvPr>
+          <p:cNvPr id="3" name="Content Placeholder 2"/>
           <p:cNvSpPr>
             <a:spLocks noGrp="1"/>
           </p:cNvSpPr>
@@ -1290,8 +3339,8 @@
         </p:nvSpPr>
         <p:spPr>
           <a:xfrm>
-            <a:off x="838200" y="1825625"/>
-            <a:ext cx="5181600" cy="4351338"/>
+            <a:off x="677334" y="2160589"/>
+            <a:ext cx="4184035" cy="3880772"/>
           </a:xfrm>
         </p:spPr>
         <p:txBody>
@@ -1331,19 +3380,13 @@
               <a:rPr lang="en-US"/>
               <a:t>Fifth level</a:t>
             </a:r>
-            <a:endParaRPr lang="en-AU"/>
+            <a:endParaRPr lang="en-US" dirty="0"/>
           </a:p>
         </p:txBody>
       </p:sp>
       <p:sp>
         <p:nvSpPr>
-          <p:cNvPr id="4" name="Content Placeholder 3">
-            <a:extLst>
-              <a:ext uri="{FF2B5EF4-FFF2-40B4-BE49-F238E27FC236}">
-                <a16:creationId xmlns:a16="http://schemas.microsoft.com/office/drawing/2014/main" id="{850B6580-5DF4-34CF-0583-40FB8CDC1E10}"/>
-              </a:ext>
-            </a:extLst>
-          </p:cNvPr>
+          <p:cNvPr id="4" name="Content Placeholder 3"/>
           <p:cNvSpPr>
             <a:spLocks noGrp="1"/>
           </p:cNvSpPr>
@@ -1353,8 +3396,8 @@
         </p:nvSpPr>
         <p:spPr>
           <a:xfrm>
-            <a:off x="6172200" y="1825625"/>
-            <a:ext cx="5181600" cy="4351338"/>
+            <a:off x="5089970" y="2160589"/>
+            <a:ext cx="4184034" cy="3880773"/>
           </a:xfrm>
         </p:spPr>
         <p:txBody>
@@ -1394,19 +3437,13 @@
               <a:rPr lang="en-US"/>
               <a:t>Fifth level</a:t>
             </a:r>
-            <a:endParaRPr lang="en-AU"/>
+            <a:endParaRPr lang="en-US" dirty="0"/>
           </a:p>
         </p:txBody>
       </p:sp>
       <p:sp>
         <p:nvSpPr>
-          <p:cNvPr id="5" name="Date Placeholder 4">
-            <a:extLst>
-              <a:ext uri="{FF2B5EF4-FFF2-40B4-BE49-F238E27FC236}">
-                <a16:creationId xmlns:a16="http://schemas.microsoft.com/office/drawing/2014/main" id="{F11B9881-404C-2C4F-4024-2AC211A36E55}"/>
-              </a:ext>
-            </a:extLst>
-          </p:cNvPr>
+          <p:cNvPr id="5" name="Date Placeholder 4"/>
           <p:cNvSpPr>
             <a:spLocks noGrp="1"/>
           </p:cNvSpPr>
@@ -1429,13 +3466,7 @@
       </p:sp>
       <p:sp>
         <p:nvSpPr>
-          <p:cNvPr id="6" name="Footer Placeholder 5">
-            <a:extLst>
-              <a:ext uri="{FF2B5EF4-FFF2-40B4-BE49-F238E27FC236}">
-                <a16:creationId xmlns:a16="http://schemas.microsoft.com/office/drawing/2014/main" id="{694DABDA-8002-E130-21F8-52EE723B37A3}"/>
-              </a:ext>
-            </a:extLst>
-          </p:cNvPr>
+          <p:cNvPr id="6" name="Footer Placeholder 5"/>
           <p:cNvSpPr>
             <a:spLocks noGrp="1"/>
           </p:cNvSpPr>
@@ -1454,13 +3485,7 @@
       </p:sp>
       <p:sp>
         <p:nvSpPr>
-          <p:cNvPr id="7" name="Slide Number Placeholder 6">
-            <a:extLst>
-              <a:ext uri="{FF2B5EF4-FFF2-40B4-BE49-F238E27FC236}">
-                <a16:creationId xmlns:a16="http://schemas.microsoft.com/office/drawing/2014/main" id="{FA94BAC1-CC15-7E9F-D393-288B99BD08D6}"/>
-              </a:ext>
-            </a:extLst>
-          </p:cNvPr>
+          <p:cNvPr id="7" name="Slide Number Placeholder 6"/>
           <p:cNvSpPr>
             <a:spLocks noGrp="1"/>
           </p:cNvSpPr>
@@ -1484,7 +3509,7 @@
     </p:spTree>
     <p:extLst>
       <p:ext uri="{BB962C8B-B14F-4D97-AF65-F5344CB8AC3E}">
-        <p14:creationId xmlns:p14="http://schemas.microsoft.com/office/powerpoint/2010/main" val="3969729592"/>
+        <p14:creationId xmlns:p14="http://schemas.microsoft.com/office/powerpoint/2010/main" val="1453616228"/>
       </p:ext>
     </p:extLst>
   </p:cSld>
@@ -1513,13 +3538,7 @@
       </p:grpSpPr>
       <p:sp>
         <p:nvSpPr>
-          <p:cNvPr id="2" name="Title 1">
-            <a:extLst>
-              <a:ext uri="{FF2B5EF4-FFF2-40B4-BE49-F238E27FC236}">
-                <a16:creationId xmlns:a16="http://schemas.microsoft.com/office/drawing/2014/main" id="{E3257C99-CB67-3C54-3ED4-42C0F096DC51}"/>
-              </a:ext>
-            </a:extLst>
-          </p:cNvPr>
+          <p:cNvPr id="2" name="Title 1"/>
           <p:cNvSpPr>
             <a:spLocks noGrp="1"/>
           </p:cNvSpPr>
@@ -1527,33 +3546,26 @@
             <p:ph type="title"/>
           </p:nvPr>
         </p:nvSpPr>
-        <p:spPr>
-          <a:xfrm>
-            <a:off x="839788" y="365125"/>
-            <a:ext cx="10515600" cy="1325563"/>
-          </a:xfrm>
-        </p:spPr>
+        <p:spPr/>
         <p:txBody>
           <a:bodyPr/>
-          <a:lstStyle/>
+          <a:lstStyle>
+            <a:lvl1pPr>
+              <a:defRPr/>
+            </a:lvl1pPr>
+          </a:lstStyle>
           <a:p>
             <a:r>
               <a:rPr lang="en-US"/>
               <a:t>Click to edit Master title style</a:t>
             </a:r>
-            <a:endParaRPr lang="en-AU"/>
+            <a:endParaRPr lang="en-US" dirty="0"/>
           </a:p>
         </p:txBody>
       </p:sp>
       <p:sp>
         <p:nvSpPr>
-          <p:cNvPr id="3" name="Text Placeholder 2">
-            <a:extLst>
-              <a:ext uri="{FF2B5EF4-FFF2-40B4-BE49-F238E27FC236}">
-                <a16:creationId xmlns:a16="http://schemas.microsoft.com/office/drawing/2014/main" id="{92DF206B-01D9-0E0A-9AF2-BB4D49B8487A}"/>
-              </a:ext>
-            </a:extLst>
-          </p:cNvPr>
+          <p:cNvPr id="3" name="Text Placeholder 2"/>
           <p:cNvSpPr>
             <a:spLocks noGrp="1"/>
           </p:cNvSpPr>
@@ -1563,16 +3575,18 @@
         </p:nvSpPr>
         <p:spPr>
           <a:xfrm>
-            <a:off x="839788" y="1681163"/>
-            <a:ext cx="5157787" cy="823912"/>
+            <a:off x="675745" y="2160983"/>
+            <a:ext cx="4185623" cy="576262"/>
           </a:xfrm>
         </p:spPr>
         <p:txBody>
-          <a:bodyPr anchor="b"/>
+          <a:bodyPr anchor="b">
+            <a:noAutofit/>
+          </a:bodyPr>
           <a:lstStyle>
             <a:lvl1pPr marL="0" indent="0">
               <a:buNone/>
-              <a:defRPr sz="2400" b="1"/>
+              <a:defRPr sz="2400" b="0"/>
             </a:lvl1pPr>
             <a:lvl2pPr marL="457200" indent="0">
               <a:buNone/>
@@ -1618,13 +3632,7 @@
       </p:sp>
       <p:sp>
         <p:nvSpPr>
-          <p:cNvPr id="4" name="Content Placeholder 3">
-            <a:extLst>
-              <a:ext uri="{FF2B5EF4-FFF2-40B4-BE49-F238E27FC236}">
-                <a16:creationId xmlns:a16="http://schemas.microsoft.com/office/drawing/2014/main" id="{34F5F8F3-269B-3621-5D50-A4F2B00013FA}"/>
-              </a:ext>
-            </a:extLst>
-          </p:cNvPr>
+          <p:cNvPr id="4" name="Content Placeholder 3"/>
           <p:cNvSpPr>
             <a:spLocks noGrp="1"/>
           </p:cNvSpPr>
@@ -1634,12 +3642,14 @@
         </p:nvSpPr>
         <p:spPr>
           <a:xfrm>
-            <a:off x="839788" y="2505075"/>
-            <a:ext cx="5157787" cy="3684588"/>
+            <a:off x="675745" y="2737245"/>
+            <a:ext cx="4185623" cy="3304117"/>
           </a:xfrm>
         </p:spPr>
         <p:txBody>
-          <a:bodyPr/>
+          <a:bodyPr>
+            <a:normAutofit/>
+          </a:bodyPr>
           <a:lstStyle/>
           <a:p>
             <a:pPr lvl="0"/>
@@ -1675,19 +3685,13 @@
               <a:rPr lang="en-US"/>
               <a:t>Fifth level</a:t>
             </a:r>
-            <a:endParaRPr lang="en-AU"/>
+            <a:endParaRPr lang="en-US" dirty="0"/>
           </a:p>
         </p:txBody>
       </p:sp>
       <p:sp>
         <p:nvSpPr>
-          <p:cNvPr id="5" name="Text Placeholder 4">
-            <a:extLst>
-              <a:ext uri="{FF2B5EF4-FFF2-40B4-BE49-F238E27FC236}">
-                <a16:creationId xmlns:a16="http://schemas.microsoft.com/office/drawing/2014/main" id="{312AE37F-97E1-5FCF-BE3A-2CCADAA641EB}"/>
-              </a:ext>
-            </a:extLst>
-          </p:cNvPr>
+          <p:cNvPr id="5" name="Text Placeholder 4"/>
           <p:cNvSpPr>
             <a:spLocks noGrp="1"/>
           </p:cNvSpPr>
@@ -1697,16 +3701,18 @@
         </p:nvSpPr>
         <p:spPr>
           <a:xfrm>
-            <a:off x="6172200" y="1681163"/>
-            <a:ext cx="5183188" cy="823912"/>
+            <a:off x="5088383" y="2160983"/>
+            <a:ext cx="4185618" cy="576262"/>
           </a:xfrm>
         </p:spPr>
         <p:txBody>
-          <a:bodyPr anchor="b"/>
+          <a:bodyPr anchor="b">
+            <a:noAutofit/>
+          </a:bodyPr>
           <a:lstStyle>
             <a:lvl1pPr marL="0" indent="0">
               <a:buNone/>
-              <a:defRPr sz="2400" b="1"/>
+              <a:defRPr sz="2400" b="0"/>
             </a:lvl1pPr>
             <a:lvl2pPr marL="457200" indent="0">
               <a:buNone/>
@@ -1752,13 +3758,7 @@
       </p:sp>
       <p:sp>
         <p:nvSpPr>
-          <p:cNvPr id="6" name="Content Placeholder 5">
-            <a:extLst>
-              <a:ext uri="{FF2B5EF4-FFF2-40B4-BE49-F238E27FC236}">
-                <a16:creationId xmlns:a16="http://schemas.microsoft.com/office/drawing/2014/main" id="{7B019279-13E6-65B8-8D1C-E7766D5CBA13}"/>
-              </a:ext>
-            </a:extLst>
-          </p:cNvPr>
+          <p:cNvPr id="6" name="Content Placeholder 5"/>
           <p:cNvSpPr>
             <a:spLocks noGrp="1"/>
           </p:cNvSpPr>
@@ -1768,12 +3768,14 @@
         </p:nvSpPr>
         <p:spPr>
           <a:xfrm>
-            <a:off x="6172200" y="2505075"/>
-            <a:ext cx="5183188" cy="3684588"/>
+            <a:off x="5088384" y="2737245"/>
+            <a:ext cx="4185617" cy="3304117"/>
           </a:xfrm>
         </p:spPr>
         <p:txBody>
-          <a:bodyPr/>
+          <a:bodyPr>
+            <a:normAutofit/>
+          </a:bodyPr>
           <a:lstStyle/>
           <a:p>
             <a:pPr lvl="0"/>
@@ -1809,19 +3811,13 @@
               <a:rPr lang="en-US"/>
               <a:t>Fifth level</a:t>
             </a:r>
-            <a:endParaRPr lang="en-AU"/>
+            <a:endParaRPr lang="en-US" dirty="0"/>
           </a:p>
         </p:txBody>
       </p:sp>
       <p:sp>
         <p:nvSpPr>
-          <p:cNvPr id="7" name="Date Placeholder 6">
-            <a:extLst>
-              <a:ext uri="{FF2B5EF4-FFF2-40B4-BE49-F238E27FC236}">
-                <a16:creationId xmlns:a16="http://schemas.microsoft.com/office/drawing/2014/main" id="{7C9BC358-EFA1-03EC-31DA-B1B9F34F4C56}"/>
-              </a:ext>
-            </a:extLst>
-          </p:cNvPr>
+          <p:cNvPr id="7" name="Date Placeholder 6"/>
           <p:cNvSpPr>
             <a:spLocks noGrp="1"/>
           </p:cNvSpPr>
@@ -1844,13 +3840,7 @@
       </p:sp>
       <p:sp>
         <p:nvSpPr>
-          <p:cNvPr id="8" name="Footer Placeholder 7">
-            <a:extLst>
-              <a:ext uri="{FF2B5EF4-FFF2-40B4-BE49-F238E27FC236}">
-                <a16:creationId xmlns:a16="http://schemas.microsoft.com/office/drawing/2014/main" id="{5A4F03A5-BCD2-3E3E-D135-85C8E9F998BE}"/>
-              </a:ext>
-            </a:extLst>
-          </p:cNvPr>
+          <p:cNvPr id="8" name="Footer Placeholder 7"/>
           <p:cNvSpPr>
             <a:spLocks noGrp="1"/>
           </p:cNvSpPr>
@@ -1869,13 +3859,7 @@
       </p:sp>
       <p:sp>
         <p:nvSpPr>
-          <p:cNvPr id="9" name="Slide Number Placeholder 8">
-            <a:extLst>
-              <a:ext uri="{FF2B5EF4-FFF2-40B4-BE49-F238E27FC236}">
-                <a16:creationId xmlns:a16="http://schemas.microsoft.com/office/drawing/2014/main" id="{4777A0FA-C980-5A3C-5F76-E08171655728}"/>
-              </a:ext>
-            </a:extLst>
-          </p:cNvPr>
+          <p:cNvPr id="9" name="Slide Number Placeholder 8"/>
           <p:cNvSpPr>
             <a:spLocks noGrp="1"/>
           </p:cNvSpPr>
@@ -1899,7 +3883,7 @@
     </p:spTree>
     <p:extLst>
       <p:ext uri="{BB962C8B-B14F-4D97-AF65-F5344CB8AC3E}">
-        <p14:creationId xmlns:p14="http://schemas.microsoft.com/office/powerpoint/2010/main" val="3593648442"/>
+        <p14:creationId xmlns:p14="http://schemas.microsoft.com/office/powerpoint/2010/main" val="3915070711"/>
       </p:ext>
     </p:extLst>
   </p:cSld>
@@ -1928,13 +3912,7 @@
       </p:grpSpPr>
       <p:sp>
         <p:nvSpPr>
-          <p:cNvPr id="2" name="Title 1">
-            <a:extLst>
-              <a:ext uri="{FF2B5EF4-FFF2-40B4-BE49-F238E27FC236}">
-                <a16:creationId xmlns:a16="http://schemas.microsoft.com/office/drawing/2014/main" id="{5420EA4C-CD2D-3F3F-F6C6-BFE12B93766C}"/>
-              </a:ext>
-            </a:extLst>
-          </p:cNvPr>
+          <p:cNvPr id="2" name="Title 1"/>
           <p:cNvSpPr>
             <a:spLocks noGrp="1"/>
           </p:cNvSpPr>
@@ -1942,7 +3920,12 @@
             <p:ph type="title"/>
           </p:nvPr>
         </p:nvSpPr>
-        <p:spPr/>
+        <p:spPr>
+          <a:xfrm>
+            <a:off x="677334" y="609600"/>
+            <a:ext cx="8596668" cy="1320800"/>
+          </a:xfrm>
+        </p:spPr>
         <p:txBody>
           <a:bodyPr/>
           <a:lstStyle/>
@@ -1951,19 +3934,13 @@
               <a:rPr lang="en-US"/>
               <a:t>Click to edit Master title style</a:t>
             </a:r>
-            <a:endParaRPr lang="en-AU"/>
+            <a:endParaRPr lang="en-US" dirty="0"/>
           </a:p>
         </p:txBody>
       </p:sp>
       <p:sp>
         <p:nvSpPr>
-          <p:cNvPr id="3" name="Date Placeholder 2">
-            <a:extLst>
-              <a:ext uri="{FF2B5EF4-FFF2-40B4-BE49-F238E27FC236}">
-                <a16:creationId xmlns:a16="http://schemas.microsoft.com/office/drawing/2014/main" id="{65A25F61-7323-1A42-DF26-C72D7437620B}"/>
-              </a:ext>
-            </a:extLst>
-          </p:cNvPr>
+          <p:cNvPr id="3" name="Date Placeholder 2"/>
           <p:cNvSpPr>
             <a:spLocks noGrp="1"/>
           </p:cNvSpPr>
@@ -1986,13 +3963,7 @@
       </p:sp>
       <p:sp>
         <p:nvSpPr>
-          <p:cNvPr id="4" name="Footer Placeholder 3">
-            <a:extLst>
-              <a:ext uri="{FF2B5EF4-FFF2-40B4-BE49-F238E27FC236}">
-                <a16:creationId xmlns:a16="http://schemas.microsoft.com/office/drawing/2014/main" id="{3C36BDFE-65B0-1EE1-F08D-637497C657D0}"/>
-              </a:ext>
-            </a:extLst>
-          </p:cNvPr>
+          <p:cNvPr id="4" name="Footer Placeholder 3"/>
           <p:cNvSpPr>
             <a:spLocks noGrp="1"/>
           </p:cNvSpPr>
@@ -2011,13 +3982,7 @@
       </p:sp>
       <p:sp>
         <p:nvSpPr>
-          <p:cNvPr id="5" name="Slide Number Placeholder 4">
-            <a:extLst>
-              <a:ext uri="{FF2B5EF4-FFF2-40B4-BE49-F238E27FC236}">
-                <a16:creationId xmlns:a16="http://schemas.microsoft.com/office/drawing/2014/main" id="{2B6DF24E-F3E6-17A1-FAA3-E674EBC1EAB7}"/>
-              </a:ext>
-            </a:extLst>
-          </p:cNvPr>
+          <p:cNvPr id="5" name="Slide Number Placeholder 4"/>
           <p:cNvSpPr>
             <a:spLocks noGrp="1"/>
           </p:cNvSpPr>
@@ -2041,7 +4006,7 @@
     </p:spTree>
     <p:extLst>
       <p:ext uri="{BB962C8B-B14F-4D97-AF65-F5344CB8AC3E}">
-        <p14:creationId xmlns:p14="http://schemas.microsoft.com/office/powerpoint/2010/main" val="40120653"/>
+        <p14:creationId xmlns:p14="http://schemas.microsoft.com/office/powerpoint/2010/main" val="3697682735"/>
       </p:ext>
     </p:extLst>
   </p:cSld>
@@ -2070,13 +4035,7 @@
       </p:grpSpPr>
       <p:sp>
         <p:nvSpPr>
-          <p:cNvPr id="2" name="Date Placeholder 1">
-            <a:extLst>
-              <a:ext uri="{FF2B5EF4-FFF2-40B4-BE49-F238E27FC236}">
-                <a16:creationId xmlns:a16="http://schemas.microsoft.com/office/drawing/2014/main" id="{A44E6D60-BAAE-602F-9A83-50B164D09033}"/>
-              </a:ext>
-            </a:extLst>
-          </p:cNvPr>
+          <p:cNvPr id="2" name="Date Placeholder 1"/>
           <p:cNvSpPr>
             <a:spLocks noGrp="1"/>
           </p:cNvSpPr>
@@ -2099,13 +4058,7 @@
       </p:sp>
       <p:sp>
         <p:nvSpPr>
-          <p:cNvPr id="3" name="Footer Placeholder 2">
-            <a:extLst>
-              <a:ext uri="{FF2B5EF4-FFF2-40B4-BE49-F238E27FC236}">
-                <a16:creationId xmlns:a16="http://schemas.microsoft.com/office/drawing/2014/main" id="{BD5ED93B-C7C5-7689-F75C-1C2622F60168}"/>
-              </a:ext>
-            </a:extLst>
-          </p:cNvPr>
+          <p:cNvPr id="3" name="Footer Placeholder 2"/>
           <p:cNvSpPr>
             <a:spLocks noGrp="1"/>
           </p:cNvSpPr>
@@ -2124,13 +4077,7 @@
       </p:sp>
       <p:sp>
         <p:nvSpPr>
-          <p:cNvPr id="4" name="Slide Number Placeholder 3">
-            <a:extLst>
-              <a:ext uri="{FF2B5EF4-FFF2-40B4-BE49-F238E27FC236}">
-                <a16:creationId xmlns:a16="http://schemas.microsoft.com/office/drawing/2014/main" id="{8C0FB3A6-BB7A-41A2-2FD3-BEEB44470A56}"/>
-              </a:ext>
-            </a:extLst>
-          </p:cNvPr>
+          <p:cNvPr id="4" name="Slide Number Placeholder 3"/>
           <p:cNvSpPr>
             <a:spLocks noGrp="1"/>
           </p:cNvSpPr>
@@ -2154,7 +4101,7 @@
     </p:spTree>
     <p:extLst>
       <p:ext uri="{BB962C8B-B14F-4D97-AF65-F5344CB8AC3E}">
-        <p14:creationId xmlns:p14="http://schemas.microsoft.com/office/powerpoint/2010/main" val="130709173"/>
+        <p14:creationId xmlns:p14="http://schemas.microsoft.com/office/powerpoint/2010/main" val="3093391274"/>
       </p:ext>
     </p:extLst>
   </p:cSld>
@@ -2183,13 +4130,7 @@
       </p:grpSpPr>
       <p:sp>
         <p:nvSpPr>
-          <p:cNvPr id="2" name="Title 1">
-            <a:extLst>
-              <a:ext uri="{FF2B5EF4-FFF2-40B4-BE49-F238E27FC236}">
-                <a16:creationId xmlns:a16="http://schemas.microsoft.com/office/drawing/2014/main" id="{9650680A-0C1E-38C1-4561-A09B2A5DDF32}"/>
-              </a:ext>
-            </a:extLst>
-          </p:cNvPr>
+          <p:cNvPr id="2" name="Title 1"/>
           <p:cNvSpPr>
             <a:spLocks noGrp="1"/>
           </p:cNvSpPr>
@@ -2199,15 +4140,17 @@
         </p:nvSpPr>
         <p:spPr>
           <a:xfrm>
-            <a:off x="839788" y="457200"/>
-            <a:ext cx="3932237" cy="1600200"/>
+            <a:off x="677334" y="1498604"/>
+            <a:ext cx="3854528" cy="1278466"/>
           </a:xfrm>
         </p:spPr>
         <p:txBody>
-          <a:bodyPr anchor="b"/>
+          <a:bodyPr anchor="b">
+            <a:normAutofit/>
+          </a:bodyPr>
           <a:lstStyle>
             <a:lvl1pPr>
-              <a:defRPr sz="3200"/>
+              <a:defRPr sz="2000"/>
             </a:lvl1pPr>
           </a:lstStyle>
           <a:p>
@@ -2215,19 +4158,13 @@
               <a:rPr lang="en-US"/>
               <a:t>Click to edit Master title style</a:t>
             </a:r>
-            <a:endParaRPr lang="en-AU"/>
+            <a:endParaRPr lang="en-US" dirty="0"/>
           </a:p>
         </p:txBody>
       </p:sp>
       <p:sp>
         <p:nvSpPr>
-          <p:cNvPr id="3" name="Content Placeholder 2">
-            <a:extLst>
-              <a:ext uri="{FF2B5EF4-FFF2-40B4-BE49-F238E27FC236}">
-                <a16:creationId xmlns:a16="http://schemas.microsoft.com/office/drawing/2014/main" id="{F35BF8BF-69F2-EA1B-B3F0-BCB8288400D8}"/>
-              </a:ext>
-            </a:extLst>
-          </p:cNvPr>
+          <p:cNvPr id="3" name="Content Placeholder 2"/>
           <p:cNvSpPr>
             <a:spLocks noGrp="1"/>
           </p:cNvSpPr>
@@ -2237,41 +4174,15 @@
         </p:nvSpPr>
         <p:spPr>
           <a:xfrm>
-            <a:off x="5183188" y="987425"/>
-            <a:ext cx="6172200" cy="4873625"/>
+            <a:off x="4760461" y="514924"/>
+            <a:ext cx="4513541" cy="5526437"/>
           </a:xfrm>
         </p:spPr>
         <p:txBody>
-          <a:bodyPr/>
-          <a:lstStyle>
-            <a:lvl1pPr>
-              <a:defRPr sz="3200"/>
-            </a:lvl1pPr>
-            <a:lvl2pPr>
-              <a:defRPr sz="2800"/>
-            </a:lvl2pPr>
-            <a:lvl3pPr>
-              <a:defRPr sz="2400"/>
-            </a:lvl3pPr>
-            <a:lvl4pPr>
-              <a:defRPr sz="2000"/>
-            </a:lvl4pPr>
-            <a:lvl5pPr>
-              <a:defRPr sz="2000"/>
-            </a:lvl5pPr>
-            <a:lvl6pPr>
-              <a:defRPr sz="2000"/>
-            </a:lvl6pPr>
-            <a:lvl7pPr>
-              <a:defRPr sz="2000"/>
-            </a:lvl7pPr>
-            <a:lvl8pPr>
-              <a:defRPr sz="2000"/>
-            </a:lvl8pPr>
-            <a:lvl9pPr>
-              <a:defRPr sz="2000"/>
-            </a:lvl9pPr>
-          </a:lstStyle>
+          <a:bodyPr>
+            <a:normAutofit/>
+          </a:bodyPr>
+          <a:lstStyle/>
           <a:p>
             <a:pPr lvl="0"/>
             <a:r>
@@ -2306,19 +4217,13 @@
               <a:rPr lang="en-US"/>
               <a:t>Fifth level</a:t>
             </a:r>
-            <a:endParaRPr lang="en-AU"/>
+            <a:endParaRPr lang="en-US" dirty="0"/>
           </a:p>
         </p:txBody>
       </p:sp>
       <p:sp>
         <p:nvSpPr>
-          <p:cNvPr id="4" name="Text Placeholder 3">
-            <a:extLst>
-              <a:ext uri="{FF2B5EF4-FFF2-40B4-BE49-F238E27FC236}">
-                <a16:creationId xmlns:a16="http://schemas.microsoft.com/office/drawing/2014/main" id="{6050C8C4-A0DC-86F7-A5B0-149780C7845F}"/>
-              </a:ext>
-            </a:extLst>
-          </p:cNvPr>
+          <p:cNvPr id="4" name="Text Placeholder 3"/>
           <p:cNvSpPr>
             <a:spLocks noGrp="1"/>
           </p:cNvSpPr>
@@ -2328,46 +4233,48 @@
         </p:nvSpPr>
         <p:spPr>
           <a:xfrm>
-            <a:off x="839788" y="2057400"/>
-            <a:ext cx="3932237" cy="3811588"/>
+            <a:off x="677334" y="2777069"/>
+            <a:ext cx="3854528" cy="2584449"/>
           </a:xfrm>
         </p:spPr>
         <p:txBody>
-          <a:bodyPr/>
+          <a:bodyPr>
+            <a:normAutofit/>
+          </a:bodyPr>
           <a:lstStyle>
             <a:lvl1pPr marL="0" indent="0">
               <a:buNone/>
-              <a:defRPr sz="1600"/>
+              <a:defRPr sz="1400"/>
             </a:lvl1pPr>
-            <a:lvl2pPr marL="457200" indent="0">
+            <a:lvl2pPr marL="457063" indent="0">
               <a:buNone/>
               <a:defRPr sz="1400"/>
             </a:lvl2pPr>
-            <a:lvl3pPr marL="914400" indent="0">
+            <a:lvl3pPr marL="914126" indent="0">
               <a:buNone/>
               <a:defRPr sz="1200"/>
             </a:lvl3pPr>
-            <a:lvl4pPr marL="1371600" indent="0">
+            <a:lvl4pPr marL="1371189" indent="0">
               <a:buNone/>
               <a:defRPr sz="1000"/>
             </a:lvl4pPr>
-            <a:lvl5pPr marL="1828800" indent="0">
+            <a:lvl5pPr marL="1828251" indent="0">
               <a:buNone/>
               <a:defRPr sz="1000"/>
             </a:lvl5pPr>
-            <a:lvl6pPr marL="2286000" indent="0">
+            <a:lvl6pPr marL="2285314" indent="0">
               <a:buNone/>
               <a:defRPr sz="1000"/>
             </a:lvl6pPr>
-            <a:lvl7pPr marL="2743200" indent="0">
+            <a:lvl7pPr marL="2742377" indent="0">
               <a:buNone/>
               <a:defRPr sz="1000"/>
             </a:lvl7pPr>
-            <a:lvl8pPr marL="3200400" indent="0">
+            <a:lvl8pPr marL="3199440" indent="0">
               <a:buNone/>
               <a:defRPr sz="1000"/>
             </a:lvl8pPr>
-            <a:lvl9pPr marL="3657600" indent="0">
+            <a:lvl9pPr marL="3656503" indent="0">
               <a:buNone/>
               <a:defRPr sz="1000"/>
             </a:lvl9pPr>
@@ -2383,13 +4290,7 @@
       </p:sp>
       <p:sp>
         <p:nvSpPr>
-          <p:cNvPr id="5" name="Date Placeholder 4">
-            <a:extLst>
-              <a:ext uri="{FF2B5EF4-FFF2-40B4-BE49-F238E27FC236}">
-                <a16:creationId xmlns:a16="http://schemas.microsoft.com/office/drawing/2014/main" id="{0F275A82-CAE8-AF0B-D2E6-511048953F16}"/>
-              </a:ext>
-            </a:extLst>
-          </p:cNvPr>
+          <p:cNvPr id="5" name="Date Placeholder 4"/>
           <p:cNvSpPr>
             <a:spLocks noGrp="1"/>
           </p:cNvSpPr>
@@ -2412,13 +4313,7 @@
       </p:sp>
       <p:sp>
         <p:nvSpPr>
-          <p:cNvPr id="6" name="Footer Placeholder 5">
-            <a:extLst>
-              <a:ext uri="{FF2B5EF4-FFF2-40B4-BE49-F238E27FC236}">
-                <a16:creationId xmlns:a16="http://schemas.microsoft.com/office/drawing/2014/main" id="{59B9D757-0B1F-1F97-018B-1B1E244986AF}"/>
-              </a:ext>
-            </a:extLst>
-          </p:cNvPr>
+          <p:cNvPr id="6" name="Footer Placeholder 5"/>
           <p:cNvSpPr>
             <a:spLocks noGrp="1"/>
           </p:cNvSpPr>
@@ -2437,13 +4332,7 @@
       </p:sp>
       <p:sp>
         <p:nvSpPr>
-          <p:cNvPr id="7" name="Slide Number Placeholder 6">
-            <a:extLst>
-              <a:ext uri="{FF2B5EF4-FFF2-40B4-BE49-F238E27FC236}">
-                <a16:creationId xmlns:a16="http://schemas.microsoft.com/office/drawing/2014/main" id="{DE61299B-3CCC-730C-904E-C89A1CB57BC4}"/>
-              </a:ext>
-            </a:extLst>
-          </p:cNvPr>
+          <p:cNvPr id="7" name="Slide Number Placeholder 6"/>
           <p:cNvSpPr>
             <a:spLocks noGrp="1"/>
           </p:cNvSpPr>
@@ -2467,7 +4356,7 @@
     </p:spTree>
     <p:extLst>
       <p:ext uri="{BB962C8B-B14F-4D97-AF65-F5344CB8AC3E}">
-        <p14:creationId xmlns:p14="http://schemas.microsoft.com/office/powerpoint/2010/main" val="2097421490"/>
+        <p14:creationId xmlns:p14="http://schemas.microsoft.com/office/powerpoint/2010/main" val="869303357"/>
       </p:ext>
     </p:extLst>
   </p:cSld>
@@ -2496,13 +4385,7 @@
       </p:grpSpPr>
       <p:sp>
         <p:nvSpPr>
-          <p:cNvPr id="2" name="Title 1">
-            <a:extLst>
-              <a:ext uri="{FF2B5EF4-FFF2-40B4-BE49-F238E27FC236}">
-                <a16:creationId xmlns:a16="http://schemas.microsoft.com/office/drawing/2014/main" id="{D734A425-AC6D-4BBF-666E-DCF908201ADA}"/>
-              </a:ext>
-            </a:extLst>
-          </p:cNvPr>
+          <p:cNvPr id="2" name="Title 1"/>
           <p:cNvSpPr>
             <a:spLocks noGrp="1"/>
           </p:cNvSpPr>
@@ -2512,15 +4395,17 @@
         </p:nvSpPr>
         <p:spPr>
           <a:xfrm>
-            <a:off x="839788" y="457200"/>
-            <a:ext cx="3932237" cy="1600200"/>
+            <a:off x="677334" y="4800600"/>
+            <a:ext cx="8596667" cy="566738"/>
           </a:xfrm>
         </p:spPr>
         <p:txBody>
-          <a:bodyPr anchor="b"/>
+          <a:bodyPr anchor="b">
+            <a:normAutofit/>
+          </a:bodyPr>
           <a:lstStyle>
-            <a:lvl1pPr>
-              <a:defRPr sz="3200"/>
+            <a:lvl1pPr algn="l">
+              <a:defRPr sz="2400" b="0"/>
             </a:lvl1pPr>
           </a:lstStyle>
           <a:p>
@@ -2528,21 +4413,15 @@
               <a:rPr lang="en-US"/>
               <a:t>Click to edit Master title style</a:t>
             </a:r>
-            <a:endParaRPr lang="en-AU"/>
+            <a:endParaRPr lang="en-US" dirty="0"/>
           </a:p>
         </p:txBody>
       </p:sp>
       <p:sp>
         <p:nvSpPr>
-          <p:cNvPr id="3" name="Picture Placeholder 2">
-            <a:extLst>
-              <a:ext uri="{FF2B5EF4-FFF2-40B4-BE49-F238E27FC236}">
-                <a16:creationId xmlns:a16="http://schemas.microsoft.com/office/drawing/2014/main" id="{6412391E-A2E9-2DC9-F2D8-6B21885AD5AF}"/>
-              </a:ext>
-            </a:extLst>
-          </p:cNvPr>
+          <p:cNvPr id="3" name="Picture Placeholder 2"/>
           <p:cNvSpPr>
-            <a:spLocks noGrp="1"/>
+            <a:spLocks noGrp="1" noChangeAspect="1"/>
           </p:cNvSpPr>
           <p:nvPr>
             <p:ph type="pic" idx="1"/>
@@ -2550,64 +4429,64 @@
         </p:nvSpPr>
         <p:spPr>
           <a:xfrm>
-            <a:off x="5183188" y="987425"/>
-            <a:ext cx="6172200" cy="4873625"/>
+            <a:off x="677334" y="609600"/>
+            <a:ext cx="8596668" cy="3845718"/>
           </a:xfrm>
         </p:spPr>
         <p:txBody>
-          <a:bodyPr/>
+          <a:bodyPr anchor="t">
+            <a:normAutofit/>
+          </a:bodyPr>
           <a:lstStyle>
-            <a:lvl1pPr marL="0" indent="0">
-              <a:buNone/>
-              <a:defRPr sz="3200"/>
+            <a:lvl1pPr marL="0" indent="0" algn="ctr">
+              <a:buNone/>
+              <a:defRPr sz="1600"/>
             </a:lvl1pPr>
             <a:lvl2pPr marL="457200" indent="0">
               <a:buNone/>
-              <a:defRPr sz="2800"/>
+              <a:defRPr sz="1600"/>
             </a:lvl2pPr>
             <a:lvl3pPr marL="914400" indent="0">
               <a:buNone/>
-              <a:defRPr sz="2400"/>
+              <a:defRPr sz="1600"/>
             </a:lvl3pPr>
             <a:lvl4pPr marL="1371600" indent="0">
               <a:buNone/>
-              <a:defRPr sz="2000"/>
+              <a:defRPr sz="1600"/>
             </a:lvl4pPr>
             <a:lvl5pPr marL="1828800" indent="0">
               <a:buNone/>
-              <a:defRPr sz="2000"/>
+              <a:defRPr sz="1600"/>
             </a:lvl5pPr>
             <a:lvl6pPr marL="2286000" indent="0">
               <a:buNone/>
-              <a:defRPr sz="2000"/>
+              <a:defRPr sz="1600"/>
             </a:lvl6pPr>
             <a:lvl7pPr marL="2743200" indent="0">
               <a:buNone/>
-              <a:defRPr sz="2000"/>
+              <a:defRPr sz="1600"/>
             </a:lvl7pPr>
             <a:lvl8pPr marL="3200400" indent="0">
               <a:buNone/>
-              <a:defRPr sz="2000"/>
+              <a:defRPr sz="1600"/>
             </a:lvl8pPr>
             <a:lvl9pPr marL="3657600" indent="0">
               <a:buNone/>
-              <a:defRPr sz="2000"/>
+              <a:defRPr sz="1600"/>
             </a:lvl9pPr>
           </a:lstStyle>
           <a:p>
-            <a:endParaRPr lang="en-AU"/>
+            <a:r>
+              <a:rPr lang="en-US"/>
+              <a:t>Click icon to add picture</a:t>
+            </a:r>
+            <a:endParaRPr lang="en-US" dirty="0"/>
           </a:p>
         </p:txBody>
       </p:sp>
       <p:sp>
         <p:nvSpPr>
-          <p:cNvPr id="4" name="Text Placeholder 3">
-            <a:extLst>
-              <a:ext uri="{FF2B5EF4-FFF2-40B4-BE49-F238E27FC236}">
-                <a16:creationId xmlns:a16="http://schemas.microsoft.com/office/drawing/2014/main" id="{3EF00F30-6CAC-4641-2CC5-031DD466609A}"/>
-              </a:ext>
-            </a:extLst>
-          </p:cNvPr>
+          <p:cNvPr id="4" name="Text Placeholder 3"/>
           <p:cNvSpPr>
             <a:spLocks noGrp="1"/>
           </p:cNvSpPr>
@@ -2617,48 +4496,50 @@
         </p:nvSpPr>
         <p:spPr>
           <a:xfrm>
-            <a:off x="839788" y="2057400"/>
-            <a:ext cx="3932237" cy="3811588"/>
+            <a:off x="677334" y="5367338"/>
+            <a:ext cx="8596667" cy="674024"/>
           </a:xfrm>
         </p:spPr>
         <p:txBody>
-          <a:bodyPr/>
+          <a:bodyPr>
+            <a:normAutofit/>
+          </a:bodyPr>
           <a:lstStyle>
             <a:lvl1pPr marL="0" indent="0">
               <a:buNone/>
-              <a:defRPr sz="1600"/>
+              <a:defRPr sz="1200"/>
             </a:lvl1pPr>
             <a:lvl2pPr marL="457200" indent="0">
               <a:buNone/>
-              <a:defRPr sz="1400"/>
+              <a:defRPr sz="1200"/>
             </a:lvl2pPr>
             <a:lvl3pPr marL="914400" indent="0">
               <a:buNone/>
-              <a:defRPr sz="1200"/>
+              <a:defRPr sz="1000"/>
             </a:lvl3pPr>
             <a:lvl4pPr marL="1371600" indent="0">
               <a:buNone/>
-              <a:defRPr sz="1000"/>
+              <a:defRPr sz="900"/>
             </a:lvl4pPr>
             <a:lvl5pPr marL="1828800" indent="0">
               <a:buNone/>
-              <a:defRPr sz="1000"/>
+              <a:defRPr sz="900"/>
             </a:lvl5pPr>
             <a:lvl6pPr marL="2286000" indent="0">
               <a:buNone/>
-              <a:defRPr sz="1000"/>
+              <a:defRPr sz="900"/>
             </a:lvl6pPr>
             <a:lvl7pPr marL="2743200" indent="0">
               <a:buNone/>
-              <a:defRPr sz="1000"/>
+              <a:defRPr sz="900"/>
             </a:lvl7pPr>
             <a:lvl8pPr marL="3200400" indent="0">
               <a:buNone/>
-              <a:defRPr sz="1000"/>
+              <a:defRPr sz="900"/>
             </a:lvl8pPr>
             <a:lvl9pPr marL="3657600" indent="0">
               <a:buNone/>
-              <a:defRPr sz="1000"/>
+              <a:defRPr sz="900"/>
             </a:lvl9pPr>
           </a:lstStyle>
           <a:p>
@@ -2672,13 +4553,7 @@
       </p:sp>
       <p:sp>
         <p:nvSpPr>
-          <p:cNvPr id="5" name="Date Placeholder 4">
-            <a:extLst>
-              <a:ext uri="{FF2B5EF4-FFF2-40B4-BE49-F238E27FC236}">
-                <a16:creationId xmlns:a16="http://schemas.microsoft.com/office/drawing/2014/main" id="{79DC2743-9450-B55D-0E4F-84A55FDF29FE}"/>
-              </a:ext>
-            </a:extLst>
-          </p:cNvPr>
+          <p:cNvPr id="5" name="Date Placeholder 4"/>
           <p:cNvSpPr>
             <a:spLocks noGrp="1"/>
           </p:cNvSpPr>
@@ -2701,13 +4576,7 @@
       </p:sp>
       <p:sp>
         <p:nvSpPr>
-          <p:cNvPr id="6" name="Footer Placeholder 5">
-            <a:extLst>
-              <a:ext uri="{FF2B5EF4-FFF2-40B4-BE49-F238E27FC236}">
-                <a16:creationId xmlns:a16="http://schemas.microsoft.com/office/drawing/2014/main" id="{36971B6B-AE11-4372-0168-892FA9DAAAD7}"/>
-              </a:ext>
-            </a:extLst>
-          </p:cNvPr>
+          <p:cNvPr id="6" name="Footer Placeholder 5"/>
           <p:cNvSpPr>
             <a:spLocks noGrp="1"/>
           </p:cNvSpPr>
@@ -2726,13 +4595,7 @@
       </p:sp>
       <p:sp>
         <p:nvSpPr>
-          <p:cNvPr id="7" name="Slide Number Placeholder 6">
-            <a:extLst>
-              <a:ext uri="{FF2B5EF4-FFF2-40B4-BE49-F238E27FC236}">
-                <a16:creationId xmlns:a16="http://schemas.microsoft.com/office/drawing/2014/main" id="{5013EE07-EDC2-6A6F-10C4-A500363A0FF5}"/>
-              </a:ext>
-            </a:extLst>
-          </p:cNvPr>
+          <p:cNvPr id="7" name="Slide Number Placeholder 6"/>
           <p:cNvSpPr>
             <a:spLocks noGrp="1"/>
           </p:cNvSpPr>
@@ -2756,7 +4619,7 @@
     </p:spTree>
     <p:extLst>
       <p:ext uri="{BB962C8B-B14F-4D97-AF65-F5344CB8AC3E}">
-        <p14:creationId xmlns:p14="http://schemas.microsoft.com/office/powerpoint/2010/main" val="570141602"/>
+        <p14:creationId xmlns:p14="http://schemas.microsoft.com/office/powerpoint/2010/main" val="1027899524"/>
       </p:ext>
     </p:extLst>
   </p:cSld>
@@ -2788,15 +4651,539 @@
           <a:chExt cx="0" cy="0"/>
         </a:xfrm>
       </p:grpSpPr>
+      <p:grpSp>
+        <p:nvGrpSpPr>
+          <p:cNvPr id="7" name="Group 6"/>
+          <p:cNvGrpSpPr/>
+          <p:nvPr/>
+        </p:nvGrpSpPr>
+        <p:grpSpPr>
+          <a:xfrm>
+            <a:off x="0" y="-8467"/>
+            <a:ext cx="12192000" cy="6866467"/>
+            <a:chOff x="0" y="-8467"/>
+            <a:chExt cx="12192000" cy="6866467"/>
+          </a:xfrm>
+        </p:grpSpPr>
+        <p:cxnSp>
+          <p:nvCxnSpPr>
+            <p:cNvPr id="20" name="Straight Connector 19"/>
+            <p:cNvCxnSpPr/>
+            <p:nvPr/>
+          </p:nvCxnSpPr>
+          <p:spPr>
+            <a:xfrm>
+              <a:off x="9371012" y="0"/>
+              <a:ext cx="1219200" cy="6858000"/>
+            </a:xfrm>
+            <a:prstGeom prst="line">
+              <a:avLst/>
+            </a:prstGeom>
+            <a:ln w="9525">
+              <a:solidFill>
+                <a:schemeClr val="bg1">
+                  <a:lumMod val="75000"/>
+                </a:schemeClr>
+              </a:solidFill>
+            </a:ln>
+          </p:spPr>
+          <p:style>
+            <a:lnRef idx="2">
+              <a:schemeClr val="accent1"/>
+            </a:lnRef>
+            <a:fillRef idx="0">
+              <a:schemeClr val="accent1"/>
+            </a:fillRef>
+            <a:effectRef idx="1">
+              <a:schemeClr val="accent1"/>
+            </a:effectRef>
+            <a:fontRef idx="minor">
+              <a:schemeClr val="tx1"/>
+            </a:fontRef>
+          </p:style>
+        </p:cxnSp>
+        <p:cxnSp>
+          <p:nvCxnSpPr>
+            <p:cNvPr id="21" name="Straight Connector 20"/>
+            <p:cNvCxnSpPr/>
+            <p:nvPr/>
+          </p:nvCxnSpPr>
+          <p:spPr>
+            <a:xfrm flipH="1">
+              <a:off x="7425267" y="3681413"/>
+              <a:ext cx="4763558" cy="3176587"/>
+            </a:xfrm>
+            <a:prstGeom prst="line">
+              <a:avLst/>
+            </a:prstGeom>
+            <a:ln w="9525">
+              <a:solidFill>
+                <a:schemeClr val="bg1">
+                  <a:lumMod val="85000"/>
+                </a:schemeClr>
+              </a:solidFill>
+            </a:ln>
+          </p:spPr>
+          <p:style>
+            <a:lnRef idx="2">
+              <a:schemeClr val="accent1"/>
+            </a:lnRef>
+            <a:fillRef idx="0">
+              <a:schemeClr val="accent1"/>
+            </a:fillRef>
+            <a:effectRef idx="1">
+              <a:schemeClr val="accent1"/>
+            </a:effectRef>
+            <a:fontRef idx="minor">
+              <a:schemeClr val="tx1"/>
+            </a:fontRef>
+          </p:style>
+        </p:cxnSp>
+        <p:sp>
+          <p:nvSpPr>
+            <p:cNvPr id="22" name="Rectangle 23"/>
+            <p:cNvSpPr/>
+            <p:nvPr/>
+          </p:nvSpPr>
+          <p:spPr>
+            <a:xfrm>
+              <a:off x="9181476" y="-8467"/>
+              <a:ext cx="3007349" cy="6866467"/>
+            </a:xfrm>
+            <a:custGeom>
+              <a:avLst/>
+              <a:gdLst/>
+              <a:ahLst/>
+              <a:cxnLst/>
+              <a:rect l="l" t="t" r="r" b="b"/>
+              <a:pathLst>
+                <a:path w="3007349" h="6866467">
+                  <a:moveTo>
+                    <a:pt x="2045532" y="0"/>
+                  </a:moveTo>
+                  <a:lnTo>
+                    <a:pt x="3007349" y="0"/>
+                  </a:lnTo>
+                  <a:lnTo>
+                    <a:pt x="3007349" y="6866467"/>
+                  </a:lnTo>
+                  <a:lnTo>
+                    <a:pt x="0" y="6866467"/>
+                  </a:lnTo>
+                  <a:lnTo>
+                    <a:pt x="2045532" y="0"/>
+                  </a:lnTo>
+                  <a:close/>
+                </a:path>
+              </a:pathLst>
+            </a:custGeom>
+            <a:solidFill>
+              <a:schemeClr val="accent1">
+                <a:alpha val="30000"/>
+              </a:schemeClr>
+            </a:solidFill>
+            <a:ln>
+              <a:noFill/>
+            </a:ln>
+            <a:effectLst/>
+          </p:spPr>
+          <p:style>
+            <a:lnRef idx="1">
+              <a:schemeClr val="accent1"/>
+            </a:lnRef>
+            <a:fillRef idx="3">
+              <a:schemeClr val="accent1"/>
+            </a:fillRef>
+            <a:effectRef idx="2">
+              <a:schemeClr val="accent1"/>
+            </a:effectRef>
+            <a:fontRef idx="minor">
+              <a:schemeClr val="lt1"/>
+            </a:fontRef>
+          </p:style>
+        </p:sp>
+        <p:sp>
+          <p:nvSpPr>
+            <p:cNvPr id="23" name="Rectangle 25"/>
+            <p:cNvSpPr/>
+            <p:nvPr/>
+          </p:nvSpPr>
+          <p:spPr>
+            <a:xfrm>
+              <a:off x="9603442" y="-8467"/>
+              <a:ext cx="2588558" cy="6866467"/>
+            </a:xfrm>
+            <a:custGeom>
+              <a:avLst/>
+              <a:gdLst/>
+              <a:ahLst/>
+              <a:cxnLst/>
+              <a:rect l="l" t="t" r="r" b="b"/>
+              <a:pathLst>
+                <a:path w="2573311" h="6866467">
+                  <a:moveTo>
+                    <a:pt x="0" y="0"/>
+                  </a:moveTo>
+                  <a:lnTo>
+                    <a:pt x="2573311" y="0"/>
+                  </a:lnTo>
+                  <a:lnTo>
+                    <a:pt x="2573311" y="6866467"/>
+                  </a:lnTo>
+                  <a:lnTo>
+                    <a:pt x="1202336" y="6866467"/>
+                  </a:lnTo>
+                  <a:lnTo>
+                    <a:pt x="0" y="0"/>
+                  </a:lnTo>
+                  <a:close/>
+                </a:path>
+              </a:pathLst>
+            </a:custGeom>
+            <a:solidFill>
+              <a:schemeClr val="accent1">
+                <a:alpha val="20000"/>
+              </a:schemeClr>
+            </a:solidFill>
+            <a:ln>
+              <a:noFill/>
+            </a:ln>
+            <a:effectLst/>
+          </p:spPr>
+          <p:style>
+            <a:lnRef idx="1">
+              <a:schemeClr val="accent1"/>
+            </a:lnRef>
+            <a:fillRef idx="3">
+              <a:schemeClr val="accent1"/>
+            </a:fillRef>
+            <a:effectRef idx="2">
+              <a:schemeClr val="accent1"/>
+            </a:effectRef>
+            <a:fontRef idx="minor">
+              <a:schemeClr val="lt1"/>
+            </a:fontRef>
+          </p:style>
+        </p:sp>
+        <p:sp>
+          <p:nvSpPr>
+            <p:cNvPr id="24" name="Isosceles Triangle 23"/>
+            <p:cNvSpPr/>
+            <p:nvPr/>
+          </p:nvSpPr>
+          <p:spPr>
+            <a:xfrm>
+              <a:off x="8932333" y="3048000"/>
+              <a:ext cx="3259667" cy="3810000"/>
+            </a:xfrm>
+            <a:prstGeom prst="triangle">
+              <a:avLst>
+                <a:gd name="adj" fmla="val 100000"/>
+              </a:avLst>
+            </a:prstGeom>
+            <a:solidFill>
+              <a:schemeClr val="accent2">
+                <a:alpha val="72000"/>
+              </a:schemeClr>
+            </a:solidFill>
+            <a:ln>
+              <a:noFill/>
+            </a:ln>
+            <a:effectLst/>
+          </p:spPr>
+          <p:style>
+            <a:lnRef idx="1">
+              <a:schemeClr val="accent1"/>
+            </a:lnRef>
+            <a:fillRef idx="3">
+              <a:schemeClr val="accent1"/>
+            </a:fillRef>
+            <a:effectRef idx="2">
+              <a:schemeClr val="accent1"/>
+            </a:effectRef>
+            <a:fontRef idx="minor">
+              <a:schemeClr val="lt1"/>
+            </a:fontRef>
+          </p:style>
+        </p:sp>
+        <p:sp>
+          <p:nvSpPr>
+            <p:cNvPr id="25" name="Rectangle 27"/>
+            <p:cNvSpPr/>
+            <p:nvPr/>
+          </p:nvSpPr>
+          <p:spPr>
+            <a:xfrm>
+              <a:off x="9334500" y="-8467"/>
+              <a:ext cx="2854326" cy="6866467"/>
+            </a:xfrm>
+            <a:custGeom>
+              <a:avLst/>
+              <a:gdLst/>
+              <a:ahLst/>
+              <a:cxnLst/>
+              <a:rect l="l" t="t" r="r" b="b"/>
+              <a:pathLst>
+                <a:path w="2858013" h="6866467">
+                  <a:moveTo>
+                    <a:pt x="0" y="0"/>
+                  </a:moveTo>
+                  <a:lnTo>
+                    <a:pt x="2858013" y="0"/>
+                  </a:lnTo>
+                  <a:lnTo>
+                    <a:pt x="2858013" y="6866467"/>
+                  </a:lnTo>
+                  <a:lnTo>
+                    <a:pt x="2473942" y="6866467"/>
+                  </a:lnTo>
+                  <a:lnTo>
+                    <a:pt x="0" y="0"/>
+                  </a:lnTo>
+                  <a:close/>
+                </a:path>
+              </a:pathLst>
+            </a:custGeom>
+            <a:solidFill>
+              <a:schemeClr val="accent2">
+                <a:lumMod val="75000"/>
+                <a:alpha val="70000"/>
+              </a:schemeClr>
+            </a:solidFill>
+            <a:ln>
+              <a:noFill/>
+            </a:ln>
+            <a:effectLst/>
+          </p:spPr>
+          <p:style>
+            <a:lnRef idx="1">
+              <a:schemeClr val="accent1"/>
+            </a:lnRef>
+            <a:fillRef idx="3">
+              <a:schemeClr val="accent1"/>
+            </a:fillRef>
+            <a:effectRef idx="2">
+              <a:schemeClr val="accent1"/>
+            </a:effectRef>
+            <a:fontRef idx="minor">
+              <a:schemeClr val="lt1"/>
+            </a:fontRef>
+          </p:style>
+        </p:sp>
+        <p:sp>
+          <p:nvSpPr>
+            <p:cNvPr id="26" name="Rectangle 28"/>
+            <p:cNvSpPr/>
+            <p:nvPr/>
+          </p:nvSpPr>
+          <p:spPr>
+            <a:xfrm>
+              <a:off x="10898730" y="-8467"/>
+              <a:ext cx="1290094" cy="6866467"/>
+            </a:xfrm>
+            <a:custGeom>
+              <a:avLst/>
+              <a:gdLst/>
+              <a:ahLst/>
+              <a:cxnLst/>
+              <a:rect l="l" t="t" r="r" b="b"/>
+              <a:pathLst>
+                <a:path w="1290094" h="6858000">
+                  <a:moveTo>
+                    <a:pt x="1019735" y="0"/>
+                  </a:moveTo>
+                  <a:lnTo>
+                    <a:pt x="1290094" y="0"/>
+                  </a:lnTo>
+                  <a:lnTo>
+                    <a:pt x="1290094" y="6858000"/>
+                  </a:lnTo>
+                  <a:lnTo>
+                    <a:pt x="0" y="6858000"/>
+                  </a:lnTo>
+                  <a:lnTo>
+                    <a:pt x="1019735" y="0"/>
+                  </a:lnTo>
+                  <a:close/>
+                </a:path>
+              </a:pathLst>
+            </a:custGeom>
+            <a:solidFill>
+              <a:schemeClr val="accent1">
+                <a:lumMod val="60000"/>
+                <a:lumOff val="40000"/>
+                <a:alpha val="70000"/>
+              </a:schemeClr>
+            </a:solidFill>
+            <a:ln>
+              <a:noFill/>
+            </a:ln>
+            <a:effectLst/>
+          </p:spPr>
+          <p:style>
+            <a:lnRef idx="1">
+              <a:schemeClr val="accent1"/>
+            </a:lnRef>
+            <a:fillRef idx="3">
+              <a:schemeClr val="accent1"/>
+            </a:fillRef>
+            <a:effectRef idx="2">
+              <a:schemeClr val="accent1"/>
+            </a:effectRef>
+            <a:fontRef idx="minor">
+              <a:schemeClr val="lt1"/>
+            </a:fontRef>
+          </p:style>
+        </p:sp>
+        <p:sp>
+          <p:nvSpPr>
+            <p:cNvPr id="27" name="Rectangle 29"/>
+            <p:cNvSpPr/>
+            <p:nvPr/>
+          </p:nvSpPr>
+          <p:spPr>
+            <a:xfrm>
+              <a:off x="10938999" y="-8467"/>
+              <a:ext cx="1249825" cy="6866467"/>
+            </a:xfrm>
+            <a:custGeom>
+              <a:avLst/>
+              <a:gdLst/>
+              <a:ahLst/>
+              <a:cxnLst/>
+              <a:rect l="l" t="t" r="r" b="b"/>
+              <a:pathLst>
+                <a:path w="1249825" h="6858000">
+                  <a:moveTo>
+                    <a:pt x="0" y="0"/>
+                  </a:moveTo>
+                  <a:lnTo>
+                    <a:pt x="1249825" y="0"/>
+                  </a:lnTo>
+                  <a:lnTo>
+                    <a:pt x="1249825" y="6858000"/>
+                  </a:lnTo>
+                  <a:lnTo>
+                    <a:pt x="1109382" y="6858000"/>
+                  </a:lnTo>
+                  <a:lnTo>
+                    <a:pt x="0" y="0"/>
+                  </a:lnTo>
+                  <a:close/>
+                </a:path>
+              </a:pathLst>
+            </a:custGeom>
+            <a:solidFill>
+              <a:schemeClr val="accent1">
+                <a:alpha val="65000"/>
+              </a:schemeClr>
+            </a:solidFill>
+            <a:ln>
+              <a:noFill/>
+            </a:ln>
+            <a:effectLst/>
+          </p:spPr>
+          <p:style>
+            <a:lnRef idx="1">
+              <a:schemeClr val="accent1"/>
+            </a:lnRef>
+            <a:fillRef idx="3">
+              <a:schemeClr val="accent1"/>
+            </a:fillRef>
+            <a:effectRef idx="2">
+              <a:schemeClr val="accent1"/>
+            </a:effectRef>
+            <a:fontRef idx="minor">
+              <a:schemeClr val="lt1"/>
+            </a:fontRef>
+          </p:style>
+        </p:sp>
+        <p:sp>
+          <p:nvSpPr>
+            <p:cNvPr id="28" name="Isosceles Triangle 27"/>
+            <p:cNvSpPr/>
+            <p:nvPr/>
+          </p:nvSpPr>
+          <p:spPr>
+            <a:xfrm>
+              <a:off x="10371666" y="3589867"/>
+              <a:ext cx="1817159" cy="3268133"/>
+            </a:xfrm>
+            <a:prstGeom prst="triangle">
+              <a:avLst>
+                <a:gd name="adj" fmla="val 100000"/>
+              </a:avLst>
+            </a:prstGeom>
+            <a:solidFill>
+              <a:schemeClr val="accent1">
+                <a:alpha val="80000"/>
+              </a:schemeClr>
+            </a:solidFill>
+            <a:ln>
+              <a:noFill/>
+            </a:ln>
+            <a:effectLst/>
+          </p:spPr>
+          <p:style>
+            <a:lnRef idx="1">
+              <a:schemeClr val="accent1"/>
+            </a:lnRef>
+            <a:fillRef idx="3">
+              <a:schemeClr val="accent1"/>
+            </a:fillRef>
+            <a:effectRef idx="2">
+              <a:schemeClr val="accent1"/>
+            </a:effectRef>
+            <a:fontRef idx="minor">
+              <a:schemeClr val="lt1"/>
+            </a:fontRef>
+          </p:style>
+        </p:sp>
+        <p:sp>
+          <p:nvSpPr>
+            <p:cNvPr id="29" name="Isosceles Triangle 28"/>
+            <p:cNvSpPr/>
+            <p:nvPr/>
+          </p:nvSpPr>
+          <p:spPr>
+            <a:xfrm>
+              <a:off x="0" y="4013200"/>
+              <a:ext cx="448733" cy="2844800"/>
+            </a:xfrm>
+            <a:prstGeom prst="triangle">
+              <a:avLst>
+                <a:gd name="adj" fmla="val 0"/>
+              </a:avLst>
+            </a:prstGeom>
+            <a:solidFill>
+              <a:schemeClr val="accent1">
+                <a:alpha val="85000"/>
+              </a:schemeClr>
+            </a:solidFill>
+            <a:ln>
+              <a:noFill/>
+            </a:ln>
+            <a:effectLst/>
+          </p:spPr>
+          <p:style>
+            <a:lnRef idx="1">
+              <a:schemeClr val="accent1"/>
+            </a:lnRef>
+            <a:fillRef idx="3">
+              <a:schemeClr val="accent1"/>
+            </a:fillRef>
+            <a:effectRef idx="2">
+              <a:schemeClr val="accent1"/>
+            </a:effectRef>
+            <a:fontRef idx="minor">
+              <a:schemeClr val="lt1"/>
+            </a:fontRef>
+          </p:style>
+        </p:sp>
+      </p:grpSp>
       <p:sp>
         <p:nvSpPr>
-          <p:cNvPr id="2" name="Title Placeholder 1">
-            <a:extLst>
-              <a:ext uri="{FF2B5EF4-FFF2-40B4-BE49-F238E27FC236}">
-                <a16:creationId xmlns:a16="http://schemas.microsoft.com/office/drawing/2014/main" id="{8884862B-8B3D-975F-0FED-DFCCC04AAE27}"/>
-              </a:ext>
-            </a:extLst>
-          </p:cNvPr>
+          <p:cNvPr id="2" name="Title Placeholder 1"/>
           <p:cNvSpPr>
             <a:spLocks noGrp="1"/>
           </p:cNvSpPr>
@@ -2806,15 +5193,15 @@
         </p:nvSpPr>
         <p:spPr>
           <a:xfrm>
-            <a:off x="838200" y="365125"/>
-            <a:ext cx="10515600" cy="1325563"/>
+            <a:off x="677334" y="609600"/>
+            <a:ext cx="8596668" cy="1320800"/>
           </a:xfrm>
           <a:prstGeom prst="rect">
             <a:avLst/>
           </a:prstGeom>
         </p:spPr>
         <p:txBody>
-          <a:bodyPr vert="horz" lIns="91440" tIns="45720" rIns="91440" bIns="45720" rtlCol="0" anchor="ctr">
+          <a:bodyPr vert="horz" lIns="91440" tIns="45720" rIns="91440" bIns="45720" rtlCol="0" anchor="t">
             <a:normAutofit/>
           </a:bodyPr>
           <a:lstStyle/>
@@ -2823,19 +5210,13 @@
               <a:rPr lang="en-US"/>
               <a:t>Click to edit Master title style</a:t>
             </a:r>
-            <a:endParaRPr lang="en-AU"/>
+            <a:endParaRPr lang="en-US" dirty="0"/>
           </a:p>
         </p:txBody>
       </p:sp>
       <p:sp>
         <p:nvSpPr>
-          <p:cNvPr id="3" name="Text Placeholder 2">
-            <a:extLst>
-              <a:ext uri="{FF2B5EF4-FFF2-40B4-BE49-F238E27FC236}">
-                <a16:creationId xmlns:a16="http://schemas.microsoft.com/office/drawing/2014/main" id="{A040F826-D5EE-6D44-BC90-F958F2327A65}"/>
-              </a:ext>
-            </a:extLst>
-          </p:cNvPr>
+          <p:cNvPr id="3" name="Text Placeholder 2"/>
           <p:cNvSpPr>
             <a:spLocks noGrp="1"/>
           </p:cNvSpPr>
@@ -2845,8 +5226,8 @@
         </p:nvSpPr>
         <p:spPr>
           <a:xfrm>
-            <a:off x="838200" y="1825625"/>
-            <a:ext cx="10515600" cy="4351338"/>
+            <a:off x="677334" y="2160589"/>
+            <a:ext cx="8596668" cy="3880773"/>
           </a:xfrm>
           <a:prstGeom prst="rect">
             <a:avLst/>
@@ -2891,19 +5272,13 @@
               <a:rPr lang="en-US"/>
               <a:t>Fifth level</a:t>
             </a:r>
-            <a:endParaRPr lang="en-AU"/>
+            <a:endParaRPr lang="en-US" dirty="0"/>
           </a:p>
         </p:txBody>
       </p:sp>
       <p:sp>
         <p:nvSpPr>
-          <p:cNvPr id="4" name="Date Placeholder 3">
-            <a:extLst>
-              <a:ext uri="{FF2B5EF4-FFF2-40B4-BE49-F238E27FC236}">
-                <a16:creationId xmlns:a16="http://schemas.microsoft.com/office/drawing/2014/main" id="{A4F0D552-D40E-DAA6-BD28-4C312E63E8B8}"/>
-              </a:ext>
-            </a:extLst>
-          </p:cNvPr>
+          <p:cNvPr id="4" name="Date Placeholder 3"/>
           <p:cNvSpPr>
             <a:spLocks noGrp="1"/>
           </p:cNvSpPr>
@@ -2913,8 +5288,8 @@
         </p:nvSpPr>
         <p:spPr>
           <a:xfrm>
-            <a:off x="838200" y="6356350"/>
-            <a:ext cx="2743200" cy="365125"/>
+            <a:off x="7205133" y="6041362"/>
+            <a:ext cx="911939" cy="365125"/>
           </a:xfrm>
           <a:prstGeom prst="rect">
             <a:avLst/>
@@ -2923,8 +5298,8 @@
         <p:txBody>
           <a:bodyPr vert="horz" lIns="91440" tIns="45720" rIns="91440" bIns="45720" rtlCol="0" anchor="ctr"/>
           <a:lstStyle>
-            <a:lvl1pPr algn="l">
-              <a:defRPr sz="1200">
+            <a:lvl1pPr algn="r">
+              <a:defRPr sz="900">
                 <a:solidFill>
                   <a:schemeClr val="tx1">
                     <a:tint val="75000"/>
@@ -2944,13 +5319,7 @@
       </p:sp>
       <p:sp>
         <p:nvSpPr>
-          <p:cNvPr id="5" name="Footer Placeholder 4">
-            <a:extLst>
-              <a:ext uri="{FF2B5EF4-FFF2-40B4-BE49-F238E27FC236}">
-                <a16:creationId xmlns:a16="http://schemas.microsoft.com/office/drawing/2014/main" id="{082E689C-86A5-ECDF-B8D6-34959443A187}"/>
-              </a:ext>
-            </a:extLst>
-          </p:cNvPr>
+          <p:cNvPr id="5" name="Footer Placeholder 4"/>
           <p:cNvSpPr>
             <a:spLocks noGrp="1"/>
           </p:cNvSpPr>
@@ -2960,8 +5329,8 @@
         </p:nvSpPr>
         <p:spPr>
           <a:xfrm>
-            <a:off x="4038600" y="6356350"/>
-            <a:ext cx="4114800" cy="365125"/>
+            <a:off x="677334" y="6041362"/>
+            <a:ext cx="6297612" cy="365125"/>
           </a:xfrm>
           <a:prstGeom prst="rect">
             <a:avLst/>
@@ -2970,8 +5339,8 @@
         <p:txBody>
           <a:bodyPr vert="horz" lIns="91440" tIns="45720" rIns="91440" bIns="45720" rtlCol="0" anchor="ctr"/>
           <a:lstStyle>
-            <a:lvl1pPr algn="ctr">
-              <a:defRPr sz="1200">
+            <a:lvl1pPr algn="l">
+              <a:defRPr sz="900">
                 <a:solidFill>
                   <a:schemeClr val="tx1">
                     <a:tint val="75000"/>
@@ -2987,13 +5356,7 @@
       </p:sp>
       <p:sp>
         <p:nvSpPr>
-          <p:cNvPr id="6" name="Slide Number Placeholder 5">
-            <a:extLst>
-              <a:ext uri="{FF2B5EF4-FFF2-40B4-BE49-F238E27FC236}">
-                <a16:creationId xmlns:a16="http://schemas.microsoft.com/office/drawing/2014/main" id="{F5E5D48E-5C87-FCD9-AFC4-5E8D4E452955}"/>
-              </a:ext>
-            </a:extLst>
-          </p:cNvPr>
+          <p:cNvPr id="6" name="Slide Number Placeholder 5"/>
           <p:cNvSpPr>
             <a:spLocks noGrp="1"/>
           </p:cNvSpPr>
@@ -3003,8 +5366,8 @@
         </p:nvSpPr>
         <p:spPr>
           <a:xfrm>
-            <a:off x="8610600" y="6356350"/>
-            <a:ext cx="2743200" cy="365125"/>
+            <a:off x="8590663" y="6041362"/>
+            <a:ext cx="683339" cy="365125"/>
           </a:xfrm>
           <a:prstGeom prst="rect">
             <a:avLst/>
@@ -3014,11 +5377,9 @@
           <a:bodyPr vert="horz" lIns="91440" tIns="45720" rIns="91440" bIns="45720" rtlCol="0" anchor="ctr"/>
           <a:lstStyle>
             <a:lvl1pPr algn="r">
-              <a:defRPr sz="1200">
+              <a:defRPr sz="900">
                 <a:solidFill>
-                  <a:schemeClr val="tx1">
-                    <a:tint val="75000"/>
-                  </a:schemeClr>
+                  <a:schemeClr val="accent1"/>
                 </a:solidFill>
               </a:defRPr>
             </a:lvl1pPr>
@@ -3037,7 +5398,7 @@
           <p:cNvPr id="8" name="TextBox 7">
             <a:extLst>
               <a:ext uri="{FF2B5EF4-FFF2-40B4-BE49-F238E27FC236}">
-                <a16:creationId xmlns:a16="http://schemas.microsoft.com/office/drawing/2014/main" id="{A1ED667F-F922-3AF4-BA07-1C1B9EBFF888}"/>
+                <a16:creationId xmlns:a16="http://schemas.microsoft.com/office/drawing/2014/main" id="{98D15B64-3744-95D0-79AB-2D35E17E9247}"/>
               </a:ext>
             </a:extLst>
           </p:cNvPr>
@@ -3082,201 +5443,322 @@
     </p:spTree>
     <p:extLst>
       <p:ext uri="{BB962C8B-B14F-4D97-AF65-F5344CB8AC3E}">
-        <p14:creationId xmlns:p14="http://schemas.microsoft.com/office/powerpoint/2010/main" val="4103911489"/>
+        <p14:creationId xmlns:p14="http://schemas.microsoft.com/office/powerpoint/2010/main" val="190938631"/>
       </p:ext>
     </p:extLst>
   </p:cSld>
   <p:clrMap bg1="lt1" tx1="dk1" bg2="lt2" tx2="dk2" accent1="accent1" accent2="accent2" accent3="accent3" accent4="accent4" accent5="accent5" accent6="accent6" hlink="hlink" folHlink="folHlink"/>
   <p:sldLayoutIdLst>
-    <p:sldLayoutId id="2147483649" r:id="rId1"/>
-    <p:sldLayoutId id="2147483650" r:id="rId2"/>
-    <p:sldLayoutId id="2147483651" r:id="rId3"/>
-    <p:sldLayoutId id="2147483652" r:id="rId4"/>
-    <p:sldLayoutId id="2147483653" r:id="rId5"/>
-    <p:sldLayoutId id="2147483654" r:id="rId6"/>
-    <p:sldLayoutId id="2147483655" r:id="rId7"/>
-    <p:sldLayoutId id="2147483656" r:id="rId8"/>
-    <p:sldLayoutId id="2147483657" r:id="rId9"/>
-    <p:sldLayoutId id="2147483658" r:id="rId10"/>
-    <p:sldLayoutId id="2147483659" r:id="rId11"/>
+    <p:sldLayoutId id="2147483661" r:id="rId1"/>
+    <p:sldLayoutId id="2147483662" r:id="rId2"/>
+    <p:sldLayoutId id="2147483663" r:id="rId3"/>
+    <p:sldLayoutId id="2147483664" r:id="rId4"/>
+    <p:sldLayoutId id="2147483665" r:id="rId5"/>
+    <p:sldLayoutId id="2147483666" r:id="rId6"/>
+    <p:sldLayoutId id="2147483667" r:id="rId7"/>
+    <p:sldLayoutId id="2147483668" r:id="rId8"/>
+    <p:sldLayoutId id="2147483669" r:id="rId9"/>
+    <p:sldLayoutId id="2147483670" r:id="rId10"/>
+    <p:sldLayoutId id="2147483671" r:id="rId11"/>
+    <p:sldLayoutId id="2147483672" r:id="rId12"/>
+    <p:sldLayoutId id="2147483673" r:id="rId13"/>
+    <p:sldLayoutId id="2147483674" r:id="rId14"/>
+    <p:sldLayoutId id="2147483675" r:id="rId15"/>
+    <p:sldLayoutId id="2147483676" r:id="rId16"/>
   </p:sldLayoutIdLst>
   <p:txStyles>
     <p:titleStyle>
-      <a:lvl1pPr algn="l" defTabSz="914400" rtl="0" eaLnBrk="1" latinLnBrk="0" hangingPunct="1">
-        <a:lnSpc>
-          <a:spcPct val="90000"/>
-        </a:lnSpc>
+      <a:lvl1pPr algn="l" defTabSz="457200" rtl="0" eaLnBrk="1" latinLnBrk="0" hangingPunct="1">
         <a:spcBef>
           <a:spcPct val="0"/>
         </a:spcBef>
         <a:buNone/>
-        <a:defRPr sz="4400" kern="1200">
+        <a:defRPr sz="3600" kern="1200">
           <a:solidFill>
-            <a:schemeClr val="tx1"/>
+            <a:schemeClr val="accent1"/>
           </a:solidFill>
           <a:latin typeface="+mj-lt"/>
           <a:ea typeface="+mj-ea"/>
           <a:cs typeface="+mj-cs"/>
         </a:defRPr>
       </a:lvl1pPr>
+      <a:lvl2pPr eaLnBrk="1" hangingPunct="1">
+        <a:defRPr>
+          <a:solidFill>
+            <a:schemeClr val="tx2"/>
+          </a:solidFill>
+        </a:defRPr>
+      </a:lvl2pPr>
+      <a:lvl3pPr eaLnBrk="1" hangingPunct="1">
+        <a:defRPr>
+          <a:solidFill>
+            <a:schemeClr val="tx2"/>
+          </a:solidFill>
+        </a:defRPr>
+      </a:lvl3pPr>
+      <a:lvl4pPr eaLnBrk="1" hangingPunct="1">
+        <a:defRPr>
+          <a:solidFill>
+            <a:schemeClr val="tx2"/>
+          </a:solidFill>
+        </a:defRPr>
+      </a:lvl4pPr>
+      <a:lvl5pPr eaLnBrk="1" hangingPunct="1">
+        <a:defRPr>
+          <a:solidFill>
+            <a:schemeClr val="tx2"/>
+          </a:solidFill>
+        </a:defRPr>
+      </a:lvl5pPr>
+      <a:lvl6pPr eaLnBrk="1" hangingPunct="1">
+        <a:defRPr>
+          <a:solidFill>
+            <a:schemeClr val="tx2"/>
+          </a:solidFill>
+        </a:defRPr>
+      </a:lvl6pPr>
+      <a:lvl7pPr eaLnBrk="1" hangingPunct="1">
+        <a:defRPr>
+          <a:solidFill>
+            <a:schemeClr val="tx2"/>
+          </a:solidFill>
+        </a:defRPr>
+      </a:lvl7pPr>
+      <a:lvl8pPr eaLnBrk="1" hangingPunct="1">
+        <a:defRPr>
+          <a:solidFill>
+            <a:schemeClr val="tx2"/>
+          </a:solidFill>
+        </a:defRPr>
+      </a:lvl8pPr>
+      <a:lvl9pPr eaLnBrk="1" hangingPunct="1">
+        <a:defRPr>
+          <a:solidFill>
+            <a:schemeClr val="tx2"/>
+          </a:solidFill>
+        </a:defRPr>
+      </a:lvl9pPr>
     </p:titleStyle>
     <p:bodyStyle>
-      <a:lvl1pPr marL="228600" indent="-228600" algn="l" defTabSz="914400" rtl="0" eaLnBrk="1" latinLnBrk="0" hangingPunct="1">
-        <a:lnSpc>
-          <a:spcPct val="90000"/>
-        </a:lnSpc>
+      <a:lvl1pPr marL="342900" indent="-342900" algn="l" defTabSz="457200" rtl="0" eaLnBrk="1" latinLnBrk="0" hangingPunct="1">
         <a:spcBef>
           <a:spcPts val="1000"/>
         </a:spcBef>
-        <a:buFont typeface="Arial" panose="020B0604020202020204" pitchFamily="34" charset="0"/>
-        <a:buChar char="•"/>
-        <a:defRPr sz="2800" kern="1200">
+        <a:spcAft>
+          <a:spcPts val="0"/>
+        </a:spcAft>
+        <a:buClr>
+          <a:schemeClr val="accent1"/>
+        </a:buClr>
+        <a:buSzPct val="80000"/>
+        <a:buFont typeface="Wingdings 3" charset="2"/>
+        <a:buChar char=""/>
+        <a:defRPr sz="1800" kern="1200">
           <a:solidFill>
-            <a:schemeClr val="tx1"/>
+            <a:schemeClr val="tx1">
+              <a:lumMod val="75000"/>
+              <a:lumOff val="25000"/>
+            </a:schemeClr>
           </a:solidFill>
           <a:latin typeface="+mn-lt"/>
           <a:ea typeface="+mn-ea"/>
           <a:cs typeface="+mn-cs"/>
         </a:defRPr>
       </a:lvl1pPr>
-      <a:lvl2pPr marL="685800" indent="-228600" algn="l" defTabSz="914400" rtl="0" eaLnBrk="1" latinLnBrk="0" hangingPunct="1">
-        <a:lnSpc>
-          <a:spcPct val="90000"/>
-        </a:lnSpc>
+      <a:lvl2pPr marL="742950" indent="-285750" algn="l" defTabSz="457200" rtl="0" eaLnBrk="1" latinLnBrk="0" hangingPunct="1">
         <a:spcBef>
-          <a:spcPts val="500"/>
+          <a:spcPts val="1000"/>
         </a:spcBef>
-        <a:buFont typeface="Arial" panose="020B0604020202020204" pitchFamily="34" charset="0"/>
-        <a:buChar char="•"/>
-        <a:defRPr sz="2400" kern="1200">
+        <a:spcAft>
+          <a:spcPts val="0"/>
+        </a:spcAft>
+        <a:buClr>
+          <a:schemeClr val="accent1"/>
+        </a:buClr>
+        <a:buSzPct val="80000"/>
+        <a:buFont typeface="Wingdings 3" charset="2"/>
+        <a:buChar char=""/>
+        <a:defRPr sz="1600" kern="1200">
           <a:solidFill>
-            <a:schemeClr val="tx1"/>
+            <a:schemeClr val="tx1">
+              <a:lumMod val="75000"/>
+              <a:lumOff val="25000"/>
+            </a:schemeClr>
           </a:solidFill>
           <a:latin typeface="+mn-lt"/>
           <a:ea typeface="+mn-ea"/>
           <a:cs typeface="+mn-cs"/>
         </a:defRPr>
       </a:lvl2pPr>
-      <a:lvl3pPr marL="1143000" indent="-228600" algn="l" defTabSz="914400" rtl="0" eaLnBrk="1" latinLnBrk="0" hangingPunct="1">
-        <a:lnSpc>
-          <a:spcPct val="90000"/>
-        </a:lnSpc>
+      <a:lvl3pPr marL="1143000" indent="-228600" algn="l" defTabSz="457200" rtl="0" eaLnBrk="1" latinLnBrk="0" hangingPunct="1">
         <a:spcBef>
-          <a:spcPts val="500"/>
+          <a:spcPts val="1000"/>
         </a:spcBef>
-        <a:buFont typeface="Arial" panose="020B0604020202020204" pitchFamily="34" charset="0"/>
-        <a:buChar char="•"/>
-        <a:defRPr sz="2000" kern="1200">
+        <a:spcAft>
+          <a:spcPts val="0"/>
+        </a:spcAft>
+        <a:buClr>
+          <a:schemeClr val="accent1"/>
+        </a:buClr>
+        <a:buSzPct val="80000"/>
+        <a:buFont typeface="Wingdings 3" charset="2"/>
+        <a:buChar char=""/>
+        <a:defRPr sz="1400" kern="1200">
           <a:solidFill>
-            <a:schemeClr val="tx1"/>
+            <a:schemeClr val="tx1">
+              <a:lumMod val="75000"/>
+              <a:lumOff val="25000"/>
+            </a:schemeClr>
           </a:solidFill>
           <a:latin typeface="+mn-lt"/>
           <a:ea typeface="+mn-ea"/>
           <a:cs typeface="+mn-cs"/>
         </a:defRPr>
       </a:lvl3pPr>
-      <a:lvl4pPr marL="1600200" indent="-228600" algn="l" defTabSz="914400" rtl="0" eaLnBrk="1" latinLnBrk="0" hangingPunct="1">
-        <a:lnSpc>
-          <a:spcPct val="90000"/>
-        </a:lnSpc>
+      <a:lvl4pPr marL="1600200" indent="-228600" algn="l" defTabSz="457200" rtl="0" eaLnBrk="1" latinLnBrk="0" hangingPunct="1">
         <a:spcBef>
-          <a:spcPts val="500"/>
+          <a:spcPts val="1000"/>
         </a:spcBef>
-        <a:buFont typeface="Arial" panose="020B0604020202020204" pitchFamily="34" charset="0"/>
-        <a:buChar char="•"/>
-        <a:defRPr sz="1800" kern="1200">
+        <a:spcAft>
+          <a:spcPts val="0"/>
+        </a:spcAft>
+        <a:buClr>
+          <a:schemeClr val="accent1"/>
+        </a:buClr>
+        <a:buSzPct val="80000"/>
+        <a:buFont typeface="Wingdings 3" charset="2"/>
+        <a:buChar char=""/>
+        <a:defRPr sz="1200" kern="1200">
           <a:solidFill>
-            <a:schemeClr val="tx1"/>
+            <a:schemeClr val="tx1">
+              <a:lumMod val="75000"/>
+              <a:lumOff val="25000"/>
+            </a:schemeClr>
           </a:solidFill>
           <a:latin typeface="+mn-lt"/>
           <a:ea typeface="+mn-ea"/>
           <a:cs typeface="+mn-cs"/>
         </a:defRPr>
       </a:lvl4pPr>
-      <a:lvl5pPr marL="2057400" indent="-228600" algn="l" defTabSz="914400" rtl="0" eaLnBrk="1" latinLnBrk="0" hangingPunct="1">
-        <a:lnSpc>
-          <a:spcPct val="90000"/>
-        </a:lnSpc>
+      <a:lvl5pPr marL="2057400" indent="-228600" algn="l" defTabSz="457200" rtl="0" eaLnBrk="1" latinLnBrk="0" hangingPunct="1">
         <a:spcBef>
-          <a:spcPts val="500"/>
+          <a:spcPts val="1000"/>
         </a:spcBef>
-        <a:buFont typeface="Arial" panose="020B0604020202020204" pitchFamily="34" charset="0"/>
-        <a:buChar char="•"/>
-        <a:defRPr sz="1800" kern="1200">
+        <a:spcAft>
+          <a:spcPts val="0"/>
+        </a:spcAft>
+        <a:buClr>
+          <a:schemeClr val="accent1"/>
+        </a:buClr>
+        <a:buSzPct val="80000"/>
+        <a:buFont typeface="Wingdings 3" charset="2"/>
+        <a:buChar char=""/>
+        <a:defRPr sz="1200" kern="1200">
           <a:solidFill>
-            <a:schemeClr val="tx1"/>
+            <a:schemeClr val="tx1">
+              <a:lumMod val="75000"/>
+              <a:lumOff val="25000"/>
+            </a:schemeClr>
           </a:solidFill>
           <a:latin typeface="+mn-lt"/>
           <a:ea typeface="+mn-ea"/>
           <a:cs typeface="+mn-cs"/>
         </a:defRPr>
       </a:lvl5pPr>
-      <a:lvl6pPr marL="2514600" indent="-228600" algn="l" defTabSz="914400" rtl="0" eaLnBrk="1" latinLnBrk="0" hangingPunct="1">
-        <a:lnSpc>
-          <a:spcPct val="90000"/>
-        </a:lnSpc>
+      <a:lvl6pPr marL="2514600" indent="-228600" algn="l" defTabSz="457200" rtl="0" eaLnBrk="1" latinLnBrk="0" hangingPunct="1">
         <a:spcBef>
-          <a:spcPts val="500"/>
+          <a:spcPts val="1000"/>
         </a:spcBef>
-        <a:buFont typeface="Arial" panose="020B0604020202020204" pitchFamily="34" charset="0"/>
-        <a:buChar char="•"/>
-        <a:defRPr sz="1800" kern="1200">
+        <a:spcAft>
+          <a:spcPts val="0"/>
+        </a:spcAft>
+        <a:buClr>
+          <a:schemeClr val="accent1"/>
+        </a:buClr>
+        <a:buSzPct val="80000"/>
+        <a:buFont typeface="Wingdings 3" charset="2"/>
+        <a:buChar char=""/>
+        <a:defRPr sz="1200" kern="1200">
           <a:solidFill>
-            <a:schemeClr val="tx1"/>
+            <a:schemeClr val="tx1">
+              <a:lumMod val="75000"/>
+              <a:lumOff val="25000"/>
+            </a:schemeClr>
           </a:solidFill>
           <a:latin typeface="+mn-lt"/>
           <a:ea typeface="+mn-ea"/>
           <a:cs typeface="+mn-cs"/>
         </a:defRPr>
       </a:lvl6pPr>
-      <a:lvl7pPr marL="2971800" indent="-228600" algn="l" defTabSz="914400" rtl="0" eaLnBrk="1" latinLnBrk="0" hangingPunct="1">
-        <a:lnSpc>
-          <a:spcPct val="90000"/>
-        </a:lnSpc>
+      <a:lvl7pPr marL="2971800" indent="-228600" algn="l" defTabSz="457200" rtl="0" eaLnBrk="1" latinLnBrk="0" hangingPunct="1">
         <a:spcBef>
-          <a:spcPts val="500"/>
+          <a:spcPts val="1000"/>
         </a:spcBef>
-        <a:buFont typeface="Arial" panose="020B0604020202020204" pitchFamily="34" charset="0"/>
-        <a:buChar char="•"/>
-        <a:defRPr sz="1800" kern="1200">
+        <a:spcAft>
+          <a:spcPts val="0"/>
+        </a:spcAft>
+        <a:buClr>
+          <a:schemeClr val="accent1"/>
+        </a:buClr>
+        <a:buSzPct val="80000"/>
+        <a:buFont typeface="Wingdings 3" charset="2"/>
+        <a:buChar char=""/>
+        <a:defRPr sz="1200" kern="1200">
           <a:solidFill>
-            <a:schemeClr val="tx1"/>
+            <a:schemeClr val="tx1">
+              <a:lumMod val="75000"/>
+              <a:lumOff val="25000"/>
+            </a:schemeClr>
           </a:solidFill>
           <a:latin typeface="+mn-lt"/>
           <a:ea typeface="+mn-ea"/>
           <a:cs typeface="+mn-cs"/>
         </a:defRPr>
       </a:lvl7pPr>
-      <a:lvl8pPr marL="3429000" indent="-228600" algn="l" defTabSz="914400" rtl="0" eaLnBrk="1" latinLnBrk="0" hangingPunct="1">
-        <a:lnSpc>
-          <a:spcPct val="90000"/>
-        </a:lnSpc>
+      <a:lvl8pPr marL="3429000" indent="-228600" algn="l" defTabSz="457200" rtl="0" eaLnBrk="1" latinLnBrk="0" hangingPunct="1">
         <a:spcBef>
-          <a:spcPts val="500"/>
+          <a:spcPts val="1000"/>
         </a:spcBef>
-        <a:buFont typeface="Arial" panose="020B0604020202020204" pitchFamily="34" charset="0"/>
-        <a:buChar char="•"/>
-        <a:defRPr sz="1800" kern="1200">
+        <a:spcAft>
+          <a:spcPts val="0"/>
+        </a:spcAft>
+        <a:buClr>
+          <a:schemeClr val="accent1"/>
+        </a:buClr>
+        <a:buSzPct val="80000"/>
+        <a:buFont typeface="Wingdings 3" charset="2"/>
+        <a:buChar char=""/>
+        <a:defRPr sz="1200" kern="1200">
           <a:solidFill>
-            <a:schemeClr val="tx1"/>
+            <a:schemeClr val="tx1">
+              <a:lumMod val="75000"/>
+              <a:lumOff val="25000"/>
+            </a:schemeClr>
           </a:solidFill>
           <a:latin typeface="+mn-lt"/>
           <a:ea typeface="+mn-ea"/>
           <a:cs typeface="+mn-cs"/>
         </a:defRPr>
       </a:lvl8pPr>
-      <a:lvl9pPr marL="3886200" indent="-228600" algn="l" defTabSz="914400" rtl="0" eaLnBrk="1" latinLnBrk="0" hangingPunct="1">
-        <a:lnSpc>
-          <a:spcPct val="90000"/>
-        </a:lnSpc>
+      <a:lvl9pPr marL="3886200" indent="-228600" algn="l" defTabSz="457200" rtl="0" eaLnBrk="1" latinLnBrk="0" hangingPunct="1">
         <a:spcBef>
-          <a:spcPts val="500"/>
+          <a:spcPts val="1000"/>
         </a:spcBef>
-        <a:buFont typeface="Arial" panose="020B0604020202020204" pitchFamily="34" charset="0"/>
-        <a:buChar char="•"/>
-        <a:defRPr sz="1800" kern="1200">
+        <a:spcAft>
+          <a:spcPts val="0"/>
+        </a:spcAft>
+        <a:buClr>
+          <a:schemeClr val="accent1"/>
+        </a:buClr>
+        <a:buSzPct val="80000"/>
+        <a:buFont typeface="Wingdings 3" charset="2"/>
+        <a:buChar char=""/>
+        <a:defRPr sz="1200" kern="1200">
           <a:solidFill>
-            <a:schemeClr val="tx1"/>
+            <a:schemeClr val="tx1">
+              <a:lumMod val="75000"/>
+              <a:lumOff val="25000"/>
+            </a:schemeClr>
           </a:solidFill>
           <a:latin typeface="+mn-lt"/>
           <a:ea typeface="+mn-ea"/>
@@ -3288,7 +5770,7 @@
       <a:defPPr>
         <a:defRPr lang="en-US"/>
       </a:defPPr>
-      <a:lvl1pPr marL="0" algn="l" defTabSz="914400" rtl="0" eaLnBrk="1" latinLnBrk="0" hangingPunct="1">
+      <a:lvl1pPr marL="0" algn="l" defTabSz="457200" rtl="0" eaLnBrk="1" latinLnBrk="0" hangingPunct="1">
         <a:defRPr sz="1800" kern="1200">
           <a:solidFill>
             <a:schemeClr val="tx1"/>
@@ -3298,7 +5780,7 @@
           <a:cs typeface="+mn-cs"/>
         </a:defRPr>
       </a:lvl1pPr>
-      <a:lvl2pPr marL="457200" algn="l" defTabSz="914400" rtl="0" eaLnBrk="1" latinLnBrk="0" hangingPunct="1">
+      <a:lvl2pPr marL="457200" algn="l" defTabSz="457200" rtl="0" eaLnBrk="1" latinLnBrk="0" hangingPunct="1">
         <a:defRPr sz="1800" kern="1200">
           <a:solidFill>
             <a:schemeClr val="tx1"/>
@@ -3308,7 +5790,7 @@
           <a:cs typeface="+mn-cs"/>
         </a:defRPr>
       </a:lvl2pPr>
-      <a:lvl3pPr marL="914400" algn="l" defTabSz="914400" rtl="0" eaLnBrk="1" latinLnBrk="0" hangingPunct="1">
+      <a:lvl3pPr marL="914400" algn="l" defTabSz="457200" rtl="0" eaLnBrk="1" latinLnBrk="0" hangingPunct="1">
         <a:defRPr sz="1800" kern="1200">
           <a:solidFill>
             <a:schemeClr val="tx1"/>
@@ -3318,7 +5800,7 @@
           <a:cs typeface="+mn-cs"/>
         </a:defRPr>
       </a:lvl3pPr>
-      <a:lvl4pPr marL="1371600" algn="l" defTabSz="914400" rtl="0" eaLnBrk="1" latinLnBrk="0" hangingPunct="1">
+      <a:lvl4pPr marL="1371600" algn="l" defTabSz="457200" rtl="0" eaLnBrk="1" latinLnBrk="0" hangingPunct="1">
         <a:defRPr sz="1800" kern="1200">
           <a:solidFill>
             <a:schemeClr val="tx1"/>
@@ -3328,7 +5810,7 @@
           <a:cs typeface="+mn-cs"/>
         </a:defRPr>
       </a:lvl4pPr>
-      <a:lvl5pPr marL="1828800" algn="l" defTabSz="914400" rtl="0" eaLnBrk="1" latinLnBrk="0" hangingPunct="1">
+      <a:lvl5pPr marL="1828800" algn="l" defTabSz="457200" rtl="0" eaLnBrk="1" latinLnBrk="0" hangingPunct="1">
         <a:defRPr sz="1800" kern="1200">
           <a:solidFill>
             <a:schemeClr val="tx1"/>
@@ -3338,7 +5820,7 @@
           <a:cs typeface="+mn-cs"/>
         </a:defRPr>
       </a:lvl5pPr>
-      <a:lvl6pPr marL="2286000" algn="l" defTabSz="914400" rtl="0" eaLnBrk="1" latinLnBrk="0" hangingPunct="1">
+      <a:lvl6pPr marL="2286000" algn="l" defTabSz="457200" rtl="0" eaLnBrk="1" latinLnBrk="0" hangingPunct="1">
         <a:defRPr sz="1800" kern="1200">
           <a:solidFill>
             <a:schemeClr val="tx1"/>
@@ -3348,7 +5830,7 @@
           <a:cs typeface="+mn-cs"/>
         </a:defRPr>
       </a:lvl6pPr>
-      <a:lvl7pPr marL="2743200" algn="l" defTabSz="914400" rtl="0" eaLnBrk="1" latinLnBrk="0" hangingPunct="1">
+      <a:lvl7pPr marL="2743200" algn="l" defTabSz="457200" rtl="0" eaLnBrk="1" latinLnBrk="0" hangingPunct="1">
         <a:defRPr sz="1800" kern="1200">
           <a:solidFill>
             <a:schemeClr val="tx1"/>
@@ -3358,7 +5840,7 @@
           <a:cs typeface="+mn-cs"/>
         </a:defRPr>
       </a:lvl7pPr>
-      <a:lvl8pPr marL="3200400" algn="l" defTabSz="914400" rtl="0" eaLnBrk="1" latinLnBrk="0" hangingPunct="1">
+      <a:lvl8pPr marL="3200400" algn="l" defTabSz="457200" rtl="0" eaLnBrk="1" latinLnBrk="0" hangingPunct="1">
         <a:defRPr sz="1800" kern="1200">
           <a:solidFill>
             <a:schemeClr val="tx1"/>
@@ -3368,7 +5850,7 @@
           <a:cs typeface="+mn-cs"/>
         </a:defRPr>
       </a:lvl8pPr>
-      <a:lvl9pPr marL="3657600" algn="l" defTabSz="914400" rtl="0" eaLnBrk="1" latinLnBrk="0" hangingPunct="1">
+      <a:lvl9pPr marL="3657600" algn="l" defTabSz="457200" rtl="0" eaLnBrk="1" latinLnBrk="0" hangingPunct="1">
         <a:defRPr sz="1800" kern="1200">
           <a:solidFill>
             <a:schemeClr val="tx1"/>
@@ -3386,6 +5868,14 @@
 <file path=ppt/slides/slide1.xml><?xml version="1.0" encoding="utf-8"?>
 <p:sld xmlns:a="http://schemas.openxmlformats.org/drawingml/2006/main" xmlns:r="http://schemas.openxmlformats.org/officeDocument/2006/relationships" xmlns:p="http://schemas.openxmlformats.org/presentationml/2006/main">
   <p:cSld>
+    <p:bg>
+      <p:bgPr>
+        <a:solidFill>
+          <a:schemeClr val="bg1"/>
+        </a:solidFill>
+        <a:effectLst/>
+      </p:bgPr>
+    </p:bg>
     <p:spTree>
       <p:nvGrpSpPr>
         <p:cNvPr id="1" name=""/>
@@ -3414,23 +5904,32 @@
         </p:nvSpPr>
         <p:spPr>
           <a:xfrm>
-            <a:off x="2815766" y="727568"/>
-            <a:ext cx="6765956" cy="923330"/>
+            <a:off x="638126" y="1672927"/>
+            <a:ext cx="2715329" cy="1257294"/>
           </a:xfrm>
           <a:prstGeom prst="rect">
             <a:avLst/>
           </a:prstGeom>
-          <a:noFill/>
         </p:spPr>
         <p:txBody>
-          <a:bodyPr wrap="none" lIns="91440" tIns="45720" rIns="91440" bIns="45720">
-            <a:spAutoFit/>
+          <a:bodyPr vert="horz" lIns="91440" tIns="45720" rIns="91440" bIns="45720" rtlCol="0" anchor="ctr">
+            <a:normAutofit/>
           </a:bodyPr>
           <a:lstStyle/>
           <a:p>
-            <a:pPr algn="ctr"/>
+            <a:pPr defTabSz="315468">
+              <a:lnSpc>
+                <a:spcPct val="90000"/>
+              </a:lnSpc>
+              <a:spcBef>
+                <a:spcPct val="0"/>
+              </a:spcBef>
+              <a:spcAft>
+                <a:spcPts val="414"/>
+              </a:spcAft>
+            </a:pPr>
             <a:r>
-              <a:rPr lang="en-US" sz="5400" b="0" u="sng" cap="none" spc="0" dirty="0">
+              <a:rPr lang="en-US" sz="3036" u="sng" kern="1200" dirty="0">
                 <a:ln w="0"/>
                 <a:solidFill>
                   <a:schemeClr val="tx1"/>
@@ -3442,9 +5941,28 @@
                     </a:schemeClr>
                   </a:outerShdw>
                 </a:effectLst>
+                <a:latin typeface="+mj-lt"/>
+                <a:ea typeface="+mj-ea"/>
+                <a:cs typeface="+mj-cs"/>
               </a:rPr>
               <a:t>CASE STUDY (GROUP 4)</a:t>
             </a:r>
+            <a:endParaRPr lang="en-US" sz="4400" b="0" u="sng" kern="1200" cap="none" spc="0" dirty="0">
+              <a:ln w="0"/>
+              <a:solidFill>
+                <a:schemeClr val="tx1"/>
+              </a:solidFill>
+              <a:effectLst>
+                <a:outerShdw blurRad="38100" dist="19050" dir="2700000" algn="tl" rotWithShape="0">
+                  <a:schemeClr val="dk1">
+                    <a:alpha val="40000"/>
+                  </a:schemeClr>
+                </a:outerShdw>
+              </a:effectLst>
+              <a:latin typeface="+mj-lt"/>
+              <a:ea typeface="+mj-ea"/>
+              <a:cs typeface="+mj-cs"/>
+            </a:endParaRPr>
           </a:p>
         </p:txBody>
       </p:sp>
@@ -3462,8 +5980,8 @@
         </p:nvSpPr>
         <p:spPr>
           <a:xfrm>
-            <a:off x="3414445" y="3883663"/>
-            <a:ext cx="5363110" cy="2246769"/>
+            <a:off x="4801895" y="3461248"/>
+            <a:ext cx="3315177" cy="1603379"/>
           </a:xfrm>
           <a:prstGeom prst="rect">
             <a:avLst/>
@@ -3476,39 +5994,106 @@
           </a:bodyPr>
           <a:lstStyle/>
           <a:p>
-            <a:pPr algn="ctr"/>
+            <a:pPr algn="ctr" defTabSz="555224">
+              <a:spcAft>
+                <a:spcPts val="414"/>
+              </a:spcAft>
+            </a:pPr>
             <a:r>
-              <a:rPr lang="en-AU" sz="2800" dirty="0"/>
-              <a:t>Tunir Chaudhuri</a:t>
+              <a:rPr lang="en-AU" sz="1700" kern="1200" dirty="0" err="1">
+                <a:solidFill>
+                  <a:schemeClr val="tx1"/>
+                </a:solidFill>
+                <a:latin typeface="+mn-lt"/>
+                <a:ea typeface="+mn-ea"/>
+                <a:cs typeface="+mn-cs"/>
+              </a:rPr>
+              <a:t>Tunir</a:t>
             </a:r>
-          </a:p>
-          <a:p>
-            <a:pPr algn="ctr"/>
             <a:r>
-              <a:rPr lang="en-AU" sz="2800" dirty="0"/>
+              <a:rPr lang="en-AU" sz="1700" kern="1200" dirty="0">
+                <a:solidFill>
+                  <a:schemeClr val="tx1"/>
+                </a:solidFill>
+                <a:latin typeface="+mn-lt"/>
+                <a:ea typeface="+mn-ea"/>
+                <a:cs typeface="+mn-cs"/>
+              </a:rPr>
+              <a:t> Chaudhuri</a:t>
+            </a:r>
+          </a:p>
+          <a:p>
+            <a:pPr algn="ctr" defTabSz="555224">
+              <a:spcAft>
+                <a:spcPts val="414"/>
+              </a:spcAft>
+            </a:pPr>
+            <a:r>
+              <a:rPr lang="en-AU" sz="1700" kern="1200" dirty="0">
+                <a:solidFill>
+                  <a:schemeClr val="tx1"/>
+                </a:solidFill>
+                <a:latin typeface="+mn-lt"/>
+                <a:ea typeface="+mn-ea"/>
+                <a:cs typeface="+mn-cs"/>
+              </a:rPr>
               <a:t>Akash Ranjan</a:t>
             </a:r>
           </a:p>
           <a:p>
-            <a:pPr algn="ctr"/>
+            <a:pPr algn="ctr" defTabSz="555224">
+              <a:spcAft>
+                <a:spcPts val="414"/>
+              </a:spcAft>
+            </a:pPr>
             <a:r>
-              <a:rPr lang="en-AU" sz="2800" dirty="0"/>
+              <a:rPr lang="en-AU" sz="1700" kern="1200" dirty="0">
+                <a:solidFill>
+                  <a:schemeClr val="tx1"/>
+                </a:solidFill>
+                <a:latin typeface="+mn-lt"/>
+                <a:ea typeface="+mn-ea"/>
+                <a:cs typeface="+mn-cs"/>
+              </a:rPr>
               <a:t>Goutham Suresh</a:t>
             </a:r>
           </a:p>
           <a:p>
-            <a:pPr algn="ctr"/>
+            <a:pPr algn="ctr" defTabSz="555224">
+              <a:spcAft>
+                <a:spcPts val="414"/>
+              </a:spcAft>
+            </a:pPr>
             <a:r>
-              <a:rPr lang="en-AU" sz="2800" dirty="0"/>
+              <a:rPr lang="en-AU" sz="1700" kern="1200" dirty="0">
+                <a:solidFill>
+                  <a:schemeClr val="tx1"/>
+                </a:solidFill>
+                <a:latin typeface="+mn-lt"/>
+                <a:ea typeface="+mn-ea"/>
+                <a:cs typeface="+mn-cs"/>
+              </a:rPr>
               <a:t>Rahul</a:t>
             </a:r>
           </a:p>
           <a:p>
-            <a:pPr algn="ctr"/>
+            <a:pPr algn="ctr" defTabSz="555224">
+              <a:spcAft>
+                <a:spcPts val="414"/>
+              </a:spcAft>
+            </a:pPr>
             <a:r>
-              <a:rPr lang="en-AU" sz="2800" dirty="0"/>
+              <a:rPr lang="en-AU" sz="1700" kern="1200" dirty="0">
+                <a:solidFill>
+                  <a:schemeClr val="tx1"/>
+                </a:solidFill>
+                <a:latin typeface="+mn-lt"/>
+                <a:ea typeface="+mn-ea"/>
+                <a:cs typeface="+mn-cs"/>
+              </a:rPr>
               <a:t>Sunny Kumar</a:t>
             </a:r>
+            <a:endParaRPr lang="en-AU" sz="2800" dirty="0"/>
           </a:p>
         </p:txBody>
       </p:sp>
@@ -3526,8 +6111,8 @@
         </p:nvSpPr>
         <p:spPr>
           <a:xfrm>
-            <a:off x="4302977" y="2176225"/>
-            <a:ext cx="3586046" cy="923330"/>
+            <a:off x="5177722" y="2405805"/>
+            <a:ext cx="2563523" cy="596958"/>
           </a:xfrm>
           <a:prstGeom prst="rect">
             <a:avLst/>
@@ -3540,9 +6125,13 @@
           </a:bodyPr>
           <a:lstStyle/>
           <a:p>
-            <a:pPr algn="ctr"/>
+            <a:pPr algn="ctr" defTabSz="555224">
+              <a:spcAft>
+                <a:spcPts val="414"/>
+              </a:spcAft>
+            </a:pPr>
             <a:r>
-              <a:rPr lang="en-US" sz="5400" b="0" cap="none" spc="0" dirty="0">
+              <a:rPr lang="en-US" sz="3279" kern="1200" dirty="0">
                 <a:ln w="0"/>
                 <a:solidFill>
                   <a:schemeClr val="tx1"/>
@@ -3554,9 +6143,44 @@
                     </a:schemeClr>
                   </a:outerShdw>
                 </a:effectLst>
+                <a:latin typeface="+mn-lt"/>
+                <a:ea typeface="+mn-ea"/>
+                <a:cs typeface="+mn-cs"/>
               </a:rPr>
-              <a:t>TSE Initializr</a:t>
+              <a:t>TSE </a:t>
             </a:r>
+            <a:r>
+              <a:rPr lang="en-US" sz="3279" kern="1200" dirty="0" err="1">
+                <a:ln w="0"/>
+                <a:solidFill>
+                  <a:schemeClr val="tx1"/>
+                </a:solidFill>
+                <a:effectLst>
+                  <a:outerShdw blurRad="38100" dist="19050" dir="2700000" algn="tl" rotWithShape="0">
+                    <a:schemeClr val="dk1">
+                      <a:alpha val="40000"/>
+                    </a:schemeClr>
+                  </a:outerShdw>
+                </a:effectLst>
+                <a:latin typeface="+mn-lt"/>
+                <a:ea typeface="+mn-ea"/>
+                <a:cs typeface="+mn-cs"/>
+              </a:rPr>
+              <a:t>Initializr</a:t>
+            </a:r>
+            <a:endParaRPr lang="en-US" sz="5400" b="0" cap="none" spc="0" dirty="0">
+              <a:ln w="0"/>
+              <a:solidFill>
+                <a:schemeClr val="tx1"/>
+              </a:solidFill>
+              <a:effectLst>
+                <a:outerShdw blurRad="38100" dist="19050" dir="2700000" algn="tl" rotWithShape="0">
+                  <a:schemeClr val="dk1">
+                    <a:alpha val="40000"/>
+                  </a:schemeClr>
+                </a:outerShdw>
+              </a:effectLst>
+            </a:endParaRPr>
           </a:p>
         </p:txBody>
       </p:sp>
@@ -3570,12 +6194,214 @@
   <p:clrMapOvr>
     <a:masterClrMapping/>
   </p:clrMapOvr>
+  <p:timing>
+    <p:tnLst>
+      <p:par>
+        <p:cTn id="1" dur="indefinite" restart="never" nodeType="tmRoot">
+          <p:childTnLst>
+            <p:seq concurrent="1" nextAc="seek">
+              <p:cTn id="2" dur="indefinite" nodeType="mainSeq">
+                <p:childTnLst>
+                  <p:par>
+                    <p:cTn id="3" fill="hold">
+                      <p:stCondLst>
+                        <p:cond delay="indefinite"/>
+                      </p:stCondLst>
+                      <p:childTnLst>
+                        <p:par>
+                          <p:cTn id="4" fill="hold">
+                            <p:stCondLst>
+                              <p:cond delay="0"/>
+                            </p:stCondLst>
+                            <p:childTnLst>
+                              <p:par>
+                                <p:cTn id="5" presetID="16" presetClass="entr" presetSubtype="21" fill="hold" grpId="0" nodeType="clickEffect">
+                                  <p:stCondLst>
+                                    <p:cond delay="0"/>
+                                  </p:stCondLst>
+                                  <p:childTnLst>
+                                    <p:set>
+                                      <p:cBhvr>
+                                        <p:cTn id="6" dur="1" fill="hold">
+                                          <p:stCondLst>
+                                            <p:cond delay="0"/>
+                                          </p:stCondLst>
+                                        </p:cTn>
+                                        <p:tgtEl>
+                                          <p:spTgt spid="4"/>
+                                        </p:tgtEl>
+                                        <p:attrNameLst>
+                                          <p:attrName>style.visibility</p:attrName>
+                                        </p:attrNameLst>
+                                      </p:cBhvr>
+                                      <p:to>
+                                        <p:strVal val="visible"/>
+                                      </p:to>
+                                    </p:set>
+                                    <p:animEffect transition="in" filter="barn(inVertical)">
+                                      <p:cBhvr>
+                                        <p:cTn id="7" dur="500"/>
+                                        <p:tgtEl>
+                                          <p:spTgt spid="4"/>
+                                        </p:tgtEl>
+                                      </p:cBhvr>
+                                    </p:animEffect>
+                                  </p:childTnLst>
+                                </p:cTn>
+                              </p:par>
+                            </p:childTnLst>
+                          </p:cTn>
+                        </p:par>
+                      </p:childTnLst>
+                    </p:cTn>
+                  </p:par>
+                  <p:par>
+                    <p:cTn id="8" fill="hold">
+                      <p:stCondLst>
+                        <p:cond delay="indefinite"/>
+                      </p:stCondLst>
+                      <p:childTnLst>
+                        <p:par>
+                          <p:cTn id="9" fill="hold">
+                            <p:stCondLst>
+                              <p:cond delay="0"/>
+                            </p:stCondLst>
+                            <p:childTnLst>
+                              <p:par>
+                                <p:cTn id="10" presetID="16" presetClass="entr" presetSubtype="21" fill="hold" grpId="0" nodeType="clickEffect">
+                                  <p:stCondLst>
+                                    <p:cond delay="0"/>
+                                  </p:stCondLst>
+                                  <p:childTnLst>
+                                    <p:set>
+                                      <p:cBhvr>
+                                        <p:cTn id="11" dur="1" fill="hold">
+                                          <p:stCondLst>
+                                            <p:cond delay="0"/>
+                                          </p:stCondLst>
+                                        </p:cTn>
+                                        <p:tgtEl>
+                                          <p:spTgt spid="2"/>
+                                        </p:tgtEl>
+                                        <p:attrNameLst>
+                                          <p:attrName>style.visibility</p:attrName>
+                                        </p:attrNameLst>
+                                      </p:cBhvr>
+                                      <p:to>
+                                        <p:strVal val="visible"/>
+                                      </p:to>
+                                    </p:set>
+                                    <p:animEffect transition="in" filter="barn(inVertical)">
+                                      <p:cBhvr>
+                                        <p:cTn id="12" dur="500"/>
+                                        <p:tgtEl>
+                                          <p:spTgt spid="2"/>
+                                        </p:tgtEl>
+                                      </p:cBhvr>
+                                    </p:animEffect>
+                                  </p:childTnLst>
+                                </p:cTn>
+                              </p:par>
+                            </p:childTnLst>
+                          </p:cTn>
+                        </p:par>
+                      </p:childTnLst>
+                    </p:cTn>
+                  </p:par>
+                  <p:par>
+                    <p:cTn id="13" fill="hold">
+                      <p:stCondLst>
+                        <p:cond delay="indefinite"/>
+                      </p:stCondLst>
+                      <p:childTnLst>
+                        <p:par>
+                          <p:cTn id="14" fill="hold">
+                            <p:stCondLst>
+                              <p:cond delay="0"/>
+                            </p:stCondLst>
+                            <p:childTnLst>
+                              <p:par>
+                                <p:cTn id="15" presetID="14" presetClass="entr" presetSubtype="10" fill="hold" grpId="0" nodeType="clickEffect">
+                                  <p:stCondLst>
+                                    <p:cond delay="0"/>
+                                  </p:stCondLst>
+                                  <p:childTnLst>
+                                    <p:set>
+                                      <p:cBhvr>
+                                        <p:cTn id="16" dur="1" fill="hold">
+                                          <p:stCondLst>
+                                            <p:cond delay="0"/>
+                                          </p:stCondLst>
+                                        </p:cTn>
+                                        <p:tgtEl>
+                                          <p:spTgt spid="5"/>
+                                        </p:tgtEl>
+                                        <p:attrNameLst>
+                                          <p:attrName>style.visibility</p:attrName>
+                                        </p:attrNameLst>
+                                      </p:cBhvr>
+                                      <p:to>
+                                        <p:strVal val="visible"/>
+                                      </p:to>
+                                    </p:set>
+                                    <p:animEffect transition="in" filter="randombar(horizontal)">
+                                      <p:cBhvr>
+                                        <p:cTn id="17" dur="500"/>
+                                        <p:tgtEl>
+                                          <p:spTgt spid="5"/>
+                                        </p:tgtEl>
+                                      </p:cBhvr>
+                                    </p:animEffect>
+                                  </p:childTnLst>
+                                </p:cTn>
+                              </p:par>
+                            </p:childTnLst>
+                          </p:cTn>
+                        </p:par>
+                      </p:childTnLst>
+                    </p:cTn>
+                  </p:par>
+                </p:childTnLst>
+              </p:cTn>
+              <p:prevCondLst>
+                <p:cond evt="onPrev" delay="0">
+                  <p:tgtEl>
+                    <p:sldTgt/>
+                  </p:tgtEl>
+                </p:cond>
+              </p:prevCondLst>
+              <p:nextCondLst>
+                <p:cond evt="onNext" delay="0">
+                  <p:tgtEl>
+                    <p:sldTgt/>
+                  </p:tgtEl>
+                </p:cond>
+              </p:nextCondLst>
+            </p:seq>
+          </p:childTnLst>
+        </p:cTn>
+      </p:par>
+    </p:tnLst>
+    <p:bldLst>
+      <p:bldP spid="4" grpId="0"/>
+      <p:bldP spid="5" grpId="0"/>
+      <p:bldP spid="2" grpId="0"/>
+    </p:bldLst>
+  </p:timing>
 </p:sld>
 </file>
 
 <file path=ppt/slides/slide2.xml><?xml version="1.0" encoding="utf-8"?>
 <p:sld xmlns:a="http://schemas.openxmlformats.org/drawingml/2006/main" xmlns:r="http://schemas.openxmlformats.org/officeDocument/2006/relationships" xmlns:p="http://schemas.openxmlformats.org/presentationml/2006/main">
   <p:cSld>
+    <p:bg>
+      <p:bgPr>
+        <a:solidFill>
+          <a:schemeClr val="bg1"/>
+        </a:solidFill>
+        <a:effectLst/>
+      </p:bgPr>
+    </p:bg>
     <p:spTree>
       <p:nvGrpSpPr>
         <p:cNvPr id="1" name=""/>
@@ -3604,27 +6430,33 @@
         </p:nvSpPr>
         <p:spPr>
           <a:xfrm>
-            <a:off x="5168765" y="316603"/>
-            <a:ext cx="2039405" cy="923330"/>
+            <a:off x="638881" y="457200"/>
+            <a:ext cx="10909640" cy="1368614"/>
           </a:xfrm>
           <a:prstGeom prst="rect">
             <a:avLst/>
           </a:prstGeom>
-          <a:noFill/>
         </p:spPr>
         <p:txBody>
-          <a:bodyPr wrap="none" lIns="91440" tIns="45720" rIns="91440" bIns="45720">
-            <a:spAutoFit/>
+          <a:bodyPr vert="horz" lIns="91440" tIns="45720" rIns="91440" bIns="45720" rtlCol="0" anchor="ctr">
+            <a:normAutofit/>
           </a:bodyPr>
           <a:lstStyle/>
           <a:p>
-            <a:pPr algn="ctr"/>
+            <a:pPr algn="ctr">
+              <a:lnSpc>
+                <a:spcPct val="90000"/>
+              </a:lnSpc>
+              <a:spcBef>
+                <a:spcPct val="0"/>
+              </a:spcBef>
+              <a:spcAft>
+                <a:spcPts val="600"/>
+              </a:spcAft>
+            </a:pPr>
             <a:r>
-              <a:rPr lang="en-US" sz="5400" b="0" u="sng" cap="none" spc="0" dirty="0">
+              <a:rPr lang="en-US" sz="6600" b="0" u="sng" cap="none" spc="0" dirty="0">
                 <a:ln w="0"/>
-                <a:solidFill>
-                  <a:schemeClr val="tx1"/>
-                </a:solidFill>
                 <a:effectLst>
                   <a:outerShdw blurRad="38100" dist="19050" dir="2700000" algn="tl" rotWithShape="0">
                     <a:schemeClr val="dk1">
@@ -3632,6 +6464,9 @@
                     </a:schemeClr>
                   </a:outerShdw>
                 </a:effectLst>
+                <a:latin typeface="+mj-lt"/>
+                <a:ea typeface="+mj-ea"/>
+                <a:cs typeface="+mj-cs"/>
               </a:rPr>
               <a:t>STEP 1</a:t>
             </a:r>
@@ -3666,8 +6501,8 @@
         </p:blipFill>
         <p:spPr>
           <a:xfrm>
-            <a:off x="221226" y="1466219"/>
-            <a:ext cx="5542577" cy="5143756"/>
+            <a:off x="320040" y="2033082"/>
+            <a:ext cx="5614416" cy="3851120"/>
           </a:xfrm>
           <a:prstGeom prst="rect">
             <a:avLst/>
@@ -3702,8 +6537,8 @@
         </p:blipFill>
         <p:spPr>
           <a:xfrm>
-            <a:off x="5938463" y="1466219"/>
-            <a:ext cx="5959011" cy="5092385"/>
+            <a:off x="6254496" y="2033082"/>
+            <a:ext cx="5614416" cy="3844102"/>
           </a:xfrm>
           <a:prstGeom prst="rect">
             <a:avLst/>
@@ -3720,6 +6555,198 @@
   <p:clrMapOvr>
     <a:masterClrMapping/>
   </p:clrMapOvr>
+  <p:timing>
+    <p:tnLst>
+      <p:par>
+        <p:cTn id="1" dur="indefinite" restart="never" nodeType="tmRoot">
+          <p:childTnLst>
+            <p:seq concurrent="1" nextAc="seek">
+              <p:cTn id="2" dur="indefinite" nodeType="mainSeq">
+                <p:childTnLst>
+                  <p:par>
+                    <p:cTn id="3" fill="hold">
+                      <p:stCondLst>
+                        <p:cond delay="indefinite"/>
+                      </p:stCondLst>
+                      <p:childTnLst>
+                        <p:par>
+                          <p:cTn id="4" fill="hold">
+                            <p:stCondLst>
+                              <p:cond delay="0"/>
+                            </p:stCondLst>
+                            <p:childTnLst>
+                              <p:par>
+                                <p:cTn id="5" presetID="16" presetClass="entr" presetSubtype="21" fill="hold" grpId="0" nodeType="clickEffect">
+                                  <p:stCondLst>
+                                    <p:cond delay="0"/>
+                                  </p:stCondLst>
+                                  <p:childTnLst>
+                                    <p:set>
+                                      <p:cBhvr>
+                                        <p:cTn id="6" dur="1" fill="hold">
+                                          <p:stCondLst>
+                                            <p:cond delay="0"/>
+                                          </p:stCondLst>
+                                        </p:cTn>
+                                        <p:tgtEl>
+                                          <p:spTgt spid="2"/>
+                                        </p:tgtEl>
+                                        <p:attrNameLst>
+                                          <p:attrName>style.visibility</p:attrName>
+                                        </p:attrNameLst>
+                                      </p:cBhvr>
+                                      <p:to>
+                                        <p:strVal val="visible"/>
+                                      </p:to>
+                                    </p:set>
+                                    <p:animEffect transition="in" filter="barn(inVertical)">
+                                      <p:cBhvr>
+                                        <p:cTn id="7" dur="500"/>
+                                        <p:tgtEl>
+                                          <p:spTgt spid="2"/>
+                                        </p:tgtEl>
+                                      </p:cBhvr>
+                                    </p:animEffect>
+                                  </p:childTnLst>
+                                </p:cTn>
+                              </p:par>
+                            </p:childTnLst>
+                          </p:cTn>
+                        </p:par>
+                      </p:childTnLst>
+                    </p:cTn>
+                  </p:par>
+                  <p:par>
+                    <p:cTn id="8" fill="hold">
+                      <p:stCondLst>
+                        <p:cond delay="indefinite"/>
+                      </p:stCondLst>
+                      <p:childTnLst>
+                        <p:par>
+                          <p:cTn id="9" fill="hold">
+                            <p:stCondLst>
+                              <p:cond delay="0"/>
+                            </p:stCondLst>
+                            <p:childTnLst>
+                              <p:par>
+                                <p:cTn id="10" presetID="14" presetClass="entr" presetSubtype="10" fill="hold" nodeType="clickEffect">
+                                  <p:stCondLst>
+                                    <p:cond delay="0"/>
+                                  </p:stCondLst>
+                                  <p:childTnLst>
+                                    <p:set>
+                                      <p:cBhvr>
+                                        <p:cTn id="11" dur="1" fill="hold">
+                                          <p:stCondLst>
+                                            <p:cond delay="0"/>
+                                          </p:stCondLst>
+                                        </p:cTn>
+                                        <p:tgtEl>
+                                          <p:spTgt spid="4"/>
+                                        </p:tgtEl>
+                                        <p:attrNameLst>
+                                          <p:attrName>style.visibility</p:attrName>
+                                        </p:attrNameLst>
+                                      </p:cBhvr>
+                                      <p:to>
+                                        <p:strVal val="visible"/>
+                                      </p:to>
+                                    </p:set>
+                                    <p:animEffect transition="in" filter="randombar(horizontal)">
+                                      <p:cBhvr>
+                                        <p:cTn id="12" dur="500"/>
+                                        <p:tgtEl>
+                                          <p:spTgt spid="4"/>
+                                        </p:tgtEl>
+                                      </p:cBhvr>
+                                    </p:animEffect>
+                                  </p:childTnLst>
+                                </p:cTn>
+                              </p:par>
+                            </p:childTnLst>
+                          </p:cTn>
+                        </p:par>
+                      </p:childTnLst>
+                    </p:cTn>
+                  </p:par>
+                  <p:par>
+                    <p:cTn id="13" fill="hold">
+                      <p:stCondLst>
+                        <p:cond delay="indefinite"/>
+                      </p:stCondLst>
+                      <p:childTnLst>
+                        <p:par>
+                          <p:cTn id="14" fill="hold">
+                            <p:stCondLst>
+                              <p:cond delay="0"/>
+                            </p:stCondLst>
+                            <p:childTnLst>
+                              <p:par>
+                                <p:cTn id="15" presetID="14" presetClass="entr" presetSubtype="10" fill="hold" nodeType="clickEffect">
+                                  <p:stCondLst>
+                                    <p:cond delay="0"/>
+                                  </p:stCondLst>
+                                  <p:childTnLst>
+                                    <p:set>
+                                      <p:cBhvr>
+                                        <p:cTn id="16" dur="1" fill="hold">
+                                          <p:stCondLst>
+                                            <p:cond delay="0"/>
+                                          </p:stCondLst>
+                                        </p:cTn>
+                                        <p:tgtEl>
+                                          <p:spTgt spid="6"/>
+                                        </p:tgtEl>
+                                        <p:attrNameLst>
+                                          <p:attrName>style.visibility</p:attrName>
+                                        </p:attrNameLst>
+                                      </p:cBhvr>
+                                      <p:to>
+                                        <p:strVal val="visible"/>
+                                      </p:to>
+                                    </p:set>
+                                    <p:animEffect transition="in" filter="randombar(horizontal)">
+                                      <p:cBhvr>
+                                        <p:cTn id="17" dur="500"/>
+                                        <p:tgtEl>
+                                          <p:spTgt spid="6"/>
+                                        </p:tgtEl>
+                                      </p:cBhvr>
+                                    </p:animEffect>
+                                  </p:childTnLst>
+                                </p:cTn>
+                              </p:par>
+                            </p:childTnLst>
+                          </p:cTn>
+                        </p:par>
+                      </p:childTnLst>
+                    </p:cTn>
+                  </p:par>
+                </p:childTnLst>
+              </p:cTn>
+              <p:prevCondLst>
+                <p:cond evt="onPrev" delay="0">
+                  <p:tgtEl>
+                    <p:sldTgt/>
+                  </p:tgtEl>
+                </p:cond>
+              </p:prevCondLst>
+              <p:nextCondLst>
+                <p:cond evt="onNext" delay="0">
+                  <p:tgtEl>
+                    <p:sldTgt/>
+                  </p:tgtEl>
+                </p:cond>
+              </p:nextCondLst>
+            </p:seq>
+          </p:childTnLst>
+        </p:cTn>
+      </p:par>
+    </p:tnLst>
+    <p:bldLst>
+      <p:bldP spid="2" grpId="0"/>
+    </p:bldLst>
+  </p:timing>
 </p:sld>
 </file>
 
@@ -3816,8 +6843,8 @@
         </p:blipFill>
         <p:spPr>
           <a:xfrm>
-            <a:off x="1408883" y="1169280"/>
-            <a:ext cx="9096543" cy="608149"/>
+            <a:off x="1408883" y="1198134"/>
+            <a:ext cx="8182589" cy="608149"/>
           </a:xfrm>
           <a:prstGeom prst="rect">
             <a:avLst/>
@@ -3853,7 +6880,7 @@
         <p:spPr>
           <a:xfrm>
             <a:off x="1222625" y="2032188"/>
-            <a:ext cx="8825501" cy="3135713"/>
+            <a:ext cx="8368847" cy="3135713"/>
           </a:xfrm>
           <a:prstGeom prst="rect">
             <a:avLst/>
@@ -3882,8 +6909,8 @@
         </p:blipFill>
         <p:spPr>
           <a:xfrm>
-            <a:off x="236307" y="5422660"/>
-            <a:ext cx="10733068" cy="1283123"/>
+            <a:off x="401677" y="5325383"/>
+            <a:ext cx="8859055" cy="1283123"/>
           </a:xfrm>
           <a:prstGeom prst="rect">
             <a:avLst/>
@@ -3900,6 +6927,251 @@
   <p:clrMapOvr>
     <a:masterClrMapping/>
   </p:clrMapOvr>
+  <p:timing>
+    <p:tnLst>
+      <p:par>
+        <p:cTn id="1" dur="indefinite" restart="never" nodeType="tmRoot">
+          <p:childTnLst>
+            <p:seq concurrent="1" nextAc="seek">
+              <p:cTn id="2" dur="indefinite" nodeType="mainSeq">
+                <p:childTnLst>
+                  <p:par>
+                    <p:cTn id="3" fill="hold">
+                      <p:stCondLst>
+                        <p:cond delay="indefinite"/>
+                      </p:stCondLst>
+                      <p:childTnLst>
+                        <p:par>
+                          <p:cTn id="4" fill="hold">
+                            <p:stCondLst>
+                              <p:cond delay="0"/>
+                            </p:stCondLst>
+                            <p:childTnLst>
+                              <p:par>
+                                <p:cTn id="5" presetID="16" presetClass="entr" presetSubtype="21" fill="hold" grpId="0" nodeType="clickEffect">
+                                  <p:stCondLst>
+                                    <p:cond delay="0"/>
+                                  </p:stCondLst>
+                                  <p:childTnLst>
+                                    <p:set>
+                                      <p:cBhvr>
+                                        <p:cTn id="6" dur="1" fill="hold">
+                                          <p:stCondLst>
+                                            <p:cond delay="0"/>
+                                          </p:stCondLst>
+                                        </p:cTn>
+                                        <p:tgtEl>
+                                          <p:spTgt spid="4"/>
+                                        </p:tgtEl>
+                                        <p:attrNameLst>
+                                          <p:attrName>style.visibility</p:attrName>
+                                        </p:attrNameLst>
+                                      </p:cBhvr>
+                                      <p:to>
+                                        <p:strVal val="visible"/>
+                                      </p:to>
+                                    </p:set>
+                                    <p:animEffect transition="in" filter="barn(inVertical)">
+                                      <p:cBhvr>
+                                        <p:cTn id="7" dur="500"/>
+                                        <p:tgtEl>
+                                          <p:spTgt spid="4"/>
+                                        </p:tgtEl>
+                                      </p:cBhvr>
+                                    </p:animEffect>
+                                  </p:childTnLst>
+                                </p:cTn>
+                              </p:par>
+                            </p:childTnLst>
+                          </p:cTn>
+                        </p:par>
+                      </p:childTnLst>
+                    </p:cTn>
+                  </p:par>
+                  <p:par>
+                    <p:cTn id="8" fill="hold">
+                      <p:stCondLst>
+                        <p:cond delay="indefinite"/>
+                      </p:stCondLst>
+                      <p:childTnLst>
+                        <p:par>
+                          <p:cTn id="9" fill="hold">
+                            <p:stCondLst>
+                              <p:cond delay="0"/>
+                            </p:stCondLst>
+                            <p:childTnLst>
+                              <p:par>
+                                <p:cTn id="10" presetID="14" presetClass="entr" presetSubtype="10" fill="hold" nodeType="clickEffect">
+                                  <p:stCondLst>
+                                    <p:cond delay="0"/>
+                                  </p:stCondLst>
+                                  <p:childTnLst>
+                                    <p:set>
+                                      <p:cBhvr>
+                                        <p:cTn id="11" dur="1" fill="hold">
+                                          <p:stCondLst>
+                                            <p:cond delay="0"/>
+                                          </p:stCondLst>
+                                        </p:cTn>
+                                        <p:tgtEl>
+                                          <p:spTgt spid="3"/>
+                                        </p:tgtEl>
+                                        <p:attrNameLst>
+                                          <p:attrName>style.visibility</p:attrName>
+                                        </p:attrNameLst>
+                                      </p:cBhvr>
+                                      <p:to>
+                                        <p:strVal val="visible"/>
+                                      </p:to>
+                                    </p:set>
+                                    <p:animEffect transition="in" filter="randombar(horizontal)">
+                                      <p:cBhvr>
+                                        <p:cTn id="12" dur="500"/>
+                                        <p:tgtEl>
+                                          <p:spTgt spid="3"/>
+                                        </p:tgtEl>
+                                      </p:cBhvr>
+                                    </p:animEffect>
+                                  </p:childTnLst>
+                                </p:cTn>
+                              </p:par>
+                            </p:childTnLst>
+                          </p:cTn>
+                        </p:par>
+                      </p:childTnLst>
+                    </p:cTn>
+                  </p:par>
+                  <p:par>
+                    <p:cTn id="13" fill="hold">
+                      <p:stCondLst>
+                        <p:cond delay="indefinite"/>
+                      </p:stCondLst>
+                      <p:childTnLst>
+                        <p:par>
+                          <p:cTn id="14" fill="hold">
+                            <p:stCondLst>
+                              <p:cond delay="0"/>
+                            </p:stCondLst>
+                            <p:childTnLst>
+                              <p:par>
+                                <p:cTn id="15" presetID="14" presetClass="entr" presetSubtype="10" fill="hold" nodeType="clickEffect">
+                                  <p:stCondLst>
+                                    <p:cond delay="0"/>
+                                  </p:stCondLst>
+                                  <p:childTnLst>
+                                    <p:set>
+                                      <p:cBhvr>
+                                        <p:cTn id="16" dur="1" fill="hold">
+                                          <p:stCondLst>
+                                            <p:cond delay="0"/>
+                                          </p:stCondLst>
+                                        </p:cTn>
+                                        <p:tgtEl>
+                                          <p:spTgt spid="6"/>
+                                        </p:tgtEl>
+                                        <p:attrNameLst>
+                                          <p:attrName>style.visibility</p:attrName>
+                                        </p:attrNameLst>
+                                      </p:cBhvr>
+                                      <p:to>
+                                        <p:strVal val="visible"/>
+                                      </p:to>
+                                    </p:set>
+                                    <p:animEffect transition="in" filter="randombar(horizontal)">
+                                      <p:cBhvr>
+                                        <p:cTn id="17" dur="500"/>
+                                        <p:tgtEl>
+                                          <p:spTgt spid="6"/>
+                                        </p:tgtEl>
+                                      </p:cBhvr>
+                                    </p:animEffect>
+                                  </p:childTnLst>
+                                </p:cTn>
+                              </p:par>
+                            </p:childTnLst>
+                          </p:cTn>
+                        </p:par>
+                      </p:childTnLst>
+                    </p:cTn>
+                  </p:par>
+                  <p:par>
+                    <p:cTn id="18" fill="hold">
+                      <p:stCondLst>
+                        <p:cond delay="indefinite"/>
+                      </p:stCondLst>
+                      <p:childTnLst>
+                        <p:par>
+                          <p:cTn id="19" fill="hold">
+                            <p:stCondLst>
+                              <p:cond delay="0"/>
+                            </p:stCondLst>
+                            <p:childTnLst>
+                              <p:par>
+                                <p:cTn id="20" presetID="14" presetClass="entr" presetSubtype="10" fill="hold" nodeType="clickEffect">
+                                  <p:stCondLst>
+                                    <p:cond delay="0"/>
+                                  </p:stCondLst>
+                                  <p:childTnLst>
+                                    <p:set>
+                                      <p:cBhvr>
+                                        <p:cTn id="21" dur="1" fill="hold">
+                                          <p:stCondLst>
+                                            <p:cond delay="0"/>
+                                          </p:stCondLst>
+                                        </p:cTn>
+                                        <p:tgtEl>
+                                          <p:spTgt spid="8"/>
+                                        </p:tgtEl>
+                                        <p:attrNameLst>
+                                          <p:attrName>style.visibility</p:attrName>
+                                        </p:attrNameLst>
+                                      </p:cBhvr>
+                                      <p:to>
+                                        <p:strVal val="visible"/>
+                                      </p:to>
+                                    </p:set>
+                                    <p:animEffect transition="in" filter="randombar(horizontal)">
+                                      <p:cBhvr>
+                                        <p:cTn id="22" dur="500"/>
+                                        <p:tgtEl>
+                                          <p:spTgt spid="8"/>
+                                        </p:tgtEl>
+                                      </p:cBhvr>
+                                    </p:animEffect>
+                                  </p:childTnLst>
+                                </p:cTn>
+                              </p:par>
+                            </p:childTnLst>
+                          </p:cTn>
+                        </p:par>
+                      </p:childTnLst>
+                    </p:cTn>
+                  </p:par>
+                </p:childTnLst>
+              </p:cTn>
+              <p:prevCondLst>
+                <p:cond evt="onPrev" delay="0">
+                  <p:tgtEl>
+                    <p:sldTgt/>
+                  </p:tgtEl>
+                </p:cond>
+              </p:prevCondLst>
+              <p:nextCondLst>
+                <p:cond evt="onNext" delay="0">
+                  <p:tgtEl>
+                    <p:sldTgt/>
+                  </p:tgtEl>
+                </p:cond>
+              </p:nextCondLst>
+            </p:seq>
+          </p:childTnLst>
+        </p:cTn>
+      </p:par>
+    </p:tnLst>
+    <p:bldLst>
+      <p:bldP spid="4" grpId="0"/>
+    </p:bldLst>
+  </p:timing>
 </p:sld>
 </file>
 
@@ -4050,6 +7322,198 @@
   <p:clrMapOvr>
     <a:masterClrMapping/>
   </p:clrMapOvr>
+  <p:timing>
+    <p:tnLst>
+      <p:par>
+        <p:cTn id="1" dur="indefinite" restart="never" nodeType="tmRoot">
+          <p:childTnLst>
+            <p:seq concurrent="1" nextAc="seek">
+              <p:cTn id="2" dur="indefinite" nodeType="mainSeq">
+                <p:childTnLst>
+                  <p:par>
+                    <p:cTn id="3" fill="hold">
+                      <p:stCondLst>
+                        <p:cond delay="indefinite"/>
+                      </p:stCondLst>
+                      <p:childTnLst>
+                        <p:par>
+                          <p:cTn id="4" fill="hold">
+                            <p:stCondLst>
+                              <p:cond delay="0"/>
+                            </p:stCondLst>
+                            <p:childTnLst>
+                              <p:par>
+                                <p:cTn id="5" presetID="16" presetClass="entr" presetSubtype="21" fill="hold" grpId="0" nodeType="clickEffect">
+                                  <p:stCondLst>
+                                    <p:cond delay="0"/>
+                                  </p:stCondLst>
+                                  <p:childTnLst>
+                                    <p:set>
+                                      <p:cBhvr>
+                                        <p:cTn id="6" dur="1" fill="hold">
+                                          <p:stCondLst>
+                                            <p:cond delay="0"/>
+                                          </p:stCondLst>
+                                        </p:cTn>
+                                        <p:tgtEl>
+                                          <p:spTgt spid="2"/>
+                                        </p:tgtEl>
+                                        <p:attrNameLst>
+                                          <p:attrName>style.visibility</p:attrName>
+                                        </p:attrNameLst>
+                                      </p:cBhvr>
+                                      <p:to>
+                                        <p:strVal val="visible"/>
+                                      </p:to>
+                                    </p:set>
+                                    <p:animEffect transition="in" filter="barn(inVertical)">
+                                      <p:cBhvr>
+                                        <p:cTn id="7" dur="500"/>
+                                        <p:tgtEl>
+                                          <p:spTgt spid="2"/>
+                                        </p:tgtEl>
+                                      </p:cBhvr>
+                                    </p:animEffect>
+                                  </p:childTnLst>
+                                </p:cTn>
+                              </p:par>
+                            </p:childTnLst>
+                          </p:cTn>
+                        </p:par>
+                      </p:childTnLst>
+                    </p:cTn>
+                  </p:par>
+                  <p:par>
+                    <p:cTn id="8" fill="hold">
+                      <p:stCondLst>
+                        <p:cond delay="indefinite"/>
+                      </p:stCondLst>
+                      <p:childTnLst>
+                        <p:par>
+                          <p:cTn id="9" fill="hold">
+                            <p:stCondLst>
+                              <p:cond delay="0"/>
+                            </p:stCondLst>
+                            <p:childTnLst>
+                              <p:par>
+                                <p:cTn id="10" presetID="14" presetClass="entr" presetSubtype="10" fill="hold" nodeType="clickEffect">
+                                  <p:stCondLst>
+                                    <p:cond delay="0"/>
+                                  </p:stCondLst>
+                                  <p:childTnLst>
+                                    <p:set>
+                                      <p:cBhvr>
+                                        <p:cTn id="11" dur="1" fill="hold">
+                                          <p:stCondLst>
+                                            <p:cond delay="0"/>
+                                          </p:stCondLst>
+                                        </p:cTn>
+                                        <p:tgtEl>
+                                          <p:spTgt spid="4"/>
+                                        </p:tgtEl>
+                                        <p:attrNameLst>
+                                          <p:attrName>style.visibility</p:attrName>
+                                        </p:attrNameLst>
+                                      </p:cBhvr>
+                                      <p:to>
+                                        <p:strVal val="visible"/>
+                                      </p:to>
+                                    </p:set>
+                                    <p:animEffect transition="in" filter="randombar(horizontal)">
+                                      <p:cBhvr>
+                                        <p:cTn id="12" dur="500"/>
+                                        <p:tgtEl>
+                                          <p:spTgt spid="4"/>
+                                        </p:tgtEl>
+                                      </p:cBhvr>
+                                    </p:animEffect>
+                                  </p:childTnLst>
+                                </p:cTn>
+                              </p:par>
+                            </p:childTnLst>
+                          </p:cTn>
+                        </p:par>
+                      </p:childTnLst>
+                    </p:cTn>
+                  </p:par>
+                  <p:par>
+                    <p:cTn id="13" fill="hold">
+                      <p:stCondLst>
+                        <p:cond delay="indefinite"/>
+                      </p:stCondLst>
+                      <p:childTnLst>
+                        <p:par>
+                          <p:cTn id="14" fill="hold">
+                            <p:stCondLst>
+                              <p:cond delay="0"/>
+                            </p:stCondLst>
+                            <p:childTnLst>
+                              <p:par>
+                                <p:cTn id="15" presetID="14" presetClass="entr" presetSubtype="10" fill="hold" nodeType="clickEffect">
+                                  <p:stCondLst>
+                                    <p:cond delay="0"/>
+                                  </p:stCondLst>
+                                  <p:childTnLst>
+                                    <p:set>
+                                      <p:cBhvr>
+                                        <p:cTn id="16" dur="1" fill="hold">
+                                          <p:stCondLst>
+                                            <p:cond delay="0"/>
+                                          </p:stCondLst>
+                                        </p:cTn>
+                                        <p:tgtEl>
+                                          <p:spTgt spid="6"/>
+                                        </p:tgtEl>
+                                        <p:attrNameLst>
+                                          <p:attrName>style.visibility</p:attrName>
+                                        </p:attrNameLst>
+                                      </p:cBhvr>
+                                      <p:to>
+                                        <p:strVal val="visible"/>
+                                      </p:to>
+                                    </p:set>
+                                    <p:animEffect transition="in" filter="randombar(horizontal)">
+                                      <p:cBhvr>
+                                        <p:cTn id="17" dur="500"/>
+                                        <p:tgtEl>
+                                          <p:spTgt spid="6"/>
+                                        </p:tgtEl>
+                                      </p:cBhvr>
+                                    </p:animEffect>
+                                  </p:childTnLst>
+                                </p:cTn>
+                              </p:par>
+                            </p:childTnLst>
+                          </p:cTn>
+                        </p:par>
+                      </p:childTnLst>
+                    </p:cTn>
+                  </p:par>
+                </p:childTnLst>
+              </p:cTn>
+              <p:prevCondLst>
+                <p:cond evt="onPrev" delay="0">
+                  <p:tgtEl>
+                    <p:sldTgt/>
+                  </p:tgtEl>
+                </p:cond>
+              </p:prevCondLst>
+              <p:nextCondLst>
+                <p:cond evt="onNext" delay="0">
+                  <p:tgtEl>
+                    <p:sldTgt/>
+                  </p:tgtEl>
+                </p:cond>
+              </p:nextCondLst>
+            </p:seq>
+          </p:childTnLst>
+        </p:cTn>
+      </p:par>
+    </p:tnLst>
+    <p:bldLst>
+      <p:bldP spid="2" grpId="0"/>
+    </p:bldLst>
+  </p:timing>
 </p:sld>
 </file>
 
@@ -4200,6 +7664,198 @@
   <p:clrMapOvr>
     <a:masterClrMapping/>
   </p:clrMapOvr>
+  <p:timing>
+    <p:tnLst>
+      <p:par>
+        <p:cTn id="1" dur="indefinite" restart="never" nodeType="tmRoot">
+          <p:childTnLst>
+            <p:seq concurrent="1" nextAc="seek">
+              <p:cTn id="2" dur="indefinite" nodeType="mainSeq">
+                <p:childTnLst>
+                  <p:par>
+                    <p:cTn id="3" fill="hold">
+                      <p:stCondLst>
+                        <p:cond delay="indefinite"/>
+                      </p:stCondLst>
+                      <p:childTnLst>
+                        <p:par>
+                          <p:cTn id="4" fill="hold">
+                            <p:stCondLst>
+                              <p:cond delay="0"/>
+                            </p:stCondLst>
+                            <p:childTnLst>
+                              <p:par>
+                                <p:cTn id="5" presetID="16" presetClass="entr" presetSubtype="21" fill="hold" grpId="0" nodeType="clickEffect">
+                                  <p:stCondLst>
+                                    <p:cond delay="0"/>
+                                  </p:stCondLst>
+                                  <p:childTnLst>
+                                    <p:set>
+                                      <p:cBhvr>
+                                        <p:cTn id="6" dur="1" fill="hold">
+                                          <p:stCondLst>
+                                            <p:cond delay="0"/>
+                                          </p:stCondLst>
+                                        </p:cTn>
+                                        <p:tgtEl>
+                                          <p:spTgt spid="2"/>
+                                        </p:tgtEl>
+                                        <p:attrNameLst>
+                                          <p:attrName>style.visibility</p:attrName>
+                                        </p:attrNameLst>
+                                      </p:cBhvr>
+                                      <p:to>
+                                        <p:strVal val="visible"/>
+                                      </p:to>
+                                    </p:set>
+                                    <p:animEffect transition="in" filter="barn(inVertical)">
+                                      <p:cBhvr>
+                                        <p:cTn id="7" dur="500"/>
+                                        <p:tgtEl>
+                                          <p:spTgt spid="2"/>
+                                        </p:tgtEl>
+                                      </p:cBhvr>
+                                    </p:animEffect>
+                                  </p:childTnLst>
+                                </p:cTn>
+                              </p:par>
+                            </p:childTnLst>
+                          </p:cTn>
+                        </p:par>
+                      </p:childTnLst>
+                    </p:cTn>
+                  </p:par>
+                  <p:par>
+                    <p:cTn id="8" fill="hold">
+                      <p:stCondLst>
+                        <p:cond delay="indefinite"/>
+                      </p:stCondLst>
+                      <p:childTnLst>
+                        <p:par>
+                          <p:cTn id="9" fill="hold">
+                            <p:stCondLst>
+                              <p:cond delay="0"/>
+                            </p:stCondLst>
+                            <p:childTnLst>
+                              <p:par>
+                                <p:cTn id="10" presetID="14" presetClass="entr" presetSubtype="10" fill="hold" nodeType="clickEffect">
+                                  <p:stCondLst>
+                                    <p:cond delay="0"/>
+                                  </p:stCondLst>
+                                  <p:childTnLst>
+                                    <p:set>
+                                      <p:cBhvr>
+                                        <p:cTn id="11" dur="1" fill="hold">
+                                          <p:stCondLst>
+                                            <p:cond delay="0"/>
+                                          </p:stCondLst>
+                                        </p:cTn>
+                                        <p:tgtEl>
+                                          <p:spTgt spid="4"/>
+                                        </p:tgtEl>
+                                        <p:attrNameLst>
+                                          <p:attrName>style.visibility</p:attrName>
+                                        </p:attrNameLst>
+                                      </p:cBhvr>
+                                      <p:to>
+                                        <p:strVal val="visible"/>
+                                      </p:to>
+                                    </p:set>
+                                    <p:animEffect transition="in" filter="randombar(horizontal)">
+                                      <p:cBhvr>
+                                        <p:cTn id="12" dur="500"/>
+                                        <p:tgtEl>
+                                          <p:spTgt spid="4"/>
+                                        </p:tgtEl>
+                                      </p:cBhvr>
+                                    </p:animEffect>
+                                  </p:childTnLst>
+                                </p:cTn>
+                              </p:par>
+                            </p:childTnLst>
+                          </p:cTn>
+                        </p:par>
+                      </p:childTnLst>
+                    </p:cTn>
+                  </p:par>
+                  <p:par>
+                    <p:cTn id="13" fill="hold">
+                      <p:stCondLst>
+                        <p:cond delay="indefinite"/>
+                      </p:stCondLst>
+                      <p:childTnLst>
+                        <p:par>
+                          <p:cTn id="14" fill="hold">
+                            <p:stCondLst>
+                              <p:cond delay="0"/>
+                            </p:stCondLst>
+                            <p:childTnLst>
+                              <p:par>
+                                <p:cTn id="15" presetID="14" presetClass="entr" presetSubtype="10" fill="hold" nodeType="clickEffect">
+                                  <p:stCondLst>
+                                    <p:cond delay="0"/>
+                                  </p:stCondLst>
+                                  <p:childTnLst>
+                                    <p:set>
+                                      <p:cBhvr>
+                                        <p:cTn id="16" dur="1" fill="hold">
+                                          <p:stCondLst>
+                                            <p:cond delay="0"/>
+                                          </p:stCondLst>
+                                        </p:cTn>
+                                        <p:tgtEl>
+                                          <p:spTgt spid="6"/>
+                                        </p:tgtEl>
+                                        <p:attrNameLst>
+                                          <p:attrName>style.visibility</p:attrName>
+                                        </p:attrNameLst>
+                                      </p:cBhvr>
+                                      <p:to>
+                                        <p:strVal val="visible"/>
+                                      </p:to>
+                                    </p:set>
+                                    <p:animEffect transition="in" filter="randombar(horizontal)">
+                                      <p:cBhvr>
+                                        <p:cTn id="17" dur="500"/>
+                                        <p:tgtEl>
+                                          <p:spTgt spid="6"/>
+                                        </p:tgtEl>
+                                      </p:cBhvr>
+                                    </p:animEffect>
+                                  </p:childTnLst>
+                                </p:cTn>
+                              </p:par>
+                            </p:childTnLst>
+                          </p:cTn>
+                        </p:par>
+                      </p:childTnLst>
+                    </p:cTn>
+                  </p:par>
+                </p:childTnLst>
+              </p:cTn>
+              <p:prevCondLst>
+                <p:cond evt="onPrev" delay="0">
+                  <p:tgtEl>
+                    <p:sldTgt/>
+                  </p:tgtEl>
+                </p:cond>
+              </p:prevCondLst>
+              <p:nextCondLst>
+                <p:cond evt="onNext" delay="0">
+                  <p:tgtEl>
+                    <p:sldTgt/>
+                  </p:tgtEl>
+                </p:cond>
+              </p:nextCondLst>
+            </p:seq>
+          </p:childTnLst>
+        </p:cTn>
+      </p:par>
+    </p:tnLst>
+    <p:bldLst>
+      <p:bldP spid="2" grpId="0"/>
+    </p:bldLst>
+  </p:timing>
 </p:sld>
 </file>
 
@@ -4228,6 +7884,784 @@
           <a:chExt cx="0" cy="0"/>
         </a:xfrm>
       </p:grpSpPr>
+      <p:sp>
+        <p:nvSpPr>
+          <p:cNvPr id="8" name="Rectangle 7">
+            <a:extLst>
+              <a:ext uri="{FF2B5EF4-FFF2-40B4-BE49-F238E27FC236}">
+                <a16:creationId xmlns:a16="http://schemas.microsoft.com/office/drawing/2014/main" id="{03E8462A-FEBA-4848-81CC-3F8DA3E477BE}"/>
+              </a:ext>
+              <a:ext uri="{C183D7F6-B498-43B3-948B-1728B52AA6E4}">
+                <adec:decorative xmlns:adec="http://schemas.microsoft.com/office/drawing/2017/decorative" val="1"/>
+              </a:ext>
+            </a:extLst>
+          </p:cNvPr>
+          <p:cNvSpPr>
+            <a:spLocks noGrp="1" noRot="1" noChangeAspect="1" noMove="1" noResize="1" noEditPoints="1" noAdjustHandles="1" noChangeArrowheads="1" noChangeShapeType="1" noTextEdit="1"/>
+          </p:cNvSpPr>
+          <p:nvPr>
+            <p:extLst>
+              <p:ext uri="{386F3935-93C4-4BCD-93E2-E3B085C9AB24}">
+                <p16:designElem xmlns:p16="http://schemas.microsoft.com/office/powerpoint/2015/main" val="1"/>
+              </p:ext>
+            </p:extLst>
+          </p:nvPr>
+        </p:nvSpPr>
+        <p:spPr>
+          <a:xfrm>
+            <a:off x="0" y="0"/>
+            <a:ext cx="12188952" cy="6858000"/>
+          </a:xfrm>
+          <a:prstGeom prst="rect">
+            <a:avLst/>
+          </a:prstGeom>
+          <a:solidFill>
+            <a:schemeClr val="accent2"/>
+          </a:solidFill>
+          <a:ln>
+            <a:noFill/>
+          </a:ln>
+        </p:spPr>
+        <p:style>
+          <a:lnRef idx="2">
+            <a:schemeClr val="accent1">
+              <a:shade val="50000"/>
+            </a:schemeClr>
+          </a:lnRef>
+          <a:fillRef idx="1">
+            <a:schemeClr val="accent1"/>
+          </a:fillRef>
+          <a:effectRef idx="0">
+            <a:schemeClr val="accent1"/>
+          </a:effectRef>
+          <a:fontRef idx="minor">
+            <a:schemeClr val="lt1"/>
+          </a:fontRef>
+        </p:style>
+        <p:txBody>
+          <a:bodyPr rtlCol="0" anchor="ctr"/>
+          <a:lstStyle/>
+          <a:p>
+            <a:pPr algn="ctr"/>
+            <a:endParaRPr lang="en-US"/>
+          </a:p>
+        </p:txBody>
+      </p:sp>
+      <p:grpSp>
+        <p:nvGrpSpPr>
+          <p:cNvPr id="10" name="Group 9">
+            <a:extLst>
+              <a:ext uri="{FF2B5EF4-FFF2-40B4-BE49-F238E27FC236}">
+                <a16:creationId xmlns:a16="http://schemas.microsoft.com/office/drawing/2014/main" id="{2109F83F-40FE-4DB3-84CC-09FB3340D06D}"/>
+              </a:ext>
+              <a:ext uri="{C183D7F6-B498-43B3-948B-1728B52AA6E4}">
+                <adec:decorative xmlns:adec="http://schemas.microsoft.com/office/drawing/2017/decorative" val="1"/>
+              </a:ext>
+            </a:extLst>
+          </p:cNvPr>
+          <p:cNvGrpSpPr>
+            <a:grpSpLocks noGrp="1" noUngrp="1" noRot="1" noChangeAspect="1" noMove="1" noResize="1"/>
+          </p:cNvGrpSpPr>
+          <p:nvPr>
+            <p:extLst>
+              <p:ext uri="{386F3935-93C4-4BCD-93E2-E3B085C9AB24}">
+                <p16:designElem xmlns:p16="http://schemas.microsoft.com/office/powerpoint/2015/main" val="1"/>
+              </p:ext>
+            </p:extLst>
+          </p:nvPr>
+        </p:nvGrpSpPr>
+        <p:grpSpPr>
+          <a:xfrm>
+            <a:off x="0" y="-8467"/>
+            <a:ext cx="12192000" cy="6866467"/>
+            <a:chOff x="0" y="-8467"/>
+            <a:chExt cx="12192000" cy="6866467"/>
+          </a:xfrm>
+        </p:grpSpPr>
+        <p:cxnSp>
+          <p:nvCxnSpPr>
+            <p:cNvPr id="11" name="Straight Connector 10">
+              <a:extLst>
+                <a:ext uri="{FF2B5EF4-FFF2-40B4-BE49-F238E27FC236}">
+                  <a16:creationId xmlns:a16="http://schemas.microsoft.com/office/drawing/2014/main" id="{1DE492D7-C3C3-48FF-80C8-37021EA0262F}"/>
+                </a:ext>
+                <a:ext uri="{C183D7F6-B498-43B3-948B-1728B52AA6E4}">
+                  <adec:decorative xmlns:adec="http://schemas.microsoft.com/office/drawing/2017/decorative" val="1"/>
+                </a:ext>
+              </a:extLst>
+            </p:cNvPr>
+            <p:cNvCxnSpPr/>
+            <p:nvPr>
+              <p:extLst>
+                <p:ext uri="{386F3935-93C4-4BCD-93E2-E3B085C9AB24}">
+                  <p16:designElem xmlns:p16="http://schemas.microsoft.com/office/powerpoint/2015/main" val="1"/>
+                </p:ext>
+              </p:extLst>
+            </p:nvPr>
+          </p:nvCxnSpPr>
+          <p:spPr>
+            <a:xfrm flipH="1">
+              <a:off x="7425267" y="3681413"/>
+              <a:ext cx="4763558" cy="3176587"/>
+            </a:xfrm>
+            <a:prstGeom prst="line">
+              <a:avLst/>
+            </a:prstGeom>
+            <a:ln w="9525">
+              <a:solidFill>
+                <a:schemeClr val="bg1">
+                  <a:lumMod val="85000"/>
+                </a:schemeClr>
+              </a:solidFill>
+            </a:ln>
+          </p:spPr>
+          <p:style>
+            <a:lnRef idx="2">
+              <a:schemeClr val="accent1"/>
+            </a:lnRef>
+            <a:fillRef idx="0">
+              <a:schemeClr val="accent1"/>
+            </a:fillRef>
+            <a:effectRef idx="1">
+              <a:schemeClr val="accent1"/>
+            </a:effectRef>
+            <a:fontRef idx="minor">
+              <a:schemeClr val="tx1"/>
+            </a:fontRef>
+          </p:style>
+        </p:cxnSp>
+        <p:sp>
+          <p:nvSpPr>
+            <p:cNvPr id="12" name="Rectangle 23">
+              <a:extLst>
+                <a:ext uri="{FF2B5EF4-FFF2-40B4-BE49-F238E27FC236}">
+                  <a16:creationId xmlns:a16="http://schemas.microsoft.com/office/drawing/2014/main" id="{0B30FF97-2E9A-490A-AED2-90BA2E0EC17F}"/>
+                </a:ext>
+                <a:ext uri="{C183D7F6-B498-43B3-948B-1728B52AA6E4}">
+                  <adec:decorative xmlns:adec="http://schemas.microsoft.com/office/drawing/2017/decorative" val="1"/>
+                </a:ext>
+              </a:extLst>
+            </p:cNvPr>
+            <p:cNvSpPr/>
+            <p:nvPr>
+              <p:extLst>
+                <p:ext uri="{386F3935-93C4-4BCD-93E2-E3B085C9AB24}">
+                  <p16:designElem xmlns:p16="http://schemas.microsoft.com/office/powerpoint/2015/main" val="1"/>
+                </p:ext>
+              </p:extLst>
+            </p:nvPr>
+          </p:nvSpPr>
+          <p:spPr>
+            <a:xfrm>
+              <a:off x="9181476" y="-8467"/>
+              <a:ext cx="3007349" cy="6866467"/>
+            </a:xfrm>
+            <a:custGeom>
+              <a:avLst/>
+              <a:gdLst/>
+              <a:ahLst/>
+              <a:cxnLst/>
+              <a:rect l="l" t="t" r="r" b="b"/>
+              <a:pathLst>
+                <a:path w="3007349" h="6866467">
+                  <a:moveTo>
+                    <a:pt x="2045532" y="0"/>
+                  </a:moveTo>
+                  <a:lnTo>
+                    <a:pt x="3007349" y="0"/>
+                  </a:lnTo>
+                  <a:lnTo>
+                    <a:pt x="3007349" y="6866467"/>
+                  </a:lnTo>
+                  <a:lnTo>
+                    <a:pt x="0" y="6866467"/>
+                  </a:lnTo>
+                  <a:lnTo>
+                    <a:pt x="2045532" y="0"/>
+                  </a:lnTo>
+                  <a:close/>
+                </a:path>
+              </a:pathLst>
+            </a:custGeom>
+            <a:solidFill>
+              <a:schemeClr val="accent1">
+                <a:alpha val="30000"/>
+              </a:schemeClr>
+            </a:solidFill>
+            <a:ln>
+              <a:noFill/>
+            </a:ln>
+            <a:effectLst/>
+          </p:spPr>
+          <p:style>
+            <a:lnRef idx="1">
+              <a:schemeClr val="accent1"/>
+            </a:lnRef>
+            <a:fillRef idx="3">
+              <a:schemeClr val="accent1"/>
+            </a:fillRef>
+            <a:effectRef idx="2">
+              <a:schemeClr val="accent1"/>
+            </a:effectRef>
+            <a:fontRef idx="minor">
+              <a:schemeClr val="lt1"/>
+            </a:fontRef>
+          </p:style>
+        </p:sp>
+        <p:sp>
+          <p:nvSpPr>
+            <p:cNvPr id="13" name="Rectangle 25">
+              <a:extLst>
+                <a:ext uri="{FF2B5EF4-FFF2-40B4-BE49-F238E27FC236}">
+                  <a16:creationId xmlns:a16="http://schemas.microsoft.com/office/drawing/2014/main" id="{B6D53C7D-A312-47B6-A66A-230A19CFACA6}"/>
+                </a:ext>
+                <a:ext uri="{C183D7F6-B498-43B3-948B-1728B52AA6E4}">
+                  <adec:decorative xmlns:adec="http://schemas.microsoft.com/office/drawing/2017/decorative" val="1"/>
+                </a:ext>
+              </a:extLst>
+            </p:cNvPr>
+            <p:cNvSpPr/>
+            <p:nvPr>
+              <p:extLst>
+                <p:ext uri="{386F3935-93C4-4BCD-93E2-E3B085C9AB24}">
+                  <p16:designElem xmlns:p16="http://schemas.microsoft.com/office/powerpoint/2015/main" val="1"/>
+                </p:ext>
+              </p:extLst>
+            </p:nvPr>
+          </p:nvSpPr>
+          <p:spPr>
+            <a:xfrm>
+              <a:off x="9603442" y="-8467"/>
+              <a:ext cx="2588558" cy="6866467"/>
+            </a:xfrm>
+            <a:custGeom>
+              <a:avLst/>
+              <a:gdLst/>
+              <a:ahLst/>
+              <a:cxnLst/>
+              <a:rect l="l" t="t" r="r" b="b"/>
+              <a:pathLst>
+                <a:path w="2573311" h="6866467">
+                  <a:moveTo>
+                    <a:pt x="0" y="0"/>
+                  </a:moveTo>
+                  <a:lnTo>
+                    <a:pt x="2573311" y="0"/>
+                  </a:lnTo>
+                  <a:lnTo>
+                    <a:pt x="2573311" y="6866467"/>
+                  </a:lnTo>
+                  <a:lnTo>
+                    <a:pt x="1202336" y="6866467"/>
+                  </a:lnTo>
+                  <a:lnTo>
+                    <a:pt x="0" y="0"/>
+                  </a:lnTo>
+                  <a:close/>
+                </a:path>
+              </a:pathLst>
+            </a:custGeom>
+            <a:solidFill>
+              <a:schemeClr val="accent1">
+                <a:alpha val="20000"/>
+              </a:schemeClr>
+            </a:solidFill>
+            <a:ln>
+              <a:noFill/>
+            </a:ln>
+            <a:effectLst/>
+          </p:spPr>
+          <p:style>
+            <a:lnRef idx="1">
+              <a:schemeClr val="accent1"/>
+            </a:lnRef>
+            <a:fillRef idx="3">
+              <a:schemeClr val="accent1"/>
+            </a:fillRef>
+            <a:effectRef idx="2">
+              <a:schemeClr val="accent1"/>
+            </a:effectRef>
+            <a:fontRef idx="minor">
+              <a:schemeClr val="lt1"/>
+            </a:fontRef>
+          </p:style>
+        </p:sp>
+        <p:sp>
+          <p:nvSpPr>
+            <p:cNvPr id="14" name="Isosceles Triangle 13">
+              <a:extLst>
+                <a:ext uri="{FF2B5EF4-FFF2-40B4-BE49-F238E27FC236}">
+                  <a16:creationId xmlns:a16="http://schemas.microsoft.com/office/drawing/2014/main" id="{9329D58C-0D2E-4A2B-AD6A-9CEE506784A8}"/>
+                </a:ext>
+                <a:ext uri="{C183D7F6-B498-43B3-948B-1728B52AA6E4}">
+                  <adec:decorative xmlns:adec="http://schemas.microsoft.com/office/drawing/2017/decorative" val="1"/>
+                </a:ext>
+              </a:extLst>
+            </p:cNvPr>
+            <p:cNvSpPr/>
+            <p:nvPr>
+              <p:extLst>
+                <p:ext uri="{386F3935-93C4-4BCD-93E2-E3B085C9AB24}">
+                  <p16:designElem xmlns:p16="http://schemas.microsoft.com/office/powerpoint/2015/main" val="1"/>
+                </p:ext>
+              </p:extLst>
+            </p:nvPr>
+          </p:nvSpPr>
+          <p:spPr>
+            <a:xfrm>
+              <a:off x="8932333" y="3048000"/>
+              <a:ext cx="3259667" cy="3810000"/>
+            </a:xfrm>
+            <a:prstGeom prst="triangle">
+              <a:avLst>
+                <a:gd name="adj" fmla="val 100000"/>
+              </a:avLst>
+            </a:prstGeom>
+            <a:solidFill>
+              <a:schemeClr val="accent2">
+                <a:alpha val="72000"/>
+              </a:schemeClr>
+            </a:solidFill>
+            <a:ln>
+              <a:noFill/>
+            </a:ln>
+            <a:effectLst/>
+          </p:spPr>
+          <p:style>
+            <a:lnRef idx="1">
+              <a:schemeClr val="accent1"/>
+            </a:lnRef>
+            <a:fillRef idx="3">
+              <a:schemeClr val="accent1"/>
+            </a:fillRef>
+            <a:effectRef idx="2">
+              <a:schemeClr val="accent1"/>
+            </a:effectRef>
+            <a:fontRef idx="minor">
+              <a:schemeClr val="lt1"/>
+            </a:fontRef>
+          </p:style>
+        </p:sp>
+        <p:sp>
+          <p:nvSpPr>
+            <p:cNvPr id="15" name="Rectangle 27">
+              <a:extLst>
+                <a:ext uri="{FF2B5EF4-FFF2-40B4-BE49-F238E27FC236}">
+                  <a16:creationId xmlns:a16="http://schemas.microsoft.com/office/drawing/2014/main" id="{9D446EDE-C690-4461-8BF2-7634808FC8B4}"/>
+                </a:ext>
+                <a:ext uri="{C183D7F6-B498-43B3-948B-1728B52AA6E4}">
+                  <adec:decorative xmlns:adec="http://schemas.microsoft.com/office/drawing/2017/decorative" val="1"/>
+                </a:ext>
+              </a:extLst>
+            </p:cNvPr>
+            <p:cNvSpPr/>
+            <p:nvPr>
+              <p:extLst>
+                <p:ext uri="{386F3935-93C4-4BCD-93E2-E3B085C9AB24}">
+                  <p16:designElem xmlns:p16="http://schemas.microsoft.com/office/powerpoint/2015/main" val="1"/>
+                </p:ext>
+              </p:extLst>
+            </p:nvPr>
+          </p:nvSpPr>
+          <p:spPr>
+            <a:xfrm>
+              <a:off x="9334500" y="-8467"/>
+              <a:ext cx="2854326" cy="6866467"/>
+            </a:xfrm>
+            <a:custGeom>
+              <a:avLst/>
+              <a:gdLst/>
+              <a:ahLst/>
+              <a:cxnLst/>
+              <a:rect l="l" t="t" r="r" b="b"/>
+              <a:pathLst>
+                <a:path w="2858013" h="6866467">
+                  <a:moveTo>
+                    <a:pt x="0" y="0"/>
+                  </a:moveTo>
+                  <a:lnTo>
+                    <a:pt x="2858013" y="0"/>
+                  </a:lnTo>
+                  <a:lnTo>
+                    <a:pt x="2858013" y="6866467"/>
+                  </a:lnTo>
+                  <a:lnTo>
+                    <a:pt x="2473942" y="6866467"/>
+                  </a:lnTo>
+                  <a:lnTo>
+                    <a:pt x="0" y="0"/>
+                  </a:lnTo>
+                  <a:close/>
+                </a:path>
+              </a:pathLst>
+            </a:custGeom>
+            <a:solidFill>
+              <a:schemeClr val="accent2">
+                <a:lumMod val="75000"/>
+                <a:alpha val="70000"/>
+              </a:schemeClr>
+            </a:solidFill>
+            <a:ln>
+              <a:noFill/>
+            </a:ln>
+            <a:effectLst/>
+          </p:spPr>
+          <p:style>
+            <a:lnRef idx="1">
+              <a:schemeClr val="accent1"/>
+            </a:lnRef>
+            <a:fillRef idx="3">
+              <a:schemeClr val="accent1"/>
+            </a:fillRef>
+            <a:effectRef idx="2">
+              <a:schemeClr val="accent1"/>
+            </a:effectRef>
+            <a:fontRef idx="minor">
+              <a:schemeClr val="lt1"/>
+            </a:fontRef>
+          </p:style>
+        </p:sp>
+        <p:sp>
+          <p:nvSpPr>
+            <p:cNvPr id="16" name="Rectangle 28">
+              <a:extLst>
+                <a:ext uri="{FF2B5EF4-FFF2-40B4-BE49-F238E27FC236}">
+                  <a16:creationId xmlns:a16="http://schemas.microsoft.com/office/drawing/2014/main" id="{323F3D34-6531-4AD7-A8C6-195A090281A1}"/>
+                </a:ext>
+                <a:ext uri="{C183D7F6-B498-43B3-948B-1728B52AA6E4}">
+                  <adec:decorative xmlns:adec="http://schemas.microsoft.com/office/drawing/2017/decorative" val="1"/>
+                </a:ext>
+              </a:extLst>
+            </p:cNvPr>
+            <p:cNvSpPr/>
+            <p:nvPr>
+              <p:extLst>
+                <p:ext uri="{386F3935-93C4-4BCD-93E2-E3B085C9AB24}">
+                  <p16:designElem xmlns:p16="http://schemas.microsoft.com/office/powerpoint/2015/main" val="1"/>
+                </p:ext>
+              </p:extLst>
+            </p:nvPr>
+          </p:nvSpPr>
+          <p:spPr>
+            <a:xfrm>
+              <a:off x="10898730" y="-8467"/>
+              <a:ext cx="1290094" cy="6866467"/>
+            </a:xfrm>
+            <a:custGeom>
+              <a:avLst/>
+              <a:gdLst/>
+              <a:ahLst/>
+              <a:cxnLst/>
+              <a:rect l="l" t="t" r="r" b="b"/>
+              <a:pathLst>
+                <a:path w="1290094" h="6858000">
+                  <a:moveTo>
+                    <a:pt x="1019735" y="0"/>
+                  </a:moveTo>
+                  <a:lnTo>
+                    <a:pt x="1290094" y="0"/>
+                  </a:lnTo>
+                  <a:lnTo>
+                    <a:pt x="1290094" y="6858000"/>
+                  </a:lnTo>
+                  <a:lnTo>
+                    <a:pt x="0" y="6858000"/>
+                  </a:lnTo>
+                  <a:lnTo>
+                    <a:pt x="1019735" y="0"/>
+                  </a:lnTo>
+                  <a:close/>
+                </a:path>
+              </a:pathLst>
+            </a:custGeom>
+            <a:solidFill>
+              <a:schemeClr val="accent1">
+                <a:lumMod val="60000"/>
+                <a:lumOff val="40000"/>
+                <a:alpha val="70000"/>
+              </a:schemeClr>
+            </a:solidFill>
+            <a:ln>
+              <a:noFill/>
+            </a:ln>
+            <a:effectLst/>
+          </p:spPr>
+          <p:style>
+            <a:lnRef idx="1">
+              <a:schemeClr val="accent1"/>
+            </a:lnRef>
+            <a:fillRef idx="3">
+              <a:schemeClr val="accent1"/>
+            </a:fillRef>
+            <a:effectRef idx="2">
+              <a:schemeClr val="accent1"/>
+            </a:effectRef>
+            <a:fontRef idx="minor">
+              <a:schemeClr val="lt1"/>
+            </a:fontRef>
+          </p:style>
+        </p:sp>
+        <p:sp>
+          <p:nvSpPr>
+            <p:cNvPr id="17" name="Rectangle 29">
+              <a:extLst>
+                <a:ext uri="{FF2B5EF4-FFF2-40B4-BE49-F238E27FC236}">
+                  <a16:creationId xmlns:a16="http://schemas.microsoft.com/office/drawing/2014/main" id="{B9B0AE3F-2350-435F-A9B0-C310BF876385}"/>
+                </a:ext>
+                <a:ext uri="{C183D7F6-B498-43B3-948B-1728B52AA6E4}">
+                  <adec:decorative xmlns:adec="http://schemas.microsoft.com/office/drawing/2017/decorative" val="1"/>
+                </a:ext>
+              </a:extLst>
+            </p:cNvPr>
+            <p:cNvSpPr/>
+            <p:nvPr>
+              <p:extLst>
+                <p:ext uri="{386F3935-93C4-4BCD-93E2-E3B085C9AB24}">
+                  <p16:designElem xmlns:p16="http://schemas.microsoft.com/office/powerpoint/2015/main" val="1"/>
+                </p:ext>
+              </p:extLst>
+            </p:nvPr>
+          </p:nvSpPr>
+          <p:spPr>
+            <a:xfrm>
+              <a:off x="10938999" y="-8467"/>
+              <a:ext cx="1249825" cy="6866467"/>
+            </a:xfrm>
+            <a:custGeom>
+              <a:avLst/>
+              <a:gdLst/>
+              <a:ahLst/>
+              <a:cxnLst/>
+              <a:rect l="l" t="t" r="r" b="b"/>
+              <a:pathLst>
+                <a:path w="1249825" h="6858000">
+                  <a:moveTo>
+                    <a:pt x="0" y="0"/>
+                  </a:moveTo>
+                  <a:lnTo>
+                    <a:pt x="1249825" y="0"/>
+                  </a:lnTo>
+                  <a:lnTo>
+                    <a:pt x="1249825" y="6858000"/>
+                  </a:lnTo>
+                  <a:lnTo>
+                    <a:pt x="1109382" y="6858000"/>
+                  </a:lnTo>
+                  <a:lnTo>
+                    <a:pt x="0" y="0"/>
+                  </a:lnTo>
+                  <a:close/>
+                </a:path>
+              </a:pathLst>
+            </a:custGeom>
+            <a:solidFill>
+              <a:schemeClr val="accent1">
+                <a:alpha val="65000"/>
+              </a:schemeClr>
+            </a:solidFill>
+            <a:ln>
+              <a:noFill/>
+            </a:ln>
+            <a:effectLst/>
+          </p:spPr>
+          <p:style>
+            <a:lnRef idx="1">
+              <a:schemeClr val="accent1"/>
+            </a:lnRef>
+            <a:fillRef idx="3">
+              <a:schemeClr val="accent1"/>
+            </a:fillRef>
+            <a:effectRef idx="2">
+              <a:schemeClr val="accent1"/>
+            </a:effectRef>
+            <a:fontRef idx="minor">
+              <a:schemeClr val="lt1"/>
+            </a:fontRef>
+          </p:style>
+        </p:sp>
+        <p:sp>
+          <p:nvSpPr>
+            <p:cNvPr id="18" name="Isosceles Triangle 17">
+              <a:extLst>
+                <a:ext uri="{FF2B5EF4-FFF2-40B4-BE49-F238E27FC236}">
+                  <a16:creationId xmlns:a16="http://schemas.microsoft.com/office/drawing/2014/main" id="{4EFA655C-9E50-4C14-A89E-AD7B648E4E2B}"/>
+                </a:ext>
+                <a:ext uri="{C183D7F6-B498-43B3-948B-1728B52AA6E4}">
+                  <adec:decorative xmlns:adec="http://schemas.microsoft.com/office/drawing/2017/decorative" val="1"/>
+                </a:ext>
+              </a:extLst>
+            </p:cNvPr>
+            <p:cNvSpPr/>
+            <p:nvPr>
+              <p:extLst>
+                <p:ext uri="{386F3935-93C4-4BCD-93E2-E3B085C9AB24}">
+                  <p16:designElem xmlns:p16="http://schemas.microsoft.com/office/powerpoint/2015/main" val="1"/>
+                </p:ext>
+              </p:extLst>
+            </p:nvPr>
+          </p:nvSpPr>
+          <p:spPr>
+            <a:xfrm>
+              <a:off x="10371666" y="3589867"/>
+              <a:ext cx="1817159" cy="3268133"/>
+            </a:xfrm>
+            <a:prstGeom prst="triangle">
+              <a:avLst>
+                <a:gd name="adj" fmla="val 100000"/>
+              </a:avLst>
+            </a:prstGeom>
+            <a:solidFill>
+              <a:schemeClr val="accent1">
+                <a:alpha val="80000"/>
+              </a:schemeClr>
+            </a:solidFill>
+            <a:ln>
+              <a:noFill/>
+            </a:ln>
+            <a:effectLst/>
+          </p:spPr>
+          <p:style>
+            <a:lnRef idx="1">
+              <a:schemeClr val="accent1"/>
+            </a:lnRef>
+            <a:fillRef idx="3">
+              <a:schemeClr val="accent1"/>
+            </a:fillRef>
+            <a:effectRef idx="2">
+              <a:schemeClr val="accent1"/>
+            </a:effectRef>
+            <a:fontRef idx="minor">
+              <a:schemeClr val="lt1"/>
+            </a:fontRef>
+          </p:style>
+        </p:sp>
+        <p:sp>
+          <p:nvSpPr>
+            <p:cNvPr id="19" name="Isosceles Triangle 18">
+              <a:extLst>
+                <a:ext uri="{FF2B5EF4-FFF2-40B4-BE49-F238E27FC236}">
+                  <a16:creationId xmlns:a16="http://schemas.microsoft.com/office/drawing/2014/main" id="{3E843863-7D25-4C01-9A17-E817CB6D998A}"/>
+                </a:ext>
+                <a:ext uri="{C183D7F6-B498-43B3-948B-1728B52AA6E4}">
+                  <adec:decorative xmlns:adec="http://schemas.microsoft.com/office/drawing/2017/decorative" val="1"/>
+                </a:ext>
+              </a:extLst>
+            </p:cNvPr>
+            <p:cNvSpPr/>
+            <p:nvPr>
+              <p:extLst>
+                <p:ext uri="{386F3935-93C4-4BCD-93E2-E3B085C9AB24}">
+                  <p16:designElem xmlns:p16="http://schemas.microsoft.com/office/powerpoint/2015/main" val="1"/>
+                </p:ext>
+              </p:extLst>
+            </p:nvPr>
+          </p:nvSpPr>
+          <p:spPr>
+            <a:xfrm>
+              <a:off x="0" y="4013200"/>
+              <a:ext cx="448733" cy="2844800"/>
+            </a:xfrm>
+            <a:prstGeom prst="triangle">
+              <a:avLst>
+                <a:gd name="adj" fmla="val 0"/>
+              </a:avLst>
+            </a:prstGeom>
+            <a:solidFill>
+              <a:schemeClr val="accent1">
+                <a:alpha val="85000"/>
+              </a:schemeClr>
+            </a:solidFill>
+            <a:ln>
+              <a:noFill/>
+            </a:ln>
+            <a:effectLst/>
+          </p:spPr>
+          <p:style>
+            <a:lnRef idx="1">
+              <a:schemeClr val="accent1"/>
+            </a:lnRef>
+            <a:fillRef idx="3">
+              <a:schemeClr val="accent1"/>
+            </a:fillRef>
+            <a:effectRef idx="2">
+              <a:schemeClr val="accent1"/>
+            </a:effectRef>
+            <a:fontRef idx="minor">
+              <a:schemeClr val="lt1"/>
+            </a:fontRef>
+          </p:style>
+        </p:sp>
+      </p:grpSp>
+      <p:sp>
+        <p:nvSpPr>
+          <p:cNvPr id="21" name="Rectangle 20">
+            <a:extLst>
+              <a:ext uri="{FF2B5EF4-FFF2-40B4-BE49-F238E27FC236}">
+                <a16:creationId xmlns:a16="http://schemas.microsoft.com/office/drawing/2014/main" id="{7941F9B1-B01B-4A84-89D9-B169AEB4E456}"/>
+              </a:ext>
+              <a:ext uri="{C183D7F6-B498-43B3-948B-1728B52AA6E4}">
+                <adec:decorative xmlns:adec="http://schemas.microsoft.com/office/drawing/2017/decorative" val="1"/>
+              </a:ext>
+            </a:extLst>
+          </p:cNvPr>
+          <p:cNvSpPr>
+            <a:spLocks noGrp="1" noRot="1" noChangeAspect="1" noMove="1" noResize="1" noEditPoints="1" noAdjustHandles="1" noChangeArrowheads="1" noChangeShapeType="1" noTextEdit="1"/>
+          </p:cNvSpPr>
+          <p:nvPr>
+            <p:extLst>
+              <p:ext uri="{386F3935-93C4-4BCD-93E2-E3B085C9AB24}">
+                <p16:designElem xmlns:p16="http://schemas.microsoft.com/office/powerpoint/2015/main" val="1"/>
+              </p:ext>
+            </p:extLst>
+          </p:nvPr>
+        </p:nvSpPr>
+        <p:spPr>
+          <a:xfrm>
+            <a:off x="477012" y="480060"/>
+            <a:ext cx="11237976" cy="5897880"/>
+          </a:xfrm>
+          <a:prstGeom prst="rect">
+            <a:avLst/>
+          </a:prstGeom>
+          <a:solidFill>
+            <a:srgbClr val="FFFFFF"/>
+          </a:solidFill>
+          <a:ln w="9525">
+            <a:noFill/>
+          </a:ln>
+          <a:effectLst>
+            <a:outerShdw blurRad="63500" dist="17780" dir="5400000" algn="t" rotWithShape="0">
+              <a:prstClr val="black">
+                <a:alpha val="43000"/>
+              </a:prstClr>
+            </a:outerShdw>
+          </a:effectLst>
+        </p:spPr>
+        <p:style>
+          <a:lnRef idx="2">
+            <a:schemeClr val="accent1">
+              <a:shade val="50000"/>
+            </a:schemeClr>
+          </a:lnRef>
+          <a:fillRef idx="1">
+            <a:schemeClr val="accent1"/>
+          </a:fillRef>
+          <a:effectRef idx="0">
+            <a:schemeClr val="accent1"/>
+          </a:effectRef>
+          <a:fontRef idx="minor">
+            <a:schemeClr val="lt1"/>
+          </a:fontRef>
+        </p:style>
+        <p:txBody>
+          <a:bodyPr rtlCol="0" anchor="ctr"/>
+          <a:lstStyle/>
+          <a:p>
+            <a:pPr algn="ctr"/>
+            <a:endParaRPr lang="en-US"/>
+          </a:p>
+        </p:txBody>
+      </p:sp>
       <p:pic>
         <p:nvPicPr>
           <p:cNvPr id="3" name="Picture 2" descr="A screenshot of a computer&#10;&#10;Description automatically generated">
@@ -4250,8 +8684,8 @@
         </p:blipFill>
         <p:spPr>
           <a:xfrm>
-            <a:off x="601720" y="417434"/>
-            <a:ext cx="10843692" cy="5801377"/>
+            <a:off x="1806859" y="1131994"/>
+            <a:ext cx="8580159" cy="4590386"/>
           </a:xfrm>
           <a:prstGeom prst="rect">
             <a:avLst/>
@@ -4268,12 +8702,103 @@
   <p:clrMapOvr>
     <a:masterClrMapping/>
   </p:clrMapOvr>
+  <p:timing>
+    <p:tnLst>
+      <p:par>
+        <p:cTn id="1" dur="indefinite" restart="never" nodeType="tmRoot">
+          <p:childTnLst>
+            <p:seq concurrent="1" nextAc="seek">
+              <p:cTn id="2" dur="indefinite" nodeType="mainSeq">
+                <p:childTnLst>
+                  <p:par>
+                    <p:cTn id="3" fill="hold">
+                      <p:stCondLst>
+                        <p:cond delay="indefinite"/>
+                      </p:stCondLst>
+                      <p:childTnLst>
+                        <p:par>
+                          <p:cTn id="4" fill="hold">
+                            <p:stCondLst>
+                              <p:cond delay="0"/>
+                            </p:stCondLst>
+                            <p:childTnLst>
+                              <p:par>
+                                <p:cTn id="5" presetID="14" presetClass="entr" presetSubtype="10" fill="hold" nodeType="clickEffect">
+                                  <p:stCondLst>
+                                    <p:cond delay="0"/>
+                                  </p:stCondLst>
+                                  <p:childTnLst>
+                                    <p:set>
+                                      <p:cBhvr>
+                                        <p:cTn id="6" dur="1" fill="hold">
+                                          <p:stCondLst>
+                                            <p:cond delay="0"/>
+                                          </p:stCondLst>
+                                        </p:cTn>
+                                        <p:tgtEl>
+                                          <p:spTgt spid="3"/>
+                                        </p:tgtEl>
+                                        <p:attrNameLst>
+                                          <p:attrName>style.visibility</p:attrName>
+                                        </p:attrNameLst>
+                                      </p:cBhvr>
+                                      <p:to>
+                                        <p:strVal val="visible"/>
+                                      </p:to>
+                                    </p:set>
+                                    <p:animEffect transition="in" filter="randombar(horizontal)">
+                                      <p:cBhvr>
+                                        <p:cTn id="7" dur="500"/>
+                                        <p:tgtEl>
+                                          <p:spTgt spid="3"/>
+                                        </p:tgtEl>
+                                      </p:cBhvr>
+                                    </p:animEffect>
+                                  </p:childTnLst>
+                                </p:cTn>
+                              </p:par>
+                            </p:childTnLst>
+                          </p:cTn>
+                        </p:par>
+                      </p:childTnLst>
+                    </p:cTn>
+                  </p:par>
+                </p:childTnLst>
+              </p:cTn>
+              <p:prevCondLst>
+                <p:cond evt="onPrev" delay="0">
+                  <p:tgtEl>
+                    <p:sldTgt/>
+                  </p:tgtEl>
+                </p:cond>
+              </p:prevCondLst>
+              <p:nextCondLst>
+                <p:cond evt="onNext" delay="0">
+                  <p:tgtEl>
+                    <p:sldTgt/>
+                  </p:tgtEl>
+                </p:cond>
+              </p:nextCondLst>
+            </p:seq>
+          </p:childTnLst>
+        </p:cTn>
+      </p:par>
+    </p:tnLst>
+  </p:timing>
 </p:sld>
 </file>
 
 <file path=ppt/slides/slide7.xml><?xml version="1.0" encoding="utf-8"?>
 <p:sld xmlns:a="http://schemas.openxmlformats.org/drawingml/2006/main" xmlns:r="http://schemas.openxmlformats.org/officeDocument/2006/relationships" xmlns:p="http://schemas.openxmlformats.org/presentationml/2006/main">
   <p:cSld>
+    <p:bg>
+      <p:bgPr>
+        <a:solidFill>
+          <a:schemeClr val="bg1"/>
+        </a:solidFill>
+        <a:effectLst/>
+      </p:bgPr>
+    </p:bg>
     <p:spTree>
       <p:nvGrpSpPr>
         <p:cNvPr id="1" name=""/>
@@ -4288,6 +8813,1248 @@
           <a:chExt cx="0" cy="0"/>
         </a:xfrm>
       </p:grpSpPr>
+      <p:grpSp>
+        <p:nvGrpSpPr>
+          <p:cNvPr id="31" name="Group 6">
+            <a:extLst>
+              <a:ext uri="{FF2B5EF4-FFF2-40B4-BE49-F238E27FC236}">
+                <a16:creationId xmlns:a16="http://schemas.microsoft.com/office/drawing/2014/main" id="{28460BD8-AE3F-4AC9-9D0B-717052AA5D3A}"/>
+              </a:ext>
+              <a:ext uri="{C183D7F6-B498-43B3-948B-1728B52AA6E4}">
+                <adec:decorative xmlns:adec="http://schemas.microsoft.com/office/drawing/2017/decorative" val="1"/>
+              </a:ext>
+            </a:extLst>
+          </p:cNvPr>
+          <p:cNvGrpSpPr>
+            <a:grpSpLocks noGrp="1" noUngrp="1" noRot="1" noChangeAspect="1" noMove="1" noResize="1"/>
+          </p:cNvGrpSpPr>
+          <p:nvPr>
+            <p:extLst>
+              <p:ext uri="{386F3935-93C4-4BCD-93E2-E3B085C9AB24}">
+                <p16:designElem xmlns:p16="http://schemas.microsoft.com/office/powerpoint/2015/main" val="1"/>
+              </p:ext>
+            </p:extLst>
+          </p:nvPr>
+        </p:nvGrpSpPr>
+        <p:grpSpPr>
+          <a:xfrm>
+            <a:off x="0" y="-8467"/>
+            <a:ext cx="12192000" cy="6866467"/>
+            <a:chOff x="0" y="-8467"/>
+            <a:chExt cx="12192000" cy="6866467"/>
+          </a:xfrm>
+        </p:grpSpPr>
+        <p:cxnSp>
+          <p:nvCxnSpPr>
+            <p:cNvPr id="8" name="Straight Connector 7">
+              <a:extLst>
+                <a:ext uri="{FF2B5EF4-FFF2-40B4-BE49-F238E27FC236}">
+                  <a16:creationId xmlns:a16="http://schemas.microsoft.com/office/drawing/2014/main" id="{54420CFE-F482-466E-9E1E-C78513C0B85D}"/>
+                </a:ext>
+                <a:ext uri="{C183D7F6-B498-43B3-948B-1728B52AA6E4}">
+                  <adec:decorative xmlns:adec="http://schemas.microsoft.com/office/drawing/2017/decorative" val="1"/>
+                </a:ext>
+              </a:extLst>
+            </p:cNvPr>
+            <p:cNvCxnSpPr/>
+            <p:nvPr>
+              <p:extLst>
+                <p:ext uri="{386F3935-93C4-4BCD-93E2-E3B085C9AB24}">
+                  <p16:designElem xmlns:p16="http://schemas.microsoft.com/office/powerpoint/2015/main" val="1"/>
+                </p:ext>
+              </p:extLst>
+            </p:nvPr>
+          </p:nvCxnSpPr>
+          <p:spPr>
+            <a:xfrm>
+              <a:off x="9371012" y="0"/>
+              <a:ext cx="1219200" cy="6858000"/>
+            </a:xfrm>
+            <a:prstGeom prst="line">
+              <a:avLst/>
+            </a:prstGeom>
+            <a:ln w="9525">
+              <a:solidFill>
+                <a:schemeClr val="bg1">
+                  <a:lumMod val="75000"/>
+                </a:schemeClr>
+              </a:solidFill>
+            </a:ln>
+          </p:spPr>
+          <p:style>
+            <a:lnRef idx="2">
+              <a:schemeClr val="accent1"/>
+            </a:lnRef>
+            <a:fillRef idx="0">
+              <a:schemeClr val="accent1"/>
+            </a:fillRef>
+            <a:effectRef idx="1">
+              <a:schemeClr val="accent1"/>
+            </a:effectRef>
+            <a:fontRef idx="minor">
+              <a:schemeClr val="tx1"/>
+            </a:fontRef>
+          </p:style>
+        </p:cxnSp>
+        <p:cxnSp>
+          <p:nvCxnSpPr>
+            <p:cNvPr id="9" name="Straight Connector 8">
+              <a:extLst>
+                <a:ext uri="{FF2B5EF4-FFF2-40B4-BE49-F238E27FC236}">
+                  <a16:creationId xmlns:a16="http://schemas.microsoft.com/office/drawing/2014/main" id="{5331032B-BD21-4BDA-920C-12E358052567}"/>
+                </a:ext>
+                <a:ext uri="{C183D7F6-B498-43B3-948B-1728B52AA6E4}">
+                  <adec:decorative xmlns:adec="http://schemas.microsoft.com/office/drawing/2017/decorative" val="1"/>
+                </a:ext>
+              </a:extLst>
+            </p:cNvPr>
+            <p:cNvCxnSpPr/>
+            <p:nvPr>
+              <p:extLst>
+                <p:ext uri="{386F3935-93C4-4BCD-93E2-E3B085C9AB24}">
+                  <p16:designElem xmlns:p16="http://schemas.microsoft.com/office/powerpoint/2015/main" val="1"/>
+                </p:ext>
+              </p:extLst>
+            </p:nvPr>
+          </p:nvCxnSpPr>
+          <p:spPr>
+            <a:xfrm flipH="1">
+              <a:off x="7425267" y="3681413"/>
+              <a:ext cx="4763558" cy="3176587"/>
+            </a:xfrm>
+            <a:prstGeom prst="line">
+              <a:avLst/>
+            </a:prstGeom>
+            <a:ln w="9525">
+              <a:solidFill>
+                <a:schemeClr val="bg1">
+                  <a:lumMod val="85000"/>
+                </a:schemeClr>
+              </a:solidFill>
+            </a:ln>
+          </p:spPr>
+          <p:style>
+            <a:lnRef idx="2">
+              <a:schemeClr val="accent1"/>
+            </a:lnRef>
+            <a:fillRef idx="0">
+              <a:schemeClr val="accent1"/>
+            </a:fillRef>
+            <a:effectRef idx="1">
+              <a:schemeClr val="accent1"/>
+            </a:effectRef>
+            <a:fontRef idx="minor">
+              <a:schemeClr val="tx1"/>
+            </a:fontRef>
+          </p:style>
+        </p:cxnSp>
+        <p:sp>
+          <p:nvSpPr>
+            <p:cNvPr id="10" name="Rectangle 23">
+              <a:extLst>
+                <a:ext uri="{FF2B5EF4-FFF2-40B4-BE49-F238E27FC236}">
+                  <a16:creationId xmlns:a16="http://schemas.microsoft.com/office/drawing/2014/main" id="{E7514DA3-59E7-409E-8A3B-AD097F6E5644}"/>
+                </a:ext>
+                <a:ext uri="{C183D7F6-B498-43B3-948B-1728B52AA6E4}">
+                  <adec:decorative xmlns:adec="http://schemas.microsoft.com/office/drawing/2017/decorative" val="1"/>
+                </a:ext>
+              </a:extLst>
+            </p:cNvPr>
+            <p:cNvSpPr/>
+            <p:nvPr>
+              <p:extLst>
+                <p:ext uri="{386F3935-93C4-4BCD-93E2-E3B085C9AB24}">
+                  <p16:designElem xmlns:p16="http://schemas.microsoft.com/office/powerpoint/2015/main" val="1"/>
+                </p:ext>
+              </p:extLst>
+            </p:nvPr>
+          </p:nvSpPr>
+          <p:spPr>
+            <a:xfrm>
+              <a:off x="9181476" y="-8467"/>
+              <a:ext cx="3007349" cy="6866467"/>
+            </a:xfrm>
+            <a:custGeom>
+              <a:avLst/>
+              <a:gdLst/>
+              <a:ahLst/>
+              <a:cxnLst/>
+              <a:rect l="l" t="t" r="r" b="b"/>
+              <a:pathLst>
+                <a:path w="3007349" h="6866467">
+                  <a:moveTo>
+                    <a:pt x="2045532" y="0"/>
+                  </a:moveTo>
+                  <a:lnTo>
+                    <a:pt x="3007349" y="0"/>
+                  </a:lnTo>
+                  <a:lnTo>
+                    <a:pt x="3007349" y="6866467"/>
+                  </a:lnTo>
+                  <a:lnTo>
+                    <a:pt x="0" y="6866467"/>
+                  </a:lnTo>
+                  <a:lnTo>
+                    <a:pt x="2045532" y="0"/>
+                  </a:lnTo>
+                  <a:close/>
+                </a:path>
+              </a:pathLst>
+            </a:custGeom>
+            <a:solidFill>
+              <a:schemeClr val="accent1">
+                <a:alpha val="30000"/>
+              </a:schemeClr>
+            </a:solidFill>
+            <a:ln>
+              <a:noFill/>
+            </a:ln>
+            <a:effectLst/>
+          </p:spPr>
+          <p:style>
+            <a:lnRef idx="1">
+              <a:schemeClr val="accent1"/>
+            </a:lnRef>
+            <a:fillRef idx="3">
+              <a:schemeClr val="accent1"/>
+            </a:fillRef>
+            <a:effectRef idx="2">
+              <a:schemeClr val="accent1"/>
+            </a:effectRef>
+            <a:fontRef idx="minor">
+              <a:schemeClr val="lt1"/>
+            </a:fontRef>
+          </p:style>
+        </p:sp>
+        <p:sp>
+          <p:nvSpPr>
+            <p:cNvPr id="11" name="Rectangle 25">
+              <a:extLst>
+                <a:ext uri="{FF2B5EF4-FFF2-40B4-BE49-F238E27FC236}">
+                  <a16:creationId xmlns:a16="http://schemas.microsoft.com/office/drawing/2014/main" id="{57B9A2A6-3BE4-4599-9364-F71C5BFD61F8}"/>
+                </a:ext>
+                <a:ext uri="{C183D7F6-B498-43B3-948B-1728B52AA6E4}">
+                  <adec:decorative xmlns:adec="http://schemas.microsoft.com/office/drawing/2017/decorative" val="1"/>
+                </a:ext>
+              </a:extLst>
+            </p:cNvPr>
+            <p:cNvSpPr/>
+            <p:nvPr>
+              <p:extLst>
+                <p:ext uri="{386F3935-93C4-4BCD-93E2-E3B085C9AB24}">
+                  <p16:designElem xmlns:p16="http://schemas.microsoft.com/office/powerpoint/2015/main" val="1"/>
+                </p:ext>
+              </p:extLst>
+            </p:nvPr>
+          </p:nvSpPr>
+          <p:spPr>
+            <a:xfrm>
+              <a:off x="9603442" y="-8467"/>
+              <a:ext cx="2588558" cy="6866467"/>
+            </a:xfrm>
+            <a:custGeom>
+              <a:avLst/>
+              <a:gdLst/>
+              <a:ahLst/>
+              <a:cxnLst/>
+              <a:rect l="l" t="t" r="r" b="b"/>
+              <a:pathLst>
+                <a:path w="2573311" h="6866467">
+                  <a:moveTo>
+                    <a:pt x="0" y="0"/>
+                  </a:moveTo>
+                  <a:lnTo>
+                    <a:pt x="2573311" y="0"/>
+                  </a:lnTo>
+                  <a:lnTo>
+                    <a:pt x="2573311" y="6866467"/>
+                  </a:lnTo>
+                  <a:lnTo>
+                    <a:pt x="1202336" y="6866467"/>
+                  </a:lnTo>
+                  <a:lnTo>
+                    <a:pt x="0" y="0"/>
+                  </a:lnTo>
+                  <a:close/>
+                </a:path>
+              </a:pathLst>
+            </a:custGeom>
+            <a:solidFill>
+              <a:schemeClr val="accent1">
+                <a:alpha val="20000"/>
+              </a:schemeClr>
+            </a:solidFill>
+            <a:ln>
+              <a:noFill/>
+            </a:ln>
+            <a:effectLst/>
+          </p:spPr>
+          <p:style>
+            <a:lnRef idx="1">
+              <a:schemeClr val="accent1"/>
+            </a:lnRef>
+            <a:fillRef idx="3">
+              <a:schemeClr val="accent1"/>
+            </a:fillRef>
+            <a:effectRef idx="2">
+              <a:schemeClr val="accent1"/>
+            </a:effectRef>
+            <a:fontRef idx="minor">
+              <a:schemeClr val="lt1"/>
+            </a:fontRef>
+          </p:style>
+        </p:sp>
+        <p:sp>
+          <p:nvSpPr>
+            <p:cNvPr id="12" name="Isosceles Triangle 11">
+              <a:extLst>
+                <a:ext uri="{FF2B5EF4-FFF2-40B4-BE49-F238E27FC236}">
+                  <a16:creationId xmlns:a16="http://schemas.microsoft.com/office/drawing/2014/main" id="{4FD744C6-4ED8-4BC9-BF68-6BDF701C5DB4}"/>
+                </a:ext>
+                <a:ext uri="{C183D7F6-B498-43B3-948B-1728B52AA6E4}">
+                  <adec:decorative xmlns:adec="http://schemas.microsoft.com/office/drawing/2017/decorative" val="1"/>
+                </a:ext>
+              </a:extLst>
+            </p:cNvPr>
+            <p:cNvSpPr/>
+            <p:nvPr>
+              <p:extLst>
+                <p:ext uri="{386F3935-93C4-4BCD-93E2-E3B085C9AB24}">
+                  <p16:designElem xmlns:p16="http://schemas.microsoft.com/office/powerpoint/2015/main" val="1"/>
+                </p:ext>
+              </p:extLst>
+            </p:nvPr>
+          </p:nvSpPr>
+          <p:spPr>
+            <a:xfrm>
+              <a:off x="8932333" y="3048000"/>
+              <a:ext cx="3259667" cy="3810000"/>
+            </a:xfrm>
+            <a:prstGeom prst="triangle">
+              <a:avLst>
+                <a:gd name="adj" fmla="val 100000"/>
+              </a:avLst>
+            </a:prstGeom>
+            <a:solidFill>
+              <a:schemeClr val="accent2">
+                <a:alpha val="72000"/>
+              </a:schemeClr>
+            </a:solidFill>
+            <a:ln>
+              <a:noFill/>
+            </a:ln>
+            <a:effectLst/>
+          </p:spPr>
+          <p:style>
+            <a:lnRef idx="1">
+              <a:schemeClr val="accent1"/>
+            </a:lnRef>
+            <a:fillRef idx="3">
+              <a:schemeClr val="accent1"/>
+            </a:fillRef>
+            <a:effectRef idx="2">
+              <a:schemeClr val="accent1"/>
+            </a:effectRef>
+            <a:fontRef idx="minor">
+              <a:schemeClr val="lt1"/>
+            </a:fontRef>
+          </p:style>
+        </p:sp>
+        <p:sp>
+          <p:nvSpPr>
+            <p:cNvPr id="13" name="Rectangle 27">
+              <a:extLst>
+                <a:ext uri="{FF2B5EF4-FFF2-40B4-BE49-F238E27FC236}">
+                  <a16:creationId xmlns:a16="http://schemas.microsoft.com/office/drawing/2014/main" id="{092C5BAD-C911-4F8F-A1C5-470268BE668B}"/>
+                </a:ext>
+                <a:ext uri="{C183D7F6-B498-43B3-948B-1728B52AA6E4}">
+                  <adec:decorative xmlns:adec="http://schemas.microsoft.com/office/drawing/2017/decorative" val="1"/>
+                </a:ext>
+              </a:extLst>
+            </p:cNvPr>
+            <p:cNvSpPr/>
+            <p:nvPr>
+              <p:extLst>
+                <p:ext uri="{386F3935-93C4-4BCD-93E2-E3B085C9AB24}">
+                  <p16:designElem xmlns:p16="http://schemas.microsoft.com/office/powerpoint/2015/main" val="1"/>
+                </p:ext>
+              </p:extLst>
+            </p:nvPr>
+          </p:nvSpPr>
+          <p:spPr>
+            <a:xfrm>
+              <a:off x="9334500" y="-8467"/>
+              <a:ext cx="2854326" cy="6866467"/>
+            </a:xfrm>
+            <a:custGeom>
+              <a:avLst/>
+              <a:gdLst/>
+              <a:ahLst/>
+              <a:cxnLst/>
+              <a:rect l="l" t="t" r="r" b="b"/>
+              <a:pathLst>
+                <a:path w="2858013" h="6866467">
+                  <a:moveTo>
+                    <a:pt x="0" y="0"/>
+                  </a:moveTo>
+                  <a:lnTo>
+                    <a:pt x="2858013" y="0"/>
+                  </a:lnTo>
+                  <a:lnTo>
+                    <a:pt x="2858013" y="6866467"/>
+                  </a:lnTo>
+                  <a:lnTo>
+                    <a:pt x="2473942" y="6866467"/>
+                  </a:lnTo>
+                  <a:lnTo>
+                    <a:pt x="0" y="0"/>
+                  </a:lnTo>
+                  <a:close/>
+                </a:path>
+              </a:pathLst>
+            </a:custGeom>
+            <a:solidFill>
+              <a:schemeClr val="accent2">
+                <a:lumMod val="75000"/>
+                <a:alpha val="70000"/>
+              </a:schemeClr>
+            </a:solidFill>
+            <a:ln>
+              <a:noFill/>
+            </a:ln>
+            <a:effectLst/>
+          </p:spPr>
+          <p:style>
+            <a:lnRef idx="1">
+              <a:schemeClr val="accent1"/>
+            </a:lnRef>
+            <a:fillRef idx="3">
+              <a:schemeClr val="accent1"/>
+            </a:fillRef>
+            <a:effectRef idx="2">
+              <a:schemeClr val="accent1"/>
+            </a:effectRef>
+            <a:fontRef idx="minor">
+              <a:schemeClr val="lt1"/>
+            </a:fontRef>
+          </p:style>
+        </p:sp>
+        <p:sp>
+          <p:nvSpPr>
+            <p:cNvPr id="14" name="Rectangle 28">
+              <a:extLst>
+                <a:ext uri="{FF2B5EF4-FFF2-40B4-BE49-F238E27FC236}">
+                  <a16:creationId xmlns:a16="http://schemas.microsoft.com/office/drawing/2014/main" id="{B133D0C8-4EC4-424F-8E70-0482D5B1B653}"/>
+                </a:ext>
+                <a:ext uri="{C183D7F6-B498-43B3-948B-1728B52AA6E4}">
+                  <adec:decorative xmlns:adec="http://schemas.microsoft.com/office/drawing/2017/decorative" val="1"/>
+                </a:ext>
+              </a:extLst>
+            </p:cNvPr>
+            <p:cNvSpPr/>
+            <p:nvPr>
+              <p:extLst>
+                <p:ext uri="{386F3935-93C4-4BCD-93E2-E3B085C9AB24}">
+                  <p16:designElem xmlns:p16="http://schemas.microsoft.com/office/powerpoint/2015/main" val="1"/>
+                </p:ext>
+              </p:extLst>
+            </p:nvPr>
+          </p:nvSpPr>
+          <p:spPr>
+            <a:xfrm>
+              <a:off x="10898730" y="-8467"/>
+              <a:ext cx="1290094" cy="6866467"/>
+            </a:xfrm>
+            <a:custGeom>
+              <a:avLst/>
+              <a:gdLst/>
+              <a:ahLst/>
+              <a:cxnLst/>
+              <a:rect l="l" t="t" r="r" b="b"/>
+              <a:pathLst>
+                <a:path w="1290094" h="6858000">
+                  <a:moveTo>
+                    <a:pt x="1019735" y="0"/>
+                  </a:moveTo>
+                  <a:lnTo>
+                    <a:pt x="1290094" y="0"/>
+                  </a:lnTo>
+                  <a:lnTo>
+                    <a:pt x="1290094" y="6858000"/>
+                  </a:lnTo>
+                  <a:lnTo>
+                    <a:pt x="0" y="6858000"/>
+                  </a:lnTo>
+                  <a:lnTo>
+                    <a:pt x="1019735" y="0"/>
+                  </a:lnTo>
+                  <a:close/>
+                </a:path>
+              </a:pathLst>
+            </a:custGeom>
+            <a:solidFill>
+              <a:schemeClr val="accent1">
+                <a:lumMod val="60000"/>
+                <a:lumOff val="40000"/>
+                <a:alpha val="70000"/>
+              </a:schemeClr>
+            </a:solidFill>
+            <a:ln>
+              <a:noFill/>
+            </a:ln>
+            <a:effectLst/>
+          </p:spPr>
+          <p:style>
+            <a:lnRef idx="1">
+              <a:schemeClr val="accent1"/>
+            </a:lnRef>
+            <a:fillRef idx="3">
+              <a:schemeClr val="accent1"/>
+            </a:fillRef>
+            <a:effectRef idx="2">
+              <a:schemeClr val="accent1"/>
+            </a:effectRef>
+            <a:fontRef idx="minor">
+              <a:schemeClr val="lt1"/>
+            </a:fontRef>
+          </p:style>
+        </p:sp>
+        <p:sp>
+          <p:nvSpPr>
+            <p:cNvPr id="15" name="Rectangle 29">
+              <a:extLst>
+                <a:ext uri="{FF2B5EF4-FFF2-40B4-BE49-F238E27FC236}">
+                  <a16:creationId xmlns:a16="http://schemas.microsoft.com/office/drawing/2014/main" id="{7B1532A0-F4B3-4DE8-B18F-740CAAD25AC4}"/>
+                </a:ext>
+                <a:ext uri="{C183D7F6-B498-43B3-948B-1728B52AA6E4}">
+                  <adec:decorative xmlns:adec="http://schemas.microsoft.com/office/drawing/2017/decorative" val="1"/>
+                </a:ext>
+              </a:extLst>
+            </p:cNvPr>
+            <p:cNvSpPr/>
+            <p:nvPr>
+              <p:extLst>
+                <p:ext uri="{386F3935-93C4-4BCD-93E2-E3B085C9AB24}">
+                  <p16:designElem xmlns:p16="http://schemas.microsoft.com/office/powerpoint/2015/main" val="1"/>
+                </p:ext>
+              </p:extLst>
+            </p:nvPr>
+          </p:nvSpPr>
+          <p:spPr>
+            <a:xfrm>
+              <a:off x="10938999" y="-8467"/>
+              <a:ext cx="1249825" cy="6866467"/>
+            </a:xfrm>
+            <a:custGeom>
+              <a:avLst/>
+              <a:gdLst/>
+              <a:ahLst/>
+              <a:cxnLst/>
+              <a:rect l="l" t="t" r="r" b="b"/>
+              <a:pathLst>
+                <a:path w="1249825" h="6858000">
+                  <a:moveTo>
+                    <a:pt x="0" y="0"/>
+                  </a:moveTo>
+                  <a:lnTo>
+                    <a:pt x="1249825" y="0"/>
+                  </a:lnTo>
+                  <a:lnTo>
+                    <a:pt x="1249825" y="6858000"/>
+                  </a:lnTo>
+                  <a:lnTo>
+                    <a:pt x="1109382" y="6858000"/>
+                  </a:lnTo>
+                  <a:lnTo>
+                    <a:pt x="0" y="0"/>
+                  </a:lnTo>
+                  <a:close/>
+                </a:path>
+              </a:pathLst>
+            </a:custGeom>
+            <a:solidFill>
+              <a:schemeClr val="accent1">
+                <a:alpha val="65000"/>
+              </a:schemeClr>
+            </a:solidFill>
+            <a:ln>
+              <a:noFill/>
+            </a:ln>
+            <a:effectLst/>
+          </p:spPr>
+          <p:style>
+            <a:lnRef idx="1">
+              <a:schemeClr val="accent1"/>
+            </a:lnRef>
+            <a:fillRef idx="3">
+              <a:schemeClr val="accent1"/>
+            </a:fillRef>
+            <a:effectRef idx="2">
+              <a:schemeClr val="accent1"/>
+            </a:effectRef>
+            <a:fontRef idx="minor">
+              <a:schemeClr val="lt1"/>
+            </a:fontRef>
+          </p:style>
+        </p:sp>
+        <p:sp>
+          <p:nvSpPr>
+            <p:cNvPr id="16" name="Isosceles Triangle 15">
+              <a:extLst>
+                <a:ext uri="{FF2B5EF4-FFF2-40B4-BE49-F238E27FC236}">
+                  <a16:creationId xmlns:a16="http://schemas.microsoft.com/office/drawing/2014/main" id="{8EFDD162-BBBA-4062-8BBF-53DBA1091374}"/>
+                </a:ext>
+                <a:ext uri="{C183D7F6-B498-43B3-948B-1728B52AA6E4}">
+                  <adec:decorative xmlns:adec="http://schemas.microsoft.com/office/drawing/2017/decorative" val="1"/>
+                </a:ext>
+              </a:extLst>
+            </p:cNvPr>
+            <p:cNvSpPr/>
+            <p:nvPr>
+              <p:extLst>
+                <p:ext uri="{386F3935-93C4-4BCD-93E2-E3B085C9AB24}">
+                  <p16:designElem xmlns:p16="http://schemas.microsoft.com/office/powerpoint/2015/main" val="1"/>
+                </p:ext>
+              </p:extLst>
+            </p:nvPr>
+          </p:nvSpPr>
+          <p:spPr>
+            <a:xfrm>
+              <a:off x="10371666" y="3589867"/>
+              <a:ext cx="1817159" cy="3268133"/>
+            </a:xfrm>
+            <a:prstGeom prst="triangle">
+              <a:avLst>
+                <a:gd name="adj" fmla="val 100000"/>
+              </a:avLst>
+            </a:prstGeom>
+            <a:solidFill>
+              <a:schemeClr val="accent1">
+                <a:alpha val="80000"/>
+              </a:schemeClr>
+            </a:solidFill>
+            <a:ln>
+              <a:noFill/>
+            </a:ln>
+            <a:effectLst/>
+          </p:spPr>
+          <p:style>
+            <a:lnRef idx="1">
+              <a:schemeClr val="accent1"/>
+            </a:lnRef>
+            <a:fillRef idx="3">
+              <a:schemeClr val="accent1"/>
+            </a:fillRef>
+            <a:effectRef idx="2">
+              <a:schemeClr val="accent1"/>
+            </a:effectRef>
+            <a:fontRef idx="minor">
+              <a:schemeClr val="lt1"/>
+            </a:fontRef>
+          </p:style>
+        </p:sp>
+        <p:sp>
+          <p:nvSpPr>
+            <p:cNvPr id="17" name="Isosceles Triangle 16">
+              <a:extLst>
+                <a:ext uri="{FF2B5EF4-FFF2-40B4-BE49-F238E27FC236}">
+                  <a16:creationId xmlns:a16="http://schemas.microsoft.com/office/drawing/2014/main" id="{DCFC9E65-3E19-4483-B952-25D29683CA56}"/>
+                </a:ext>
+                <a:ext uri="{C183D7F6-B498-43B3-948B-1728B52AA6E4}">
+                  <adec:decorative xmlns:adec="http://schemas.microsoft.com/office/drawing/2017/decorative" val="1"/>
+                </a:ext>
+              </a:extLst>
+            </p:cNvPr>
+            <p:cNvSpPr/>
+            <p:nvPr>
+              <p:extLst>
+                <p:ext uri="{386F3935-93C4-4BCD-93E2-E3B085C9AB24}">
+                  <p16:designElem xmlns:p16="http://schemas.microsoft.com/office/powerpoint/2015/main" val="1"/>
+                </p:ext>
+              </p:extLst>
+            </p:nvPr>
+          </p:nvSpPr>
+          <p:spPr>
+            <a:xfrm rot="10800000">
+              <a:off x="0" y="0"/>
+              <a:ext cx="842596" cy="5666154"/>
+            </a:xfrm>
+            <a:prstGeom prst="triangle">
+              <a:avLst>
+                <a:gd name="adj" fmla="val 100000"/>
+              </a:avLst>
+            </a:prstGeom>
+            <a:solidFill>
+              <a:schemeClr val="accent1">
+                <a:alpha val="85000"/>
+              </a:schemeClr>
+            </a:solidFill>
+            <a:ln>
+              <a:noFill/>
+            </a:ln>
+            <a:effectLst/>
+          </p:spPr>
+          <p:style>
+            <a:lnRef idx="1">
+              <a:schemeClr val="accent1"/>
+            </a:lnRef>
+            <a:fillRef idx="3">
+              <a:schemeClr val="accent1"/>
+            </a:fillRef>
+            <a:effectRef idx="2">
+              <a:schemeClr val="accent1"/>
+            </a:effectRef>
+            <a:fontRef idx="minor">
+              <a:schemeClr val="lt1"/>
+            </a:fontRef>
+          </p:style>
+        </p:sp>
+      </p:grpSp>
+      <p:sp useBgFill="1">
+        <p:nvSpPr>
+          <p:cNvPr id="32" name="Rectangle 18">
+            <a:extLst>
+              <a:ext uri="{FF2B5EF4-FFF2-40B4-BE49-F238E27FC236}">
+                <a16:creationId xmlns:a16="http://schemas.microsoft.com/office/drawing/2014/main" id="{0ADFFC45-3DC9-4433-926F-043E879D9DFC}"/>
+              </a:ext>
+              <a:ext uri="{C183D7F6-B498-43B3-948B-1728B52AA6E4}">
+                <adec:decorative xmlns:adec="http://schemas.microsoft.com/office/drawing/2017/decorative" val="1"/>
+              </a:ext>
+            </a:extLst>
+          </p:cNvPr>
+          <p:cNvSpPr>
+            <a:spLocks noGrp="1" noRot="1" noChangeAspect="1" noMove="1" noResize="1" noEditPoints="1" noAdjustHandles="1" noChangeArrowheads="1" noChangeShapeType="1" noTextEdit="1"/>
+          </p:cNvSpPr>
+          <p:nvPr>
+            <p:extLst>
+              <p:ext uri="{386F3935-93C4-4BCD-93E2-E3B085C9AB24}">
+                <p16:designElem xmlns:p16="http://schemas.microsoft.com/office/powerpoint/2015/main" val="1"/>
+              </p:ext>
+            </p:extLst>
+          </p:nvPr>
+        </p:nvSpPr>
+        <p:spPr>
+          <a:xfrm>
+            <a:off x="0" y="0"/>
+            <a:ext cx="12192000" cy="6858000"/>
+          </a:xfrm>
+          <a:prstGeom prst="rect">
+            <a:avLst/>
+          </a:prstGeom>
+          <a:ln>
+            <a:noFill/>
+          </a:ln>
+        </p:spPr>
+        <p:style>
+          <a:lnRef idx="2">
+            <a:schemeClr val="accent1">
+              <a:shade val="50000"/>
+            </a:schemeClr>
+          </a:lnRef>
+          <a:fillRef idx="1">
+            <a:schemeClr val="accent1"/>
+          </a:fillRef>
+          <a:effectRef idx="0">
+            <a:schemeClr val="accent1"/>
+          </a:effectRef>
+          <a:fontRef idx="minor">
+            <a:schemeClr val="lt1"/>
+          </a:fontRef>
+        </p:style>
+        <p:txBody>
+          <a:bodyPr rtlCol="0" anchor="ctr"/>
+          <a:lstStyle/>
+          <a:p>
+            <a:pPr algn="ctr"/>
+            <a:endParaRPr lang="en-US"/>
+          </a:p>
+        </p:txBody>
+      </p:sp>
+      <p:grpSp>
+        <p:nvGrpSpPr>
+          <p:cNvPr id="33" name="Group 20">
+            <a:extLst>
+              <a:ext uri="{FF2B5EF4-FFF2-40B4-BE49-F238E27FC236}">
+                <a16:creationId xmlns:a16="http://schemas.microsoft.com/office/drawing/2014/main" id="{B5F26A87-0610-435F-AA13-BD658385C9D9}"/>
+              </a:ext>
+              <a:ext uri="{C183D7F6-B498-43B3-948B-1728B52AA6E4}">
+                <adec:decorative xmlns:adec="http://schemas.microsoft.com/office/drawing/2017/decorative" val="1"/>
+              </a:ext>
+            </a:extLst>
+          </p:cNvPr>
+          <p:cNvGrpSpPr>
+            <a:grpSpLocks noGrp="1" noUngrp="1" noRot="1" noChangeAspect="1" noMove="1" noResize="1"/>
+          </p:cNvGrpSpPr>
+          <p:nvPr>
+            <p:extLst>
+              <p:ext uri="{386F3935-93C4-4BCD-93E2-E3B085C9AB24}">
+                <p16:designElem xmlns:p16="http://schemas.microsoft.com/office/powerpoint/2015/main" val="1"/>
+              </p:ext>
+            </p:extLst>
+          </p:nvPr>
+        </p:nvGrpSpPr>
+        <p:grpSpPr>
+          <a:xfrm>
+            <a:off x="4267230" y="-8468"/>
+            <a:ext cx="4763558" cy="6866467"/>
+            <a:chOff x="67175" y="-8467"/>
+            <a:chExt cx="4763558" cy="6866467"/>
+          </a:xfrm>
+        </p:grpSpPr>
+        <p:cxnSp>
+          <p:nvCxnSpPr>
+            <p:cNvPr id="22" name="Straight Connector 21">
+              <a:extLst>
+                <a:ext uri="{FF2B5EF4-FFF2-40B4-BE49-F238E27FC236}">
+                  <a16:creationId xmlns:a16="http://schemas.microsoft.com/office/drawing/2014/main" id="{E6321436-5AAD-4FB6-BB0D-316D4540E82A}"/>
+                </a:ext>
+                <a:ext uri="{C183D7F6-B498-43B3-948B-1728B52AA6E4}">
+                  <adec:decorative xmlns:adec="http://schemas.microsoft.com/office/drawing/2017/decorative" val="1"/>
+                </a:ext>
+              </a:extLst>
+            </p:cNvPr>
+            <p:cNvCxnSpPr/>
+            <p:nvPr>
+              <p:extLst>
+                <p:ext uri="{386F3935-93C4-4BCD-93E2-E3B085C9AB24}">
+                  <p16:designElem xmlns:p16="http://schemas.microsoft.com/office/powerpoint/2015/main" val="1"/>
+                </p:ext>
+              </p:extLst>
+            </p:nvPr>
+          </p:nvCxnSpPr>
+          <p:spPr>
+            <a:xfrm>
+              <a:off x="1448300" y="0"/>
+              <a:ext cx="1219200" cy="6858000"/>
+            </a:xfrm>
+            <a:prstGeom prst="line">
+              <a:avLst/>
+            </a:prstGeom>
+            <a:ln w="9525">
+              <a:solidFill>
+                <a:schemeClr val="accent1">
+                  <a:lumMod val="75000"/>
+                </a:schemeClr>
+              </a:solidFill>
+            </a:ln>
+          </p:spPr>
+          <p:style>
+            <a:lnRef idx="2">
+              <a:schemeClr val="accent1"/>
+            </a:lnRef>
+            <a:fillRef idx="0">
+              <a:schemeClr val="accent1"/>
+            </a:fillRef>
+            <a:effectRef idx="1">
+              <a:schemeClr val="accent1"/>
+            </a:effectRef>
+            <a:fontRef idx="minor">
+              <a:schemeClr val="tx1"/>
+            </a:fontRef>
+          </p:style>
+        </p:cxnSp>
+        <p:cxnSp>
+          <p:nvCxnSpPr>
+            <p:cNvPr id="34" name="Straight Connector 22">
+              <a:extLst>
+                <a:ext uri="{FF2B5EF4-FFF2-40B4-BE49-F238E27FC236}">
+                  <a16:creationId xmlns:a16="http://schemas.microsoft.com/office/drawing/2014/main" id="{94B0BD33-3D46-4F43-947A-825DFEF6106A}"/>
+                </a:ext>
+                <a:ext uri="{C183D7F6-B498-43B3-948B-1728B52AA6E4}">
+                  <adec:decorative xmlns:adec="http://schemas.microsoft.com/office/drawing/2017/decorative" val="1"/>
+                </a:ext>
+              </a:extLst>
+            </p:cNvPr>
+            <p:cNvCxnSpPr/>
+            <p:nvPr>
+              <p:extLst>
+                <p:ext uri="{386F3935-93C4-4BCD-93E2-E3B085C9AB24}">
+                  <p16:designElem xmlns:p16="http://schemas.microsoft.com/office/powerpoint/2015/main" val="1"/>
+                </p:ext>
+              </p:extLst>
+            </p:nvPr>
+          </p:nvCxnSpPr>
+          <p:spPr>
+            <a:xfrm flipH="1">
+              <a:off x="67175" y="3681413"/>
+              <a:ext cx="4763558" cy="3176587"/>
+            </a:xfrm>
+            <a:prstGeom prst="line">
+              <a:avLst/>
+            </a:prstGeom>
+            <a:ln w="9525">
+              <a:solidFill>
+                <a:schemeClr val="tx1">
+                  <a:lumMod val="50000"/>
+                  <a:lumOff val="50000"/>
+                  <a:alpha val="80000"/>
+                </a:schemeClr>
+              </a:solidFill>
+            </a:ln>
+          </p:spPr>
+          <p:style>
+            <a:lnRef idx="2">
+              <a:schemeClr val="accent1"/>
+            </a:lnRef>
+            <a:fillRef idx="0">
+              <a:schemeClr val="accent1"/>
+            </a:fillRef>
+            <a:effectRef idx="1">
+              <a:schemeClr val="accent1"/>
+            </a:effectRef>
+            <a:fontRef idx="minor">
+              <a:schemeClr val="tx1"/>
+            </a:fontRef>
+          </p:style>
+        </p:cxnSp>
+        <p:sp>
+          <p:nvSpPr>
+            <p:cNvPr id="24" name="Rectangle 23">
+              <a:extLst>
+                <a:ext uri="{FF2B5EF4-FFF2-40B4-BE49-F238E27FC236}">
+                  <a16:creationId xmlns:a16="http://schemas.microsoft.com/office/drawing/2014/main" id="{92E26C27-E1F5-47DC-9F83-469D196C55D0}"/>
+                </a:ext>
+                <a:ext uri="{C183D7F6-B498-43B3-948B-1728B52AA6E4}">
+                  <adec:decorative xmlns:adec="http://schemas.microsoft.com/office/drawing/2017/decorative" val="1"/>
+                </a:ext>
+              </a:extLst>
+            </p:cNvPr>
+            <p:cNvSpPr/>
+            <p:nvPr>
+              <p:extLst>
+                <p:ext uri="{386F3935-93C4-4BCD-93E2-E3B085C9AB24}">
+                  <p16:designElem xmlns:p16="http://schemas.microsoft.com/office/powerpoint/2015/main" val="1"/>
+                </p:ext>
+              </p:extLst>
+            </p:nvPr>
+          </p:nvSpPr>
+          <p:spPr>
+            <a:xfrm>
+              <a:off x="1258764" y="-8467"/>
+              <a:ext cx="3007349" cy="6866467"/>
+            </a:xfrm>
+            <a:custGeom>
+              <a:avLst/>
+              <a:gdLst/>
+              <a:ahLst/>
+              <a:cxnLst/>
+              <a:rect l="l" t="t" r="r" b="b"/>
+              <a:pathLst>
+                <a:path w="3007349" h="6866467">
+                  <a:moveTo>
+                    <a:pt x="2045532" y="0"/>
+                  </a:moveTo>
+                  <a:lnTo>
+                    <a:pt x="3007349" y="0"/>
+                  </a:lnTo>
+                  <a:lnTo>
+                    <a:pt x="3007349" y="6866467"/>
+                  </a:lnTo>
+                  <a:lnTo>
+                    <a:pt x="0" y="6866467"/>
+                  </a:lnTo>
+                  <a:lnTo>
+                    <a:pt x="2045532" y="0"/>
+                  </a:lnTo>
+                  <a:close/>
+                </a:path>
+              </a:pathLst>
+            </a:custGeom>
+            <a:solidFill>
+              <a:schemeClr val="accent1">
+                <a:alpha val="30000"/>
+              </a:schemeClr>
+            </a:solidFill>
+            <a:ln>
+              <a:noFill/>
+            </a:ln>
+            <a:effectLst/>
+          </p:spPr>
+          <p:style>
+            <a:lnRef idx="1">
+              <a:schemeClr val="accent1"/>
+            </a:lnRef>
+            <a:fillRef idx="3">
+              <a:schemeClr val="accent1"/>
+            </a:fillRef>
+            <a:effectRef idx="2">
+              <a:schemeClr val="accent1"/>
+            </a:effectRef>
+            <a:fontRef idx="minor">
+              <a:schemeClr val="lt1"/>
+            </a:fontRef>
+          </p:style>
+        </p:sp>
+        <p:sp>
+          <p:nvSpPr>
+            <p:cNvPr id="35" name="Rectangle 25">
+              <a:extLst>
+                <a:ext uri="{FF2B5EF4-FFF2-40B4-BE49-F238E27FC236}">
+                  <a16:creationId xmlns:a16="http://schemas.microsoft.com/office/drawing/2014/main" id="{95F944E7-2B4E-4AE2-B4DB-846FF8AE0B7A}"/>
+                </a:ext>
+                <a:ext uri="{C183D7F6-B498-43B3-948B-1728B52AA6E4}">
+                  <adec:decorative xmlns:adec="http://schemas.microsoft.com/office/drawing/2017/decorative" val="1"/>
+                </a:ext>
+              </a:extLst>
+            </p:cNvPr>
+            <p:cNvSpPr/>
+            <p:nvPr>
+              <p:extLst>
+                <p:ext uri="{386F3935-93C4-4BCD-93E2-E3B085C9AB24}">
+                  <p16:designElem xmlns:p16="http://schemas.microsoft.com/office/powerpoint/2015/main" val="1"/>
+                </p:ext>
+              </p:extLst>
+            </p:nvPr>
+          </p:nvSpPr>
+          <p:spPr>
+            <a:xfrm>
+              <a:off x="1680730" y="-8467"/>
+              <a:ext cx="2588558" cy="6866467"/>
+            </a:xfrm>
+            <a:custGeom>
+              <a:avLst/>
+              <a:gdLst/>
+              <a:ahLst/>
+              <a:cxnLst/>
+              <a:rect l="l" t="t" r="r" b="b"/>
+              <a:pathLst>
+                <a:path w="2573311" h="6866467">
+                  <a:moveTo>
+                    <a:pt x="0" y="0"/>
+                  </a:moveTo>
+                  <a:lnTo>
+                    <a:pt x="2573311" y="0"/>
+                  </a:lnTo>
+                  <a:lnTo>
+                    <a:pt x="2573311" y="6866467"/>
+                  </a:lnTo>
+                  <a:lnTo>
+                    <a:pt x="1202336" y="6866467"/>
+                  </a:lnTo>
+                  <a:lnTo>
+                    <a:pt x="0" y="0"/>
+                  </a:lnTo>
+                  <a:close/>
+                </a:path>
+              </a:pathLst>
+            </a:custGeom>
+            <a:solidFill>
+              <a:schemeClr val="accent1">
+                <a:alpha val="20000"/>
+              </a:schemeClr>
+            </a:solidFill>
+            <a:ln>
+              <a:noFill/>
+            </a:ln>
+            <a:effectLst/>
+          </p:spPr>
+          <p:style>
+            <a:lnRef idx="1">
+              <a:schemeClr val="accent1"/>
+            </a:lnRef>
+            <a:fillRef idx="3">
+              <a:schemeClr val="accent1"/>
+            </a:fillRef>
+            <a:effectRef idx="2">
+              <a:schemeClr val="accent1"/>
+            </a:effectRef>
+            <a:fontRef idx="minor">
+              <a:schemeClr val="lt1"/>
+            </a:fontRef>
+          </p:style>
+        </p:sp>
+        <p:sp>
+          <p:nvSpPr>
+            <p:cNvPr id="26" name="Isosceles Triangle 25">
+              <a:extLst>
+                <a:ext uri="{FF2B5EF4-FFF2-40B4-BE49-F238E27FC236}">
+                  <a16:creationId xmlns:a16="http://schemas.microsoft.com/office/drawing/2014/main" id="{FF14952D-390F-46CC-B302-73DDD9C4160F}"/>
+                </a:ext>
+                <a:ext uri="{C183D7F6-B498-43B3-948B-1728B52AA6E4}">
+                  <adec:decorative xmlns:adec="http://schemas.microsoft.com/office/drawing/2017/decorative" val="1"/>
+                </a:ext>
+              </a:extLst>
+            </p:cNvPr>
+            <p:cNvSpPr/>
+            <p:nvPr>
+              <p:extLst>
+                <p:ext uri="{386F3935-93C4-4BCD-93E2-E3B085C9AB24}">
+                  <p16:designElem xmlns:p16="http://schemas.microsoft.com/office/powerpoint/2015/main" val="1"/>
+                </p:ext>
+              </p:extLst>
+            </p:nvPr>
+          </p:nvSpPr>
+          <p:spPr>
+            <a:xfrm>
+              <a:off x="1009621" y="3048000"/>
+              <a:ext cx="3259667" cy="3810000"/>
+            </a:xfrm>
+            <a:prstGeom prst="triangle">
+              <a:avLst>
+                <a:gd name="adj" fmla="val 100000"/>
+              </a:avLst>
+            </a:prstGeom>
+            <a:solidFill>
+              <a:schemeClr val="accent2">
+                <a:alpha val="72000"/>
+              </a:schemeClr>
+            </a:solidFill>
+            <a:ln>
+              <a:noFill/>
+            </a:ln>
+            <a:effectLst/>
+          </p:spPr>
+          <p:style>
+            <a:lnRef idx="1">
+              <a:schemeClr val="accent1"/>
+            </a:lnRef>
+            <a:fillRef idx="3">
+              <a:schemeClr val="accent1"/>
+            </a:fillRef>
+            <a:effectRef idx="2">
+              <a:schemeClr val="accent1"/>
+            </a:effectRef>
+            <a:fontRef idx="minor">
+              <a:schemeClr val="lt1"/>
+            </a:fontRef>
+          </p:style>
+        </p:sp>
+        <p:sp>
+          <p:nvSpPr>
+            <p:cNvPr id="36" name="Rectangle 27">
+              <a:extLst>
+                <a:ext uri="{FF2B5EF4-FFF2-40B4-BE49-F238E27FC236}">
+                  <a16:creationId xmlns:a16="http://schemas.microsoft.com/office/drawing/2014/main" id="{867CDE55-B22A-40D0-882A-9452919EEC28}"/>
+                </a:ext>
+                <a:ext uri="{C183D7F6-B498-43B3-948B-1728B52AA6E4}">
+                  <adec:decorative xmlns:adec="http://schemas.microsoft.com/office/drawing/2017/decorative" val="1"/>
+                </a:ext>
+              </a:extLst>
+            </p:cNvPr>
+            <p:cNvSpPr/>
+            <p:nvPr>
+              <p:extLst>
+                <p:ext uri="{386F3935-93C4-4BCD-93E2-E3B085C9AB24}">
+                  <p16:designElem xmlns:p16="http://schemas.microsoft.com/office/powerpoint/2015/main" val="1"/>
+                </p:ext>
+              </p:extLst>
+            </p:nvPr>
+          </p:nvSpPr>
+          <p:spPr>
+            <a:xfrm>
+              <a:off x="1411788" y="-8467"/>
+              <a:ext cx="2854326" cy="6866467"/>
+            </a:xfrm>
+            <a:custGeom>
+              <a:avLst/>
+              <a:gdLst/>
+              <a:ahLst/>
+              <a:cxnLst/>
+              <a:rect l="l" t="t" r="r" b="b"/>
+              <a:pathLst>
+                <a:path w="2858013" h="6866467">
+                  <a:moveTo>
+                    <a:pt x="0" y="0"/>
+                  </a:moveTo>
+                  <a:lnTo>
+                    <a:pt x="2858013" y="0"/>
+                  </a:lnTo>
+                  <a:lnTo>
+                    <a:pt x="2858013" y="6866467"/>
+                  </a:lnTo>
+                  <a:lnTo>
+                    <a:pt x="2473942" y="6866467"/>
+                  </a:lnTo>
+                  <a:lnTo>
+                    <a:pt x="0" y="0"/>
+                  </a:lnTo>
+                  <a:close/>
+                </a:path>
+              </a:pathLst>
+            </a:custGeom>
+            <a:solidFill>
+              <a:schemeClr val="accent2">
+                <a:lumMod val="75000"/>
+                <a:alpha val="70000"/>
+              </a:schemeClr>
+            </a:solidFill>
+            <a:ln>
+              <a:noFill/>
+            </a:ln>
+            <a:effectLst/>
+          </p:spPr>
+          <p:style>
+            <a:lnRef idx="1">
+              <a:schemeClr val="accent1"/>
+            </a:lnRef>
+            <a:fillRef idx="3">
+              <a:schemeClr val="accent1"/>
+            </a:fillRef>
+            <a:effectRef idx="2">
+              <a:schemeClr val="accent1"/>
+            </a:effectRef>
+            <a:fontRef idx="minor">
+              <a:schemeClr val="lt1"/>
+            </a:fontRef>
+          </p:style>
+        </p:sp>
+        <p:sp>
+          <p:nvSpPr>
+            <p:cNvPr id="28" name="Isosceles Triangle 27">
+              <a:extLst>
+                <a:ext uri="{FF2B5EF4-FFF2-40B4-BE49-F238E27FC236}">
+                  <a16:creationId xmlns:a16="http://schemas.microsoft.com/office/drawing/2014/main" id="{8C409231-C942-4808-B529-DAC32A7DB002}"/>
+                </a:ext>
+                <a:ext uri="{C183D7F6-B498-43B3-948B-1728B52AA6E4}">
+                  <adec:decorative xmlns:adec="http://schemas.microsoft.com/office/drawing/2017/decorative" val="1"/>
+                </a:ext>
+              </a:extLst>
+            </p:cNvPr>
+            <p:cNvSpPr/>
+            <p:nvPr>
+              <p:extLst>
+                <p:ext uri="{386F3935-93C4-4BCD-93E2-E3B085C9AB24}">
+                  <p16:designElem xmlns:p16="http://schemas.microsoft.com/office/powerpoint/2015/main" val="1"/>
+                </p:ext>
+              </p:extLst>
+            </p:nvPr>
+          </p:nvSpPr>
+          <p:spPr>
+            <a:xfrm>
+              <a:off x="2448954" y="3589867"/>
+              <a:ext cx="1817159" cy="3268133"/>
+            </a:xfrm>
+            <a:prstGeom prst="triangle">
+              <a:avLst>
+                <a:gd name="adj" fmla="val 100000"/>
+              </a:avLst>
+            </a:prstGeom>
+            <a:solidFill>
+              <a:schemeClr val="accent1">
+                <a:alpha val="80000"/>
+              </a:schemeClr>
+            </a:solidFill>
+            <a:ln>
+              <a:noFill/>
+            </a:ln>
+            <a:effectLst/>
+          </p:spPr>
+          <p:style>
+            <a:lnRef idx="1">
+              <a:schemeClr val="accent1"/>
+            </a:lnRef>
+            <a:fillRef idx="3">
+              <a:schemeClr val="accent1"/>
+            </a:fillRef>
+            <a:effectRef idx="2">
+              <a:schemeClr val="accent1"/>
+            </a:effectRef>
+            <a:fontRef idx="minor">
+              <a:schemeClr val="lt1"/>
+            </a:fontRef>
+          </p:style>
+        </p:sp>
+      </p:grpSp>
       <p:sp>
         <p:nvSpPr>
           <p:cNvPr id="2" name="Rectangle 1">
@@ -4302,26 +10069,32 @@
         </p:nvSpPr>
         <p:spPr>
           <a:xfrm>
-            <a:off x="4327663" y="2505670"/>
-            <a:ext cx="3536674" cy="923330"/>
+            <a:off x="677335" y="1282701"/>
+            <a:ext cx="5096060" cy="4307148"/>
           </a:xfrm>
           <a:prstGeom prst="rect">
             <a:avLst/>
           </a:prstGeom>
-          <a:noFill/>
         </p:spPr>
         <p:txBody>
-          <a:bodyPr wrap="none" lIns="91440" tIns="45720" rIns="91440" bIns="45720">
-            <a:spAutoFit/>
+          <a:bodyPr vert="horz" lIns="91440" tIns="45720" rIns="91440" bIns="45720" rtlCol="0" anchor="ctr">
+            <a:normAutofit/>
           </a:bodyPr>
           <a:lstStyle/>
           <a:p>
-            <a:pPr algn="ctr"/>
+            <a:pPr algn="r">
+              <a:spcBef>
+                <a:spcPct val="0"/>
+              </a:spcBef>
+              <a:spcAft>
+                <a:spcPts val="600"/>
+              </a:spcAft>
+            </a:pPr>
             <a:r>
               <a:rPr lang="en-US" sz="5400" b="0" cap="none" spc="0" dirty="0">
                 <a:ln w="0"/>
                 <a:solidFill>
-                  <a:schemeClr val="tx1"/>
+                  <a:schemeClr val="accent1"/>
                 </a:solidFill>
                 <a:effectLst>
                   <a:outerShdw blurRad="38100" dist="19050" dir="2700000" algn="tl" rotWithShape="0">
@@ -4330,9 +10103,144 @@
                     </a:schemeClr>
                   </a:outerShdw>
                 </a:effectLst>
+                <a:latin typeface="+mj-lt"/>
+                <a:ea typeface="+mj-ea"/>
+                <a:cs typeface="+mj-cs"/>
               </a:rPr>
               <a:t>THANK YOU</a:t>
             </a:r>
+          </a:p>
+        </p:txBody>
+      </p:sp>
+      <p:sp>
+        <p:nvSpPr>
+          <p:cNvPr id="30" name="Freeform: Shape 29">
+            <a:extLst>
+              <a:ext uri="{FF2B5EF4-FFF2-40B4-BE49-F238E27FC236}">
+                <a16:creationId xmlns:a16="http://schemas.microsoft.com/office/drawing/2014/main" id="{69370F01-B8C9-4CE4-824C-92B2792E6ED0}"/>
+              </a:ext>
+              <a:ext uri="{C183D7F6-B498-43B3-948B-1728B52AA6E4}">
+                <adec:decorative xmlns:adec="http://schemas.microsoft.com/office/drawing/2017/decorative" val="1"/>
+              </a:ext>
+            </a:extLst>
+          </p:cNvPr>
+          <p:cNvSpPr>
+            <a:spLocks noGrp="1" noRot="1" noChangeAspect="1" noMove="1" noResize="1" noEditPoints="1" noAdjustHandles="1" noChangeArrowheads="1" noChangeShapeType="1" noTextEdit="1"/>
+          </p:cNvSpPr>
+          <p:nvPr>
+            <p:extLst>
+              <p:ext uri="{386F3935-93C4-4BCD-93E2-E3B085C9AB24}">
+                <p16:designElem xmlns:p16="http://schemas.microsoft.com/office/powerpoint/2015/main" val="1"/>
+              </p:ext>
+            </p:extLst>
+          </p:nvPr>
+        </p:nvSpPr>
+        <p:spPr>
+          <a:xfrm>
+            <a:off x="7136497" y="-8468"/>
+            <a:ext cx="5074930" cy="6866468"/>
+          </a:xfrm>
+          <a:custGeom>
+            <a:avLst/>
+            <a:gdLst>
+              <a:gd name="connsiteX0" fmla="*/ 0 w 5074930"/>
+              <a:gd name="connsiteY0" fmla="*/ 0 h 6858000"/>
+              <a:gd name="connsiteX1" fmla="*/ 1249825 w 5074930"/>
+              <a:gd name="connsiteY1" fmla="*/ 0 h 6858000"/>
+              <a:gd name="connsiteX2" fmla="*/ 1249825 w 5074930"/>
+              <a:gd name="connsiteY2" fmla="*/ 8457 h 6858000"/>
+              <a:gd name="connsiteX3" fmla="*/ 5074930 w 5074930"/>
+              <a:gd name="connsiteY3" fmla="*/ 8457 h 6858000"/>
+              <a:gd name="connsiteX4" fmla="*/ 5074930 w 5074930"/>
+              <a:gd name="connsiteY4" fmla="*/ 6858000 h 6858000"/>
+              <a:gd name="connsiteX5" fmla="*/ 1249825 w 5074930"/>
+              <a:gd name="connsiteY5" fmla="*/ 6858000 h 6858000"/>
+              <a:gd name="connsiteX6" fmla="*/ 1109383 w 5074930"/>
+              <a:gd name="connsiteY6" fmla="*/ 6858000 h 6858000"/>
+            </a:gdLst>
+            <a:ahLst/>
+            <a:cxnLst>
+              <a:cxn ang="0">
+                <a:pos x="connsiteX0" y="connsiteY0"/>
+              </a:cxn>
+              <a:cxn ang="0">
+                <a:pos x="connsiteX1" y="connsiteY1"/>
+              </a:cxn>
+              <a:cxn ang="0">
+                <a:pos x="connsiteX2" y="connsiteY2"/>
+              </a:cxn>
+              <a:cxn ang="0">
+                <a:pos x="connsiteX3" y="connsiteY3"/>
+              </a:cxn>
+              <a:cxn ang="0">
+                <a:pos x="connsiteX4" y="connsiteY4"/>
+              </a:cxn>
+              <a:cxn ang="0">
+                <a:pos x="connsiteX5" y="connsiteY5"/>
+              </a:cxn>
+              <a:cxn ang="0">
+                <a:pos x="connsiteX6" y="connsiteY6"/>
+              </a:cxn>
+            </a:cxnLst>
+            <a:rect l="l" t="t" r="r" b="b"/>
+            <a:pathLst>
+              <a:path w="5074930" h="6858000">
+                <a:moveTo>
+                  <a:pt x="0" y="0"/>
+                </a:moveTo>
+                <a:lnTo>
+                  <a:pt x="1249825" y="0"/>
+                </a:lnTo>
+                <a:lnTo>
+                  <a:pt x="1249825" y="8457"/>
+                </a:lnTo>
+                <a:lnTo>
+                  <a:pt x="5074930" y="8457"/>
+                </a:lnTo>
+                <a:lnTo>
+                  <a:pt x="5074930" y="6858000"/>
+                </a:lnTo>
+                <a:lnTo>
+                  <a:pt x="1249825" y="6858000"/>
+                </a:lnTo>
+                <a:lnTo>
+                  <a:pt x="1109383" y="6858000"/>
+                </a:lnTo>
+                <a:close/>
+              </a:path>
+            </a:pathLst>
+          </a:custGeom>
+          <a:solidFill>
+            <a:schemeClr val="accent1"/>
+          </a:solidFill>
+          <a:ln>
+            <a:noFill/>
+          </a:ln>
+        </p:spPr>
+        <p:style>
+          <a:lnRef idx="2">
+            <a:schemeClr val="accent1">
+              <a:shade val="50000"/>
+            </a:schemeClr>
+          </a:lnRef>
+          <a:fillRef idx="1">
+            <a:schemeClr val="accent1"/>
+          </a:fillRef>
+          <a:effectRef idx="0">
+            <a:schemeClr val="accent1"/>
+          </a:effectRef>
+          <a:fontRef idx="minor">
+            <a:schemeClr val="lt1"/>
+          </a:fontRef>
+        </p:style>
+        <p:txBody>
+          <a:bodyPr wrap="square" rtlCol="0" anchor="ctr">
+            <a:noAutofit/>
+          </a:bodyPr>
+          <a:lstStyle/>
+          <a:p>
+            <a:pPr algn="ctr"/>
+            <a:endParaRPr lang="en-US"/>
           </a:p>
         </p:txBody>
       </p:sp>
@@ -4346,13 +10254,145 @@
   <p:clrMapOvr>
     <a:masterClrMapping/>
   </p:clrMapOvr>
+  <p:timing>
+    <p:tnLst>
+      <p:par>
+        <p:cTn id="1" dur="indefinite" restart="never" nodeType="tmRoot">
+          <p:childTnLst>
+            <p:seq concurrent="1" nextAc="seek">
+              <p:cTn id="2" dur="indefinite" nodeType="mainSeq">
+                <p:childTnLst>
+                  <p:par>
+                    <p:cTn id="3" fill="hold">
+                      <p:stCondLst>
+                        <p:cond delay="indefinite"/>
+                      </p:stCondLst>
+                      <p:childTnLst>
+                        <p:par>
+                          <p:cTn id="4" fill="hold">
+                            <p:stCondLst>
+                              <p:cond delay="0"/>
+                            </p:stCondLst>
+                            <p:childTnLst>
+                              <p:par>
+                                <p:cTn id="5" presetID="42" presetClass="entr" presetSubtype="0" fill="hold" grpId="0" nodeType="clickEffect">
+                                  <p:stCondLst>
+                                    <p:cond delay="0"/>
+                                  </p:stCondLst>
+                                  <p:childTnLst>
+                                    <p:set>
+                                      <p:cBhvr>
+                                        <p:cTn id="6" dur="1" fill="hold">
+                                          <p:stCondLst>
+                                            <p:cond delay="0"/>
+                                          </p:stCondLst>
+                                        </p:cTn>
+                                        <p:tgtEl>
+                                          <p:spTgt spid="2"/>
+                                        </p:tgtEl>
+                                        <p:attrNameLst>
+                                          <p:attrName>style.visibility</p:attrName>
+                                        </p:attrNameLst>
+                                      </p:cBhvr>
+                                      <p:to>
+                                        <p:strVal val="visible"/>
+                                      </p:to>
+                                    </p:set>
+                                    <p:animEffect transition="in" filter="fade">
+                                      <p:cBhvr>
+                                        <p:cTn id="7" dur="1000"/>
+                                        <p:tgtEl>
+                                          <p:spTgt spid="2"/>
+                                        </p:tgtEl>
+                                      </p:cBhvr>
+                                    </p:animEffect>
+                                    <p:anim calcmode="lin" valueType="num">
+                                      <p:cBhvr>
+                                        <p:cTn id="8" dur="1000" fill="hold"/>
+                                        <p:tgtEl>
+                                          <p:spTgt spid="2"/>
+                                        </p:tgtEl>
+                                        <p:attrNameLst>
+                                          <p:attrName>ppt_x</p:attrName>
+                                        </p:attrNameLst>
+                                      </p:cBhvr>
+                                      <p:tavLst>
+                                        <p:tav tm="0">
+                                          <p:val>
+                                            <p:strVal val="#ppt_x"/>
+                                          </p:val>
+                                        </p:tav>
+                                        <p:tav tm="100000">
+                                          <p:val>
+                                            <p:strVal val="#ppt_x"/>
+                                          </p:val>
+                                        </p:tav>
+                                      </p:tavLst>
+                                    </p:anim>
+                                    <p:anim calcmode="lin" valueType="num">
+                                      <p:cBhvr>
+                                        <p:cTn id="9" dur="1000" fill="hold"/>
+                                        <p:tgtEl>
+                                          <p:spTgt spid="2"/>
+                                        </p:tgtEl>
+                                        <p:attrNameLst>
+                                          <p:attrName>ppt_y</p:attrName>
+                                        </p:attrNameLst>
+                                      </p:cBhvr>
+                                      <p:tavLst>
+                                        <p:tav tm="0">
+                                          <p:val>
+                                            <p:strVal val="#ppt_y+.1"/>
+                                          </p:val>
+                                        </p:tav>
+                                        <p:tav tm="100000">
+                                          <p:val>
+                                            <p:strVal val="#ppt_y"/>
+                                          </p:val>
+                                        </p:tav>
+                                      </p:tavLst>
+                                    </p:anim>
+                                  </p:childTnLst>
+                                </p:cTn>
+                              </p:par>
+                            </p:childTnLst>
+                          </p:cTn>
+                        </p:par>
+                      </p:childTnLst>
+                    </p:cTn>
+                  </p:par>
+                </p:childTnLst>
+              </p:cTn>
+              <p:prevCondLst>
+                <p:cond evt="onPrev" delay="0">
+                  <p:tgtEl>
+                    <p:sldTgt/>
+                  </p:tgtEl>
+                </p:cond>
+              </p:prevCondLst>
+              <p:nextCondLst>
+                <p:cond evt="onNext" delay="0">
+                  <p:tgtEl>
+                    <p:sldTgt/>
+                  </p:tgtEl>
+                </p:cond>
+              </p:nextCondLst>
+            </p:seq>
+          </p:childTnLst>
+        </p:cTn>
+      </p:par>
+    </p:tnLst>
+    <p:bldLst>
+      <p:bldP spid="2" grpId="0"/>
+    </p:bldLst>
+  </p:timing>
 </p:sld>
 </file>
 
 <file path=ppt/theme/theme1.xml><?xml version="1.0" encoding="utf-8"?>
-<a:theme xmlns:a="http://schemas.openxmlformats.org/drawingml/2006/main" name="Office Theme">
+<a:theme xmlns:a="http://schemas.openxmlformats.org/drawingml/2006/main" name="Facet">
   <a:themeElements>
-    <a:clrScheme name="Office">
+    <a:clrScheme name="Facet">
       <a:dk1>
         <a:sysClr val="windowText" lastClr="000000"/>
       </a:dk1>
@@ -4360,52 +10400,52 @@
         <a:sysClr val="window" lastClr="FFFFFF"/>
       </a:lt1>
       <a:dk2>
-        <a:srgbClr val="44546A"/>
+        <a:srgbClr val="2C3C43"/>
       </a:dk2>
       <a:lt2>
-        <a:srgbClr val="E7E6E6"/>
+        <a:srgbClr val="EBEBEB"/>
       </a:lt2>
       <a:accent1>
-        <a:srgbClr val="4472C4"/>
+        <a:srgbClr val="90C226"/>
       </a:accent1>
       <a:accent2>
-        <a:srgbClr val="ED7D31"/>
+        <a:srgbClr val="54A021"/>
       </a:accent2>
       <a:accent3>
-        <a:srgbClr val="A5A5A5"/>
+        <a:srgbClr val="E6B91E"/>
       </a:accent3>
       <a:accent4>
-        <a:srgbClr val="FFC000"/>
+        <a:srgbClr val="E76618"/>
       </a:accent4>
       <a:accent5>
-        <a:srgbClr val="5B9BD5"/>
+        <a:srgbClr val="C42F1A"/>
       </a:accent5>
       <a:accent6>
-        <a:srgbClr val="70AD47"/>
+        <a:srgbClr val="918655"/>
       </a:accent6>
       <a:hlink>
-        <a:srgbClr val="0563C1"/>
+        <a:srgbClr val="99CA3C"/>
       </a:hlink>
       <a:folHlink>
-        <a:srgbClr val="954F72"/>
+        <a:srgbClr val="B9D181"/>
       </a:folHlink>
     </a:clrScheme>
-    <a:fontScheme name="Office">
+    <a:fontScheme name="Facet">
       <a:majorFont>
-        <a:latin typeface="Calibri Light" panose="020F0302020204030204"/>
+        <a:latin typeface="Trebuchet MS" panose="020B0603020202020204"/>
         <a:ea typeface=""/>
         <a:cs typeface=""/>
-        <a:font script="Jpan" typeface="游ゴシック Light"/>
+        <a:font script="Jpan" typeface="メイリオ"/>
         <a:font script="Hang" typeface="맑은 고딕"/>
-        <a:font script="Hans" typeface="等线 Light"/>
-        <a:font script="Hant" typeface="新細明體"/>
-        <a:font script="Arab" typeface="Times New Roman"/>
-        <a:font script="Hebr" typeface="Times New Roman"/>
-        <a:font script="Thai" typeface="Angsana New"/>
+        <a:font script="Hans" typeface="方正姚体"/>
+        <a:font script="Hant" typeface="微軟正黑體"/>
+        <a:font script="Arab" typeface="Tahoma"/>
+        <a:font script="Hebr" typeface="Arial"/>
+        <a:font script="Thai" typeface="Cordia New"/>
         <a:font script="Ethi" typeface="Nyala"/>
         <a:font script="Beng" typeface="Vrinda"/>
         <a:font script="Gujr" typeface="Shruti"/>
-        <a:font script="Khmr" typeface="MoolBoran"/>
+        <a:font script="Khmr" typeface="DaunPenh"/>
         <a:font script="Knda" typeface="Tunga"/>
         <a:font script="Guru" typeface="Raavi"/>
         <a:font script="Cans" typeface="Euphemia"/>
@@ -4422,38 +10462,21 @@
         <a:font script="Laoo" typeface="DokChampa"/>
         <a:font script="Sinh" typeface="Iskoola Pota"/>
         <a:font script="Mong" typeface="Mongolian Baiti"/>
-        <a:font script="Viet" typeface="Times New Roman"/>
+        <a:font script="Viet" typeface="Tahoma"/>
         <a:font script="Uigh" typeface="Microsoft Uighur"/>
         <a:font script="Geor" typeface="Sylfaen"/>
-        <a:font script="Armn" typeface="Arial"/>
-        <a:font script="Bugi" typeface="Leelawadee UI"/>
-        <a:font script="Bopo" typeface="Microsoft JhengHei"/>
-        <a:font script="Java" typeface="Javanese Text"/>
-        <a:font script="Lisu" typeface="Segoe UI"/>
-        <a:font script="Mymr" typeface="Myanmar Text"/>
-        <a:font script="Nkoo" typeface="Ebrima"/>
-        <a:font script="Olck" typeface="Nirmala UI"/>
-        <a:font script="Osma" typeface="Ebrima"/>
-        <a:font script="Phag" typeface="Phagspa"/>
-        <a:font script="Syrn" typeface="Estrangelo Edessa"/>
-        <a:font script="Syrj" typeface="Estrangelo Edessa"/>
-        <a:font script="Syre" typeface="Estrangelo Edessa"/>
-        <a:font script="Sora" typeface="Nirmala UI"/>
-        <a:font script="Tale" typeface="Microsoft Tai Le"/>
-        <a:font script="Talu" typeface="Microsoft New Tai Lue"/>
-        <a:font script="Tfng" typeface="Ebrima"/>
       </a:majorFont>
       <a:minorFont>
-        <a:latin typeface="Calibri" panose="020F0502020204030204"/>
+        <a:latin typeface="Trebuchet MS" panose="020B0603020202020204"/>
         <a:ea typeface=""/>
         <a:cs typeface=""/>
-        <a:font script="Jpan" typeface="游ゴシック"/>
-        <a:font script="Hang" typeface="맑은 고딕"/>
-        <a:font script="Hans" typeface="等线"/>
-        <a:font script="Hant" typeface="新細明體"/>
-        <a:font script="Arab" typeface="Arial"/>
-        <a:font script="Hebr" typeface="Arial"/>
-        <a:font script="Thai" typeface="Cordia New"/>
+        <a:font script="Jpan" typeface="メイリオ"/>
+        <a:font script="Hang" typeface="HY그래픽M"/>
+        <a:font script="Hans" typeface="华文新魏"/>
+        <a:font script="Hant" typeface="微軟正黑體"/>
+        <a:font script="Arab" typeface="Tahoma"/>
+        <a:font script="Hebr" typeface="Gisha"/>
+        <a:font script="Thai" typeface="IrisUPC"/>
         <a:font script="Ethi" typeface="Nyala"/>
         <a:font script="Beng" typeface="Vrinda"/>
         <a:font script="Gujr" typeface="Shruti"/>
@@ -4477,26 +10500,9 @@
         <a:font script="Viet" typeface="Arial"/>
         <a:font script="Uigh" typeface="Microsoft Uighur"/>
         <a:font script="Geor" typeface="Sylfaen"/>
-        <a:font script="Armn" typeface="Arial"/>
-        <a:font script="Bugi" typeface="Leelawadee UI"/>
-        <a:font script="Bopo" typeface="Microsoft JhengHei"/>
-        <a:font script="Java" typeface="Javanese Text"/>
-        <a:font script="Lisu" typeface="Segoe UI"/>
-        <a:font script="Mymr" typeface="Myanmar Text"/>
-        <a:font script="Nkoo" typeface="Ebrima"/>
-        <a:font script="Olck" typeface="Nirmala UI"/>
-        <a:font script="Osma" typeface="Ebrima"/>
-        <a:font script="Phag" typeface="Phagspa"/>
-        <a:font script="Syrn" typeface="Estrangelo Edessa"/>
-        <a:font script="Syrj" typeface="Estrangelo Edessa"/>
-        <a:font script="Syre" typeface="Estrangelo Edessa"/>
-        <a:font script="Sora" typeface="Nirmala UI"/>
-        <a:font script="Tale" typeface="Microsoft Tai Le"/>
-        <a:font script="Talu" typeface="Microsoft New Tai Lue"/>
-        <a:font script="Tfng" typeface="Ebrima"/>
       </a:minorFont>
     </a:fontScheme>
-    <a:fmtScheme name="Office">
+    <a:fmtScheme name="Facet">
       <a:fillStyleLst>
         <a:solidFill>
           <a:schemeClr val="phClr"/>
@@ -4505,23 +10511,13 @@
           <a:gsLst>
             <a:gs pos="0">
               <a:schemeClr val="phClr">
+                <a:tint val="65000"/>
                 <a:lumMod val="110000"/>
-                <a:satMod val="105000"/>
-                <a:tint val="67000"/>
               </a:schemeClr>
             </a:gs>
-            <a:gs pos="50000">
+            <a:gs pos="88000">
               <a:schemeClr val="phClr">
-                <a:lumMod val="105000"/>
-                <a:satMod val="103000"/>
-                <a:tint val="73000"/>
-              </a:schemeClr>
-            </a:gs>
-            <a:gs pos="100000">
-              <a:schemeClr val="phClr">
-                <a:lumMod val="105000"/>
-                <a:satMod val="109000"/>
-                <a:tint val="81000"/>
+                <a:tint val="90000"/>
               </a:schemeClr>
             </a:gs>
           </a:gsLst>
@@ -4531,23 +10527,14 @@
           <a:gsLst>
             <a:gs pos="0">
               <a:schemeClr val="phClr">
-                <a:satMod val="103000"/>
-                <a:lumMod val="102000"/>
-                <a:tint val="94000"/>
+                <a:tint val="96000"/>
+                <a:lumMod val="100000"/>
               </a:schemeClr>
             </a:gs>
-            <a:gs pos="50000">
+            <a:gs pos="78000">
               <a:schemeClr val="phClr">
-                <a:satMod val="110000"/>
-                <a:lumMod val="100000"/>
-                <a:shade val="100000"/>
-              </a:schemeClr>
-            </a:gs>
-            <a:gs pos="100000">
-              <a:schemeClr val="phClr">
-                <a:lumMod val="99000"/>
-                <a:satMod val="120000"/>
-                <a:shade val="78000"/>
+                <a:shade val="94000"/>
+                <a:lumMod val="94000"/>
               </a:schemeClr>
             </a:gs>
           </a:gsLst>
@@ -4555,26 +10542,23 @@
         </a:gradFill>
       </a:fillStyleLst>
       <a:lnStyleLst>
-        <a:ln w="6350" cap="flat" cmpd="sng" algn="ctr">
+        <a:ln w="12700" cap="rnd" cmpd="sng" algn="ctr">
           <a:solidFill>
             <a:schemeClr val="phClr"/>
           </a:solidFill>
           <a:prstDash val="solid"/>
-          <a:miter lim="800000"/>
         </a:ln>
-        <a:ln w="12700" cap="flat" cmpd="sng" algn="ctr">
+        <a:ln w="19050" cap="rnd" cmpd="sng" algn="ctr">
           <a:solidFill>
             <a:schemeClr val="phClr"/>
           </a:solidFill>
           <a:prstDash val="solid"/>
-          <a:miter lim="800000"/>
         </a:ln>
-        <a:ln w="19050" cap="flat" cmpd="sng" algn="ctr">
+        <a:ln w="25400" cap="rnd" cmpd="sng" algn="ctr">
           <a:solidFill>
             <a:schemeClr val="phClr"/>
           </a:solidFill>
           <a:prstDash val="solid"/>
-          <a:miter lim="800000"/>
         </a:ln>
       </a:lnStyleLst>
       <a:effectStyleLst>
@@ -4582,54 +10566,72 @@
           <a:effectLst/>
         </a:effectStyle>
         <a:effectStyle>
-          <a:effectLst/>
+          <a:effectLst>
+            <a:outerShdw blurRad="38100" dist="25400" dir="5400000" rotWithShape="0">
+              <a:srgbClr val="000000">
+                <a:alpha val="35000"/>
+              </a:srgbClr>
+            </a:outerShdw>
+          </a:effectLst>
         </a:effectStyle>
         <a:effectStyle>
           <a:effectLst>
-            <a:outerShdw blurRad="57150" dist="19050" dir="5400000" algn="ctr" rotWithShape="0">
+            <a:outerShdw blurRad="50800" dist="38100" dir="5400000" rotWithShape="0">
               <a:srgbClr val="000000">
-                <a:alpha val="63000"/>
+                <a:alpha val="35000"/>
               </a:srgbClr>
             </a:outerShdw>
           </a:effectLst>
+          <a:scene3d>
+            <a:camera prst="orthographicFront">
+              <a:rot lat="0" lon="0" rev="0"/>
+            </a:camera>
+            <a:lightRig rig="threePt" dir="tl"/>
+          </a:scene3d>
+          <a:sp3d prstMaterial="plastic">
+            <a:bevelT w="0" h="0"/>
+          </a:sp3d>
         </a:effectStyle>
       </a:effectStyleLst>
       <a:bgFillStyleLst>
         <a:solidFill>
           <a:schemeClr val="phClr"/>
         </a:solidFill>
-        <a:solidFill>
-          <a:schemeClr val="phClr">
-            <a:tint val="95000"/>
-            <a:satMod val="170000"/>
-          </a:schemeClr>
-        </a:solidFill>
         <a:gradFill rotWithShape="1">
           <a:gsLst>
             <a:gs pos="0">
               <a:schemeClr val="phClr">
-                <a:tint val="93000"/>
-                <a:satMod val="150000"/>
-                <a:shade val="98000"/>
-                <a:lumMod val="102000"/>
+                <a:tint val="90000"/>
+                <a:lumMod val="104000"/>
               </a:schemeClr>
             </a:gs>
-            <a:gs pos="50000">
+            <a:gs pos="94000">
               <a:schemeClr val="phClr">
-                <a:tint val="98000"/>
-                <a:satMod val="130000"/>
-                <a:shade val="90000"/>
-                <a:lumMod val="103000"/>
+                <a:shade val="96000"/>
+                <a:lumMod val="82000"/>
+              </a:schemeClr>
+            </a:gs>
+          </a:gsLst>
+          <a:lin ang="5400000" scaled="0"/>
+        </a:gradFill>
+        <a:gradFill rotWithShape="1">
+          <a:gsLst>
+            <a:gs pos="0">
+              <a:schemeClr val="phClr">
+                <a:tint val="90000"/>
+                <a:lumMod val="110000"/>
               </a:schemeClr>
             </a:gs>
             <a:gs pos="100000">
               <a:schemeClr val="phClr">
-                <a:shade val="63000"/>
-                <a:satMod val="120000"/>
+                <a:shade val="94000"/>
+                <a:lumMod val="96000"/>
               </a:schemeClr>
             </a:gs>
           </a:gsLst>
-          <a:lin ang="5400000" scaled="0"/>
+          <a:path path="circle">
+            <a:fillToRect l="50000" t="50000" r="100000" b="100000"/>
+          </a:path>
         </a:gradFill>
       </a:bgFillStyleLst>
     </a:fmtScheme>
@@ -4638,7 +10640,7 @@
   <a:extraClrSchemeLst/>
   <a:extLst>
     <a:ext uri="{05A4C25C-085E-4340-85A3-A5531E510DB2}">
-      <thm15:themeFamily xmlns:thm15="http://schemas.microsoft.com/office/thememl/2012/main" name="Office Theme" id="{62F939B6-93AF-4DB8-9C6B-D6C7DFDC589F}" vid="{4A3C46E8-61CC-4603-A589-7422A47A8E4A}"/>
+      <thm15:themeFamily xmlns:thm15="http://schemas.microsoft.com/office/thememl/2012/main" name="Facet" id="{C0C680CD-088A-49FC-A102-D699147F32B2}" vid="{CFBC31BA-B70F-4F30-BCAA-4F3011E16C4D}"/>
     </a:ext>
   </a:extLst>
 </a:theme>
